--- a/dsp/code/DSP代码赌场.pptx
+++ b/dsp/code/DSP代码赌场.pptx
@@ -5,10 +5,10 @@
     <p:sldMasterId id="2147483648" r:id="rId1"/>
   </p:sldMasterIdLst>
   <p:notesMasterIdLst>
-    <p:notesMasterId r:id="rId18"/>
+    <p:notesMasterId r:id="rId22"/>
   </p:notesMasterIdLst>
   <p:handoutMasterIdLst>
-    <p:handoutMasterId r:id="rId19"/>
+    <p:handoutMasterId r:id="rId23"/>
   </p:handoutMasterIdLst>
   <p:sldIdLst>
     <p:sldId id="281" r:id="rId2"/>
@@ -16,17 +16,21 @@
     <p:sldId id="289" r:id="rId4"/>
     <p:sldId id="294" r:id="rId5"/>
     <p:sldId id="295" r:id="rId6"/>
-    <p:sldId id="282" r:id="rId7"/>
-    <p:sldId id="283" r:id="rId8"/>
-    <p:sldId id="285" r:id="rId9"/>
-    <p:sldId id="286" r:id="rId10"/>
-    <p:sldId id="287" r:id="rId11"/>
-    <p:sldId id="290" r:id="rId12"/>
-    <p:sldId id="291" r:id="rId13"/>
-    <p:sldId id="292" r:id="rId14"/>
-    <p:sldId id="293" r:id="rId15"/>
-    <p:sldId id="296" r:id="rId16"/>
-    <p:sldId id="284" r:id="rId17"/>
+    <p:sldId id="297" r:id="rId7"/>
+    <p:sldId id="298" r:id="rId8"/>
+    <p:sldId id="282" r:id="rId9"/>
+    <p:sldId id="283" r:id="rId10"/>
+    <p:sldId id="285" r:id="rId11"/>
+    <p:sldId id="286" r:id="rId12"/>
+    <p:sldId id="287" r:id="rId13"/>
+    <p:sldId id="290" r:id="rId14"/>
+    <p:sldId id="291" r:id="rId15"/>
+    <p:sldId id="292" r:id="rId16"/>
+    <p:sldId id="293" r:id="rId17"/>
+    <p:sldId id="299" r:id="rId18"/>
+    <p:sldId id="300" r:id="rId19"/>
+    <p:sldId id="296" r:id="rId20"/>
+    <p:sldId id="284" r:id="rId21"/>
   </p:sldIdLst>
   <p:sldSz cx="12192000" cy="6858000"/>
   <p:notesSz cx="6858000" cy="9144000"/>
@@ -127,10 +131,10 @@
   </p:defaultTextStyle>
   <p:extLst>
     <p:ext uri="{EFAFB233-063F-42B5-8137-9DF3F51BA10A}">
-      <p15:sldGuideLst xmlns="" xmlns:p15="http://schemas.microsoft.com/office/powerpoint/2012/main"/>
+      <p15:sldGuideLst xmlns:p15="http://schemas.microsoft.com/office/powerpoint/2012/main" xmlns=""/>
     </p:ext>
     <p:ext uri="{2D200454-40CA-4A62-9FC3-DE9A4176ACB9}">
-      <p15:notesGuideLst xmlns="" xmlns:p15="http://schemas.microsoft.com/office/powerpoint/2012/main"/>
+      <p15:notesGuideLst xmlns:p15="http://schemas.microsoft.com/office/powerpoint/2012/main" xmlns=""/>
     </p:ext>
   </p:extLst>
 </p:presentation>
@@ -716,7 +720,7 @@
           <a:p>
             <a:fld id="{597FCFFC-2B35-4C03-8174-9A8CF43055B9}" type="slidenum">
               <a:rPr lang="zh-CN" altLang="en-US" smtClean="0"/>
-              <a:t>11</a:t>
+              <a:t>13</a:t>
             </a:fld>
             <a:endParaRPr lang="zh-CN" altLang="en-US"/>
           </a:p>
@@ -800,7 +804,7 @@
           <a:p>
             <a:fld id="{597FCFFC-2B35-4C03-8174-9A8CF43055B9}" type="slidenum">
               <a:rPr lang="zh-CN" altLang="en-US" smtClean="0"/>
-              <a:t>12</a:t>
+              <a:t>14</a:t>
             </a:fld>
             <a:endParaRPr lang="zh-CN" altLang="en-US"/>
           </a:p>
@@ -884,7 +888,7 @@
           <a:p>
             <a:fld id="{597FCFFC-2B35-4C03-8174-9A8CF43055B9}" type="slidenum">
               <a:rPr lang="zh-CN" altLang="en-US" smtClean="0"/>
-              <a:t>13</a:t>
+              <a:t>15</a:t>
             </a:fld>
             <a:endParaRPr lang="zh-CN" altLang="en-US"/>
           </a:p>
@@ -968,7 +972,7 @@
           <a:p>
             <a:fld id="{597FCFFC-2B35-4C03-8174-9A8CF43055B9}" type="slidenum">
               <a:rPr lang="zh-CN" altLang="en-US" smtClean="0"/>
-              <a:t>14</a:t>
+              <a:t>16</a:t>
             </a:fld>
             <a:endParaRPr lang="zh-CN" altLang="en-US"/>
           </a:p>
@@ -1052,7 +1056,175 @@
           <a:p>
             <a:fld id="{597FCFFC-2B35-4C03-8174-9A8CF43055B9}" type="slidenum">
               <a:rPr lang="zh-CN" altLang="en-US" smtClean="0"/>
-              <a:t>15</a:t>
+              <a:t>17</a:t>
+            </a:fld>
+            <a:endParaRPr lang="zh-CN" altLang="en-US"/>
+          </a:p>
+        </p:txBody>
+      </p:sp>
+    </p:spTree>
+    <p:extLst>
+      <p:ext uri="{BB962C8B-B14F-4D97-AF65-F5344CB8AC3E}">
+        <p14:creationId xmlns:p14="http://schemas.microsoft.com/office/powerpoint/2010/main" val="2846347311"/>
+      </p:ext>
+    </p:extLst>
+  </p:cSld>
+  <p:clrMapOvr>
+    <a:masterClrMapping/>
+  </p:clrMapOvr>
+</p:notes>
+</file>
+
+<file path=ppt/notesSlides/notesSlide6.xml><?xml version="1.0" encoding="utf-8"?>
+<p:notes xmlns:a="http://schemas.openxmlformats.org/drawingml/2006/main" xmlns:r="http://schemas.openxmlformats.org/officeDocument/2006/relationships" xmlns:p="http://schemas.openxmlformats.org/presentationml/2006/main">
+  <p:cSld>
+    <p:spTree>
+      <p:nvGrpSpPr>
+        <p:cNvPr id="1" name=""/>
+        <p:cNvGrpSpPr/>
+        <p:nvPr/>
+      </p:nvGrpSpPr>
+      <p:grpSpPr>
+        <a:xfrm>
+          <a:off x="0" y="0"/>
+          <a:ext cx="0" cy="0"/>
+          <a:chOff x="0" y="0"/>
+          <a:chExt cx="0" cy="0"/>
+        </a:xfrm>
+      </p:grpSpPr>
+      <p:sp>
+        <p:nvSpPr>
+          <p:cNvPr id="2" name="幻灯片图像占位符 1"/>
+          <p:cNvSpPr>
+            <a:spLocks noGrp="1" noRot="1" noChangeAspect="1"/>
+          </p:cNvSpPr>
+          <p:nvPr>
+            <p:ph type="sldImg"/>
+          </p:nvPr>
+        </p:nvSpPr>
+        <p:spPr/>
+      </p:sp>
+      <p:sp>
+        <p:nvSpPr>
+          <p:cNvPr id="3" name="备注占位符 2"/>
+          <p:cNvSpPr>
+            <a:spLocks noGrp="1"/>
+          </p:cNvSpPr>
+          <p:nvPr>
+            <p:ph type="body" idx="1"/>
+          </p:nvPr>
+        </p:nvSpPr>
+        <p:spPr/>
+        <p:txBody>
+          <a:bodyPr/>
+          <a:lstStyle/>
+          <a:p>
+            <a:endParaRPr lang="zh-CN" altLang="en-US" dirty="0"/>
+          </a:p>
+        </p:txBody>
+      </p:sp>
+      <p:sp>
+        <p:nvSpPr>
+          <p:cNvPr id="4" name="灯片编号占位符 3"/>
+          <p:cNvSpPr>
+            <a:spLocks noGrp="1"/>
+          </p:cNvSpPr>
+          <p:nvPr>
+            <p:ph type="sldNum" sz="quarter" idx="10"/>
+          </p:nvPr>
+        </p:nvSpPr>
+        <p:spPr/>
+        <p:txBody>
+          <a:bodyPr/>
+          <a:lstStyle/>
+          <a:p>
+            <a:fld id="{597FCFFC-2B35-4C03-8174-9A8CF43055B9}" type="slidenum">
+              <a:rPr lang="zh-CN" altLang="en-US" smtClean="0"/>
+              <a:t>18</a:t>
+            </a:fld>
+            <a:endParaRPr lang="zh-CN" altLang="en-US"/>
+          </a:p>
+        </p:txBody>
+      </p:sp>
+    </p:spTree>
+    <p:extLst>
+      <p:ext uri="{BB962C8B-B14F-4D97-AF65-F5344CB8AC3E}">
+        <p14:creationId xmlns:p14="http://schemas.microsoft.com/office/powerpoint/2010/main" val="2846347311"/>
+      </p:ext>
+    </p:extLst>
+  </p:cSld>
+  <p:clrMapOvr>
+    <a:masterClrMapping/>
+  </p:clrMapOvr>
+</p:notes>
+</file>
+
+<file path=ppt/notesSlides/notesSlide7.xml><?xml version="1.0" encoding="utf-8"?>
+<p:notes xmlns:a="http://schemas.openxmlformats.org/drawingml/2006/main" xmlns:r="http://schemas.openxmlformats.org/officeDocument/2006/relationships" xmlns:p="http://schemas.openxmlformats.org/presentationml/2006/main">
+  <p:cSld>
+    <p:spTree>
+      <p:nvGrpSpPr>
+        <p:cNvPr id="1" name=""/>
+        <p:cNvGrpSpPr/>
+        <p:nvPr/>
+      </p:nvGrpSpPr>
+      <p:grpSpPr>
+        <a:xfrm>
+          <a:off x="0" y="0"/>
+          <a:ext cx="0" cy="0"/>
+          <a:chOff x="0" y="0"/>
+          <a:chExt cx="0" cy="0"/>
+        </a:xfrm>
+      </p:grpSpPr>
+      <p:sp>
+        <p:nvSpPr>
+          <p:cNvPr id="2" name="幻灯片图像占位符 1"/>
+          <p:cNvSpPr>
+            <a:spLocks noGrp="1" noRot="1" noChangeAspect="1"/>
+          </p:cNvSpPr>
+          <p:nvPr>
+            <p:ph type="sldImg"/>
+          </p:nvPr>
+        </p:nvSpPr>
+        <p:spPr/>
+      </p:sp>
+      <p:sp>
+        <p:nvSpPr>
+          <p:cNvPr id="3" name="备注占位符 2"/>
+          <p:cNvSpPr>
+            <a:spLocks noGrp="1"/>
+          </p:cNvSpPr>
+          <p:nvPr>
+            <p:ph type="body" idx="1"/>
+          </p:nvPr>
+        </p:nvSpPr>
+        <p:spPr/>
+        <p:txBody>
+          <a:bodyPr/>
+          <a:lstStyle/>
+          <a:p>
+            <a:endParaRPr lang="zh-CN" altLang="en-US" dirty="0"/>
+          </a:p>
+        </p:txBody>
+      </p:sp>
+      <p:sp>
+        <p:nvSpPr>
+          <p:cNvPr id="4" name="灯片编号占位符 3"/>
+          <p:cNvSpPr>
+            <a:spLocks noGrp="1"/>
+          </p:cNvSpPr>
+          <p:nvPr>
+            <p:ph type="sldNum" sz="quarter" idx="10"/>
+          </p:nvPr>
+        </p:nvSpPr>
+        <p:spPr/>
+        <p:txBody>
+          <a:bodyPr/>
+          <a:lstStyle/>
+          <a:p>
+            <a:fld id="{597FCFFC-2B35-4C03-8174-9A8CF43055B9}" type="slidenum">
+              <a:rPr lang="zh-CN" altLang="en-US" smtClean="0"/>
+              <a:t>19</a:t>
             </a:fld>
             <a:endParaRPr lang="zh-CN" altLang="en-US"/>
           </a:p>
@@ -2234,7 +2406,7 @@
         </p:nvSpPr>
         <p:spPr>
           <a:xfrm>
-            <a:off x="765256" y="1526163"/>
+            <a:off x="794657" y="1796597"/>
             <a:ext cx="10515600" cy="4351338"/>
           </a:xfrm>
         </p:spPr>
@@ -2254,30 +2426,16 @@
                 <a:latin typeface="+mj-ea"/>
                 <a:ea typeface="+mj-ea"/>
               </a:rPr>
-              <a:t>前后端</a:t>
-            </a:r>
-            <a:r>
-              <a:rPr lang="en-US" altLang="zh-CN" b="1" dirty="0" smtClean="0">
-                <a:latin typeface="+mj-ea"/>
-                <a:ea typeface="+mj-ea"/>
-              </a:rPr>
-              <a:t>List</a:t>
+              <a:t>前端请求</a:t>
             </a:r>
             <a:r>
               <a:rPr lang="zh-CN" altLang="en-US" b="1" dirty="0" smtClean="0">
                 <a:latin typeface="+mj-ea"/>
                 <a:ea typeface="+mj-ea"/>
               </a:rPr>
-              <a:t>接口</a:t>
-            </a:r>
-            <a:r>
-              <a:rPr lang="zh-CN" altLang="en-US" dirty="0" smtClean="0">
-                <a:latin typeface="+mj-ea"/>
-                <a:ea typeface="+mj-ea"/>
-              </a:rPr>
-              <a:t>对业务透明化</a:t>
-            </a:r>
-            <a:endParaRPr lang="en-US" altLang="zh-CN" dirty="0" smtClean="0">
+              <a:t>校验自动化</a:t>
+            </a:r>
+            <a:endParaRPr lang="en-US" altLang="zh-CN" b="1" dirty="0" smtClean="0">
               <a:latin typeface="+mj-ea"/>
               <a:ea typeface="+mj-ea"/>
             </a:endParaRPr>
@@ -2289,55 +2447,41 @@
               </a:lnSpc>
             </a:pPr>
             <a:r>
-              <a:rPr lang="en-US" altLang="zh-CN" sz="1800" dirty="0" smtClean="0">
-                <a:latin typeface="+mj-ea"/>
-                <a:ea typeface="+mj-ea"/>
-              </a:rPr>
-              <a:t>ER1.0</a:t>
-            </a:r>
-            <a:r>
-              <a:rPr lang="zh-CN" altLang="en-US" sz="1800" dirty="0" smtClean="0">
-                <a:latin typeface="+mj-ea"/>
-                <a:ea typeface="+mj-ea"/>
-              </a:rPr>
-              <a:t>要求返回</a:t>
-            </a:r>
-            <a:r>
-              <a:rPr lang="en-US" altLang="zh-CN" sz="1800" dirty="0" err="1" smtClean="0">
-                <a:latin typeface="+mj-ea"/>
-                <a:ea typeface="+mj-ea"/>
-              </a:rPr>
-              <a:t>pageno</a:t>
-            </a:r>
-            <a:r>
-              <a:rPr lang="en-US" altLang="zh-CN" sz="1800" dirty="0" smtClean="0">
-                <a:latin typeface="+mj-ea"/>
-                <a:ea typeface="+mj-ea"/>
-              </a:rPr>
-              <a:t>/</a:t>
-            </a:r>
-            <a:r>
-              <a:rPr lang="en-US" altLang="zh-CN" sz="1800" dirty="0" err="1" smtClean="0">
-                <a:latin typeface="+mj-ea"/>
-                <a:ea typeface="+mj-ea"/>
-              </a:rPr>
-              <a:t>pagesize</a:t>
-            </a:r>
-            <a:r>
-              <a:rPr lang="en-US" altLang="zh-CN" sz="1800" dirty="0" smtClean="0">
-                <a:latin typeface="+mj-ea"/>
-                <a:ea typeface="+mj-ea"/>
-              </a:rPr>
-              <a:t>/order</a:t>
-            </a:r>
-            <a:r>
-              <a:rPr lang="zh-CN" altLang="en-US" sz="1800" dirty="0" smtClean="0">
-                <a:latin typeface="+mj-ea"/>
-                <a:ea typeface="+mj-ea"/>
-              </a:rPr>
-              <a:t>等属性</a:t>
-            </a:r>
-            <a:endParaRPr lang="en-US" altLang="zh-CN" sz="1800" dirty="0" smtClean="0">
+              <a:rPr lang="zh-CN" altLang="en-US" sz="2000" dirty="0">
+                <a:latin typeface="+mj-ea"/>
+                <a:ea typeface="+mj-ea"/>
+              </a:rPr>
+              <a:t>使用</a:t>
+            </a:r>
+            <a:r>
+              <a:rPr lang="en-US" altLang="zh-CN" sz="2000" dirty="0" err="1">
+                <a:latin typeface="+mj-ea"/>
+                <a:ea typeface="+mj-ea"/>
+              </a:rPr>
+              <a:t>jsr</a:t>
+            </a:r>
+            <a:r>
+              <a:rPr lang="en-US" altLang="zh-CN" sz="2000" dirty="0">
+                <a:latin typeface="+mj-ea"/>
+                <a:ea typeface="+mj-ea"/>
+              </a:rPr>
+              <a:t> 303</a:t>
+            </a:r>
+            <a:r>
+              <a:rPr lang="zh-CN" altLang="en-US" sz="2000" dirty="0">
+                <a:latin typeface="+mj-ea"/>
+                <a:ea typeface="+mj-ea"/>
+              </a:rPr>
+              <a:t>代替手工</a:t>
+            </a:r>
+            <a:r>
+              <a:rPr lang="zh-CN" altLang="en-US" sz="2000" dirty="0" smtClean="0">
+                <a:latin typeface="+mj-ea"/>
+                <a:ea typeface="+mj-ea"/>
+              </a:rPr>
+              <a:t>验证</a:t>
+            </a:r>
+            <a:endParaRPr lang="en-US" altLang="zh-CN" sz="2000" dirty="0" smtClean="0">
               <a:latin typeface="+mj-ea"/>
               <a:ea typeface="+mj-ea"/>
             </a:endParaRPr>
@@ -2349,49 +2493,27 @@
               </a:lnSpc>
             </a:pPr>
             <a:r>
-              <a:rPr lang="zh-CN" altLang="en-US" sz="1800" dirty="0" smtClean="0">
-                <a:latin typeface="+mj-ea"/>
-                <a:ea typeface="+mj-ea"/>
-              </a:rPr>
-              <a:t>做法：</a:t>
-            </a:r>
-            <a:endParaRPr lang="en-US" altLang="zh-CN" sz="1800" dirty="0" smtClean="0">
-              <a:latin typeface="+mj-ea"/>
-              <a:ea typeface="+mj-ea"/>
-            </a:endParaRPr>
-          </a:p>
-          <a:p>
-            <a:pPr lvl="2">
-              <a:lnSpc>
-                <a:spcPct val="150000"/>
-              </a:lnSpc>
-            </a:pPr>
-            <a:r>
-              <a:rPr lang="zh-CN" altLang="en-US" sz="1400" dirty="0" smtClean="0">
-                <a:latin typeface="+mj-ea"/>
-                <a:ea typeface="+mj-ea"/>
-              </a:rPr>
-              <a:t>请求：自动将前端参数放到会话中</a:t>
-            </a:r>
-            <a:endParaRPr lang="en-US" altLang="zh-CN" sz="1400" dirty="0" smtClean="0">
-              <a:latin typeface="+mj-ea"/>
-              <a:ea typeface="+mj-ea"/>
-            </a:endParaRPr>
-          </a:p>
-          <a:p>
-            <a:pPr lvl="2">
-              <a:lnSpc>
-                <a:spcPct val="150000"/>
-              </a:lnSpc>
-            </a:pPr>
-            <a:r>
-              <a:rPr lang="zh-CN" altLang="en-US" sz="1400" dirty="0" smtClean="0">
-                <a:latin typeface="+mj-ea"/>
-                <a:ea typeface="+mj-ea"/>
-              </a:rPr>
-              <a:t>返回：自动从会话中获取参数返回前端</a:t>
-            </a:r>
-            <a:endParaRPr lang="en-US" altLang="zh-CN" sz="1400" dirty="0" smtClean="0">
+              <a:rPr lang="zh-CN" altLang="en-US" sz="2000" dirty="0" smtClean="0">
+                <a:latin typeface="+mj-ea"/>
+                <a:ea typeface="+mj-ea"/>
+              </a:rPr>
+              <a:t>统一</a:t>
+            </a:r>
+            <a:r>
+              <a:rPr lang="zh-CN" altLang="en-US" sz="2000" dirty="0">
+                <a:latin typeface="+mj-ea"/>
+                <a:ea typeface="+mj-ea"/>
+              </a:rPr>
+              <a:t>的、基于配置的国际化，而不是在代码中</a:t>
+            </a:r>
+            <a:r>
+              <a:rPr lang="zh-CN" altLang="en-US" sz="2000" dirty="0" smtClean="0">
+                <a:latin typeface="+mj-ea"/>
+                <a:ea typeface="+mj-ea"/>
+              </a:rPr>
+              <a:t>处理</a:t>
+            </a:r>
+            <a:endParaRPr lang="en-US" altLang="zh-CN" sz="2000" dirty="0" smtClean="0">
               <a:latin typeface="+mj-ea"/>
               <a:ea typeface="+mj-ea"/>
             </a:endParaRPr>
@@ -2403,27 +2525,38 @@
               </a:lnSpc>
             </a:pPr>
             <a:r>
-              <a:rPr lang="zh-CN" altLang="en-US" sz="1800" b="1" dirty="0" smtClean="0">
-                <a:latin typeface="+mj-ea"/>
-                <a:ea typeface="+mj-ea"/>
-              </a:rPr>
-              <a:t>业务代码无</a:t>
-            </a:r>
-            <a:r>
-              <a:rPr lang="en-US" altLang="zh-CN" sz="1800" b="1" dirty="0" smtClean="0">
-                <a:latin typeface="+mj-ea"/>
-                <a:ea typeface="+mj-ea"/>
-              </a:rPr>
-              <a:t>page</a:t>
-            </a:r>
-            <a:r>
-              <a:rPr lang="zh-CN" altLang="en-US" sz="1800" b="1" dirty="0" smtClean="0">
-                <a:latin typeface="+mj-ea"/>
-                <a:ea typeface="+mj-ea"/>
-              </a:rPr>
-              <a:t>相关逻辑</a:t>
-            </a:r>
-            <a:endParaRPr lang="en-US" altLang="zh-CN" sz="1800" b="1" dirty="0" smtClean="0">
+              <a:rPr lang="zh-CN" altLang="en-US" sz="2000" dirty="0" smtClean="0">
+                <a:latin typeface="+mj-ea"/>
+                <a:ea typeface="+mj-ea"/>
+              </a:rPr>
+              <a:t>校验异常自动捕捉</a:t>
+            </a:r>
+            <a:endParaRPr lang="en-US" altLang="zh-CN" sz="2000" dirty="0" smtClean="0">
+              <a:latin typeface="+mj-ea"/>
+              <a:ea typeface="+mj-ea"/>
+            </a:endParaRPr>
+          </a:p>
+          <a:p>
+            <a:pPr lvl="1">
+              <a:lnSpc>
+                <a:spcPct val="150000"/>
+              </a:lnSpc>
+            </a:pPr>
+            <a:r>
+              <a:rPr lang="zh-CN" altLang="en-US" sz="2000" dirty="0" smtClean="0">
+                <a:latin typeface="+mj-ea"/>
+                <a:ea typeface="+mj-ea"/>
+              </a:rPr>
+              <a:t>（简单）校验</a:t>
+            </a:r>
+            <a:r>
+              <a:rPr lang="zh-CN" altLang="en-US" sz="2000" b="1" dirty="0" smtClean="0">
+                <a:latin typeface="+mj-ea"/>
+                <a:ea typeface="+mj-ea"/>
+              </a:rPr>
+              <a:t>与业务代码解耦</a:t>
+            </a:r>
+            <a:endParaRPr lang="en-US" altLang="zh-CN" sz="2000" b="1" dirty="0" smtClean="0">
               <a:latin typeface="+mj-ea"/>
               <a:ea typeface="+mj-ea"/>
             </a:endParaRPr>
@@ -2432,7 +2565,7 @@
       </p:sp>
       <p:pic>
         <p:nvPicPr>
-          <p:cNvPr id="3076" name="Picture 4"/>
+          <p:cNvPr id="6146" name="Picture 2"/>
           <p:cNvPicPr>
             <a:picLocks noChangeAspect="1" noChangeArrowheads="1"/>
           </p:cNvPicPr>
@@ -2453,8 +2586,8 @@
         </p:blipFill>
         <p:spPr bwMode="auto">
           <a:xfrm>
-            <a:off x="8206468" y="943986"/>
-            <a:ext cx="2637855" cy="3585434"/>
+            <a:off x="5737306" y="1915375"/>
+            <a:ext cx="6019800" cy="904875"/>
           </a:xfrm>
           <a:prstGeom prst="rect">
             <a:avLst/>
@@ -2496,875 +2629,6 @@
       </p:pic>
       <p:pic>
         <p:nvPicPr>
-          <p:cNvPr id="3077" name="Picture 5"/>
-          <p:cNvPicPr>
-            <a:picLocks noChangeAspect="1" noChangeArrowheads="1"/>
-          </p:cNvPicPr>
-          <p:nvPr/>
-        </p:nvPicPr>
-        <p:blipFill>
-          <a:blip r:embed="rId3">
-            <a:extLst>
-              <a:ext uri="{28A0092B-C50C-407E-A947-70E740481C1C}">
-                <a14:useLocalDpi xmlns:a14="http://schemas.microsoft.com/office/drawing/2010/main" val="0"/>
-              </a:ext>
-            </a:extLst>
-          </a:blip>
-          <a:srcRect/>
-          <a:stretch>
-            <a:fillRect/>
-          </a:stretch>
-        </p:blipFill>
-        <p:spPr bwMode="auto">
-          <a:xfrm>
-            <a:off x="5210742" y="2889333"/>
-            <a:ext cx="2662095" cy="3908509"/>
-          </a:xfrm>
-          <a:prstGeom prst="rect">
-            <a:avLst/>
-          </a:prstGeom>
-          <a:noFill/>
-          <a:ln>
-            <a:noFill/>
-          </a:ln>
-          <a:effectLst/>
-          <a:extLst>
-            <a:ext uri="{909E8E84-426E-40DD-AFC4-6F175D3DCCD1}">
-              <a14:hiddenFill xmlns:a14="http://schemas.microsoft.com/office/drawing/2010/main">
-                <a:solidFill>
-                  <a:schemeClr val="accent1"/>
-                </a:solidFill>
-              </a14:hiddenFill>
-            </a:ext>
-            <a:ext uri="{91240B29-F687-4F45-9708-019B960494DF}">
-              <a14:hiddenLine xmlns:a14="http://schemas.microsoft.com/office/drawing/2010/main" w="9525">
-                <a:solidFill>
-                  <a:schemeClr val="tx1"/>
-                </a:solidFill>
-                <a:miter lim="800000"/>
-                <a:headEnd/>
-                <a:tailEnd/>
-              </a14:hiddenLine>
-            </a:ext>
-            <a:ext uri="{AF507438-7753-43E0-B8FC-AC1667EBCBE1}">
-              <a14:hiddenEffects xmlns:a14="http://schemas.microsoft.com/office/drawing/2010/main">
-                <a:effectLst>
-                  <a:outerShdw dist="35921" dir="2700000" algn="ctr" rotWithShape="0">
-                    <a:schemeClr val="bg2"/>
-                  </a:outerShdw>
-                </a:effectLst>
-              </a14:hiddenEffects>
-            </a:ext>
-          </a:extLst>
-        </p:spPr>
-      </p:pic>
-      <p:pic>
-        <p:nvPicPr>
-          <p:cNvPr id="3079" name="Picture 7"/>
-          <p:cNvPicPr>
-            <a:picLocks noChangeAspect="1" noChangeArrowheads="1"/>
-          </p:cNvPicPr>
-          <p:nvPr/>
-        </p:nvPicPr>
-        <p:blipFill>
-          <a:blip r:embed="rId4">
-            <a:extLst>
-              <a:ext uri="{28A0092B-C50C-407E-A947-70E740481C1C}">
-                <a14:useLocalDpi xmlns:a14="http://schemas.microsoft.com/office/drawing/2010/main" val="0"/>
-              </a:ext>
-            </a:extLst>
-          </a:blip>
-          <a:srcRect/>
-          <a:stretch>
-            <a:fillRect/>
-          </a:stretch>
-        </p:blipFill>
-        <p:spPr bwMode="auto">
-          <a:xfrm>
-            <a:off x="8206468" y="4702678"/>
-            <a:ext cx="2860225" cy="2095165"/>
-          </a:xfrm>
-          <a:prstGeom prst="rect">
-            <a:avLst/>
-          </a:prstGeom>
-          <a:noFill/>
-          <a:ln>
-            <a:noFill/>
-          </a:ln>
-          <a:effectLst/>
-          <a:extLst>
-            <a:ext uri="{909E8E84-426E-40DD-AFC4-6F175D3DCCD1}">
-              <a14:hiddenFill xmlns:a14="http://schemas.microsoft.com/office/drawing/2010/main">
-                <a:solidFill>
-                  <a:schemeClr val="accent1"/>
-                </a:solidFill>
-              </a14:hiddenFill>
-            </a:ext>
-            <a:ext uri="{91240B29-F687-4F45-9708-019B960494DF}">
-              <a14:hiddenLine xmlns:a14="http://schemas.microsoft.com/office/drawing/2010/main" w="9525">
-                <a:solidFill>
-                  <a:schemeClr val="tx1"/>
-                </a:solidFill>
-                <a:miter lim="800000"/>
-                <a:headEnd/>
-                <a:tailEnd/>
-              </a14:hiddenLine>
-            </a:ext>
-            <a:ext uri="{AF507438-7753-43E0-B8FC-AC1667EBCBE1}">
-              <a14:hiddenEffects xmlns:a14="http://schemas.microsoft.com/office/drawing/2010/main">
-                <a:effectLst>
-                  <a:outerShdw dist="35921" dir="2700000" algn="ctr" rotWithShape="0">
-                    <a:schemeClr val="bg2"/>
-                  </a:outerShdw>
-                </a:effectLst>
-              </a14:hiddenEffects>
-            </a:ext>
-          </a:extLst>
-        </p:spPr>
-      </p:pic>
-    </p:spTree>
-    <p:extLst>
-      <p:ext uri="{BB962C8B-B14F-4D97-AF65-F5344CB8AC3E}">
-        <p14:creationId xmlns:p14="http://schemas.microsoft.com/office/powerpoint/2010/main" val="863598961"/>
-      </p:ext>
-    </p:extLst>
-  </p:cSld>
-  <p:clrMapOvr>
-    <a:masterClrMapping/>
-  </p:clrMapOvr>
-  <p:timing>
-    <p:tnLst>
-      <p:par>
-        <p:cTn id="1" dur="indefinite" restart="never" nodeType="tmRoot"/>
-      </p:par>
-    </p:tnLst>
-  </p:timing>
-</p:sld>
-</file>
-
-<file path=ppt/slides/slide11.xml><?xml version="1.0" encoding="utf-8"?>
-<p:sld xmlns:a="http://schemas.openxmlformats.org/drawingml/2006/main" xmlns:r="http://schemas.openxmlformats.org/officeDocument/2006/relationships" xmlns:p="http://schemas.openxmlformats.org/presentationml/2006/main">
-  <p:cSld>
-    <p:spTree>
-      <p:nvGrpSpPr>
-        <p:cNvPr id="1" name=""/>
-        <p:cNvGrpSpPr/>
-        <p:nvPr/>
-      </p:nvGrpSpPr>
-      <p:grpSpPr>
-        <a:xfrm>
-          <a:off x="0" y="0"/>
-          <a:ext cx="0" cy="0"/>
-          <a:chOff x="0" y="0"/>
-          <a:chExt cx="0" cy="0"/>
-        </a:xfrm>
-      </p:grpSpPr>
-      <p:sp>
-        <p:nvSpPr>
-          <p:cNvPr id="2" name="标题 1"/>
-          <p:cNvSpPr>
-            <a:spLocks noGrp="1"/>
-          </p:cNvSpPr>
-          <p:nvPr>
-            <p:ph type="title"/>
-          </p:nvPr>
-        </p:nvSpPr>
-        <p:spPr/>
-        <p:txBody>
-          <a:bodyPr>
-            <a:normAutofit/>
-          </a:bodyPr>
-          <a:lstStyle/>
-          <a:p>
-            <a:r>
-              <a:rPr lang="zh-CN" altLang="en-US" dirty="0" smtClean="0">
-                <a:latin typeface="+mj-ea"/>
-              </a:rPr>
-              <a:t>自夸</a:t>
-            </a:r>
-            <a:endParaRPr lang="zh-CN" altLang="en-US" dirty="0">
-              <a:solidFill>
-                <a:srgbClr val="1713DC"/>
-              </a:solidFill>
-              <a:latin typeface="+mj-ea"/>
-            </a:endParaRPr>
-          </a:p>
-        </p:txBody>
-      </p:sp>
-      <p:sp>
-        <p:nvSpPr>
-          <p:cNvPr id="21" name="Text Box 48"/>
-          <p:cNvSpPr txBox="1">
-            <a:spLocks noChangeArrowheads="1"/>
-          </p:cNvSpPr>
-          <p:nvPr/>
-        </p:nvSpPr>
-        <p:spPr bwMode="auto">
-          <a:xfrm>
-            <a:off x="6023056" y="1641474"/>
-            <a:ext cx="1978608" cy="369887"/>
-          </a:xfrm>
-          <a:prstGeom prst="rect">
-            <a:avLst/>
-          </a:prstGeom>
-          <a:noFill/>
-          <a:ln w="9525">
-            <a:noFill/>
-            <a:miter lim="800000"/>
-            <a:headEnd/>
-            <a:tailEnd/>
-          </a:ln>
-          <a:effectLst/>
-        </p:spPr>
-        <p:txBody>
-          <a:bodyPr wrap="square">
-            <a:spAutoFit/>
-          </a:bodyPr>
-          <a:lstStyle/>
-          <a:p>
-            <a:pPr algn="ctr" eaLnBrk="0" hangingPunct="0"/>
-            <a:endParaRPr lang="en-US" altLang="zh-CN" dirty="0">
-              <a:latin typeface="+mj-ea"/>
-              <a:ea typeface="+mj-ea"/>
-            </a:endParaRPr>
-          </a:p>
-        </p:txBody>
-      </p:sp>
-      <p:sp>
-        <p:nvSpPr>
-          <p:cNvPr id="6" name="内容占位符 2"/>
-          <p:cNvSpPr>
-            <a:spLocks noGrp="1"/>
-          </p:cNvSpPr>
-          <p:nvPr>
-            <p:ph idx="1"/>
-          </p:nvPr>
-        </p:nvSpPr>
-        <p:spPr>
-          <a:xfrm>
-            <a:off x="765256" y="1663805"/>
-            <a:ext cx="10515600" cy="4351338"/>
-          </a:xfrm>
-        </p:spPr>
-        <p:txBody>
-          <a:bodyPr wrap="none">
-            <a:normAutofit/>
-          </a:bodyPr>
-          <a:lstStyle/>
-          <a:p>
-            <a:pPr>
-              <a:lnSpc>
-                <a:spcPct val="150000"/>
-              </a:lnSpc>
-            </a:pPr>
-            <a:r>
-              <a:rPr lang="zh-CN" altLang="en-US" dirty="0" smtClean="0">
-                <a:latin typeface="+mj-ea"/>
-                <a:ea typeface="+mj-ea"/>
-              </a:rPr>
-              <a:t>后端</a:t>
-            </a:r>
-            <a:r>
-              <a:rPr lang="zh-CN" altLang="en-US" b="1" dirty="0" smtClean="0">
-                <a:latin typeface="+mj-ea"/>
-                <a:ea typeface="+mj-ea"/>
-              </a:rPr>
-              <a:t>分页自动化</a:t>
-            </a:r>
-            <a:endParaRPr lang="en-US" altLang="zh-CN" b="1" dirty="0" smtClean="0">
-              <a:latin typeface="+mj-ea"/>
-              <a:ea typeface="+mj-ea"/>
-            </a:endParaRPr>
-          </a:p>
-          <a:p>
-            <a:pPr lvl="1">
-              <a:lnSpc>
-                <a:spcPct val="150000"/>
-              </a:lnSpc>
-            </a:pPr>
-            <a:r>
-              <a:rPr lang="zh-CN" altLang="en-US" sz="1800" dirty="0" smtClean="0">
-                <a:latin typeface="+mj-ea"/>
-                <a:ea typeface="+mj-ea"/>
-              </a:rPr>
-              <a:t>做法：</a:t>
-            </a:r>
-            <a:endParaRPr lang="en-US" altLang="zh-CN" sz="1800" dirty="0" smtClean="0">
-              <a:latin typeface="+mj-ea"/>
-              <a:ea typeface="+mj-ea"/>
-            </a:endParaRPr>
-          </a:p>
-          <a:p>
-            <a:pPr lvl="2">
-              <a:lnSpc>
-                <a:spcPct val="150000"/>
-              </a:lnSpc>
-            </a:pPr>
-            <a:r>
-              <a:rPr lang="zh-CN" altLang="en-US" sz="1400" dirty="0" smtClean="0">
-                <a:latin typeface="+mj-ea"/>
-                <a:ea typeface="+mj-ea"/>
-              </a:rPr>
-              <a:t>数据库查询分页：</a:t>
-            </a:r>
-            <a:r>
-              <a:rPr lang="en-US" altLang="zh-CN" sz="1400" dirty="0" smtClean="0">
-                <a:latin typeface="+mj-ea"/>
-                <a:ea typeface="+mj-ea"/>
-              </a:rPr>
-              <a:t>page2() </a:t>
-            </a:r>
-          </a:p>
-          <a:p>
-            <a:pPr lvl="2">
-              <a:lnSpc>
-                <a:spcPct val="150000"/>
-              </a:lnSpc>
-            </a:pPr>
-            <a:r>
-              <a:rPr lang="zh-CN" altLang="en-US" sz="1400" dirty="0" smtClean="0">
-                <a:latin typeface="+mj-ea"/>
-                <a:ea typeface="+mj-ea"/>
-              </a:rPr>
-              <a:t>实现转换接口：专注于将数据库</a:t>
-            </a:r>
-            <a:r>
-              <a:rPr lang="en-US" altLang="zh-CN" sz="1400" dirty="0" smtClean="0">
-                <a:latin typeface="+mj-ea"/>
-                <a:ea typeface="+mj-ea"/>
-              </a:rPr>
-              <a:t>Bo</a:t>
-            </a:r>
-            <a:r>
-              <a:rPr lang="zh-CN" altLang="en-US" sz="1400" dirty="0" smtClean="0">
-                <a:latin typeface="+mj-ea"/>
-                <a:ea typeface="+mj-ea"/>
-              </a:rPr>
-              <a:t>转成前端需要的</a:t>
-            </a:r>
-            <a:r>
-              <a:rPr lang="en-US" altLang="zh-CN" sz="1400" dirty="0" smtClean="0">
-                <a:latin typeface="+mj-ea"/>
-                <a:ea typeface="+mj-ea"/>
-              </a:rPr>
-              <a:t>Vo</a:t>
-            </a:r>
-          </a:p>
-          <a:p>
-            <a:pPr lvl="2">
-              <a:lnSpc>
-                <a:spcPct val="150000"/>
-              </a:lnSpc>
-            </a:pPr>
-            <a:r>
-              <a:rPr lang="zh-CN" altLang="en-US" sz="1400" dirty="0" smtClean="0">
-                <a:latin typeface="+mj-ea"/>
-                <a:ea typeface="+mj-ea"/>
-              </a:rPr>
-              <a:t>返回：自动将</a:t>
-            </a:r>
-            <a:r>
-              <a:rPr lang="en-US" altLang="zh-CN" sz="1400" dirty="0" err="1" smtClean="0">
-                <a:latin typeface="+mj-ea"/>
-                <a:ea typeface="+mj-ea"/>
-              </a:rPr>
-              <a:t>page,result</a:t>
-            </a:r>
-            <a:r>
-              <a:rPr lang="zh-CN" altLang="en-US" sz="1400" dirty="0" smtClean="0">
-                <a:latin typeface="+mj-ea"/>
-                <a:ea typeface="+mj-ea"/>
-              </a:rPr>
-              <a:t>序列化返回</a:t>
-            </a:r>
-            <a:endParaRPr lang="en-US" altLang="zh-CN" sz="1400" dirty="0" smtClean="0">
-              <a:latin typeface="+mj-ea"/>
-              <a:ea typeface="+mj-ea"/>
-            </a:endParaRPr>
-          </a:p>
-          <a:p>
-            <a:pPr lvl="1">
-              <a:lnSpc>
-                <a:spcPct val="150000"/>
-              </a:lnSpc>
-            </a:pPr>
-            <a:r>
-              <a:rPr lang="zh-CN" altLang="en-US" sz="1800" dirty="0" smtClean="0">
-                <a:latin typeface="+mj-ea"/>
-                <a:ea typeface="+mj-ea"/>
-              </a:rPr>
-              <a:t>业务代码只需</a:t>
-            </a:r>
-            <a:r>
-              <a:rPr lang="zh-CN" altLang="en-US" sz="1800" b="1" dirty="0" smtClean="0">
-                <a:latin typeface="+mj-ea"/>
-                <a:ea typeface="+mj-ea"/>
-              </a:rPr>
-              <a:t>关注数据本身</a:t>
-            </a:r>
-            <a:r>
-              <a:rPr lang="en-US" altLang="zh-CN" sz="1800" b="1" dirty="0" smtClean="0">
-                <a:latin typeface="+mj-ea"/>
-                <a:ea typeface="+mj-ea"/>
-              </a:rPr>
-              <a:t/>
-            </a:r>
-            <a:br>
-              <a:rPr lang="en-US" altLang="zh-CN" sz="1800" b="1" dirty="0" smtClean="0">
-                <a:latin typeface="+mj-ea"/>
-                <a:ea typeface="+mj-ea"/>
-              </a:rPr>
-            </a:br>
-            <a:r>
-              <a:rPr lang="zh-CN" altLang="en-US" sz="1800" b="1" dirty="0" smtClean="0">
-                <a:latin typeface="+mj-ea"/>
-                <a:ea typeface="+mj-ea"/>
-              </a:rPr>
-              <a:t>（如何转换数据）</a:t>
-            </a:r>
-            <a:endParaRPr lang="en-US" altLang="zh-CN" sz="1800" b="1" dirty="0" smtClean="0">
-              <a:latin typeface="+mj-ea"/>
-              <a:ea typeface="+mj-ea"/>
-            </a:endParaRPr>
-          </a:p>
-          <a:p>
-            <a:pPr lvl="1">
-              <a:lnSpc>
-                <a:spcPct val="150000"/>
-              </a:lnSpc>
-            </a:pPr>
-            <a:r>
-              <a:rPr lang="zh-CN" altLang="en-US" sz="1800" b="1" dirty="0" smtClean="0">
-                <a:latin typeface="+mj-ea"/>
-                <a:ea typeface="+mj-ea"/>
-              </a:rPr>
-              <a:t>业务代码无分页相关</a:t>
-            </a:r>
-            <a:r>
-              <a:rPr lang="zh-CN" altLang="en-US" sz="1800" b="1" dirty="0">
-                <a:latin typeface="+mj-ea"/>
-                <a:ea typeface="+mj-ea"/>
-              </a:rPr>
-              <a:t>逻辑</a:t>
-            </a:r>
-            <a:endParaRPr lang="en-US" altLang="zh-CN" sz="1800" b="1" dirty="0">
-              <a:latin typeface="+mj-ea"/>
-              <a:ea typeface="+mj-ea"/>
-            </a:endParaRPr>
-          </a:p>
-        </p:txBody>
-      </p:sp>
-      <p:pic>
-        <p:nvPicPr>
-          <p:cNvPr id="8" name="Picture 7"/>
-          <p:cNvPicPr>
-            <a:picLocks noChangeAspect="1" noChangeArrowheads="1"/>
-          </p:cNvPicPr>
-          <p:nvPr/>
-        </p:nvPicPr>
-        <p:blipFill>
-          <a:blip r:embed="rId3">
-            <a:extLst>
-              <a:ext uri="{28A0092B-C50C-407E-A947-70E740481C1C}">
-                <a14:useLocalDpi xmlns:a14="http://schemas.microsoft.com/office/drawing/2010/main" val="0"/>
-              </a:ext>
-            </a:extLst>
-          </a:blip>
-          <a:srcRect/>
-          <a:stretch>
-            <a:fillRect/>
-          </a:stretch>
-        </p:blipFill>
-        <p:spPr bwMode="auto">
-          <a:xfrm>
-            <a:off x="8289258" y="3811330"/>
-            <a:ext cx="3865671" cy="2831672"/>
-          </a:xfrm>
-          <a:prstGeom prst="rect">
-            <a:avLst/>
-          </a:prstGeom>
-          <a:noFill/>
-          <a:ln>
-            <a:noFill/>
-          </a:ln>
-          <a:effectLst/>
-          <a:extLst>
-            <a:ext uri="{909E8E84-426E-40DD-AFC4-6F175D3DCCD1}">
-              <a14:hiddenFill xmlns:a14="http://schemas.microsoft.com/office/drawing/2010/main">
-                <a:solidFill>
-                  <a:schemeClr val="accent1"/>
-                </a:solidFill>
-              </a14:hiddenFill>
-            </a:ext>
-            <a:ext uri="{91240B29-F687-4F45-9708-019B960494DF}">
-              <a14:hiddenLine xmlns:a14="http://schemas.microsoft.com/office/drawing/2010/main" w="9525">
-                <a:solidFill>
-                  <a:schemeClr val="tx1"/>
-                </a:solidFill>
-                <a:miter lim="800000"/>
-                <a:headEnd/>
-                <a:tailEnd/>
-              </a14:hiddenLine>
-            </a:ext>
-            <a:ext uri="{AF507438-7753-43E0-B8FC-AC1667EBCBE1}">
-              <a14:hiddenEffects xmlns:a14="http://schemas.microsoft.com/office/drawing/2010/main">
-                <a:effectLst>
-                  <a:outerShdw dist="35921" dir="2700000" algn="ctr" rotWithShape="0">
-                    <a:schemeClr val="bg2"/>
-                  </a:outerShdw>
-                </a:effectLst>
-              </a14:hiddenEffects>
-            </a:ext>
-          </a:extLst>
-        </p:spPr>
-      </p:pic>
-      <p:pic>
-        <p:nvPicPr>
-          <p:cNvPr id="4098" name="Picture 2"/>
-          <p:cNvPicPr>
-            <a:picLocks noChangeAspect="1" noChangeArrowheads="1"/>
-          </p:cNvPicPr>
-          <p:nvPr/>
-        </p:nvPicPr>
-        <p:blipFill>
-          <a:blip r:embed="rId4">
-            <a:extLst>
-              <a:ext uri="{28A0092B-C50C-407E-A947-70E740481C1C}">
-                <a14:useLocalDpi xmlns:a14="http://schemas.microsoft.com/office/drawing/2010/main" val="0"/>
-              </a:ext>
-            </a:extLst>
-          </a:blip>
-          <a:srcRect/>
-          <a:stretch>
-            <a:fillRect/>
-          </a:stretch>
-        </p:blipFill>
-        <p:spPr bwMode="auto">
-          <a:xfrm>
-            <a:off x="6430829" y="1641474"/>
-            <a:ext cx="4727748" cy="1891099"/>
-          </a:xfrm>
-          <a:prstGeom prst="rect">
-            <a:avLst/>
-          </a:prstGeom>
-          <a:noFill/>
-          <a:ln>
-            <a:noFill/>
-          </a:ln>
-          <a:effectLst/>
-          <a:extLst>
-            <a:ext uri="{909E8E84-426E-40DD-AFC4-6F175D3DCCD1}">
-              <a14:hiddenFill xmlns:a14="http://schemas.microsoft.com/office/drawing/2010/main">
-                <a:solidFill>
-                  <a:schemeClr val="accent1"/>
-                </a:solidFill>
-              </a14:hiddenFill>
-            </a:ext>
-            <a:ext uri="{91240B29-F687-4F45-9708-019B960494DF}">
-              <a14:hiddenLine xmlns:a14="http://schemas.microsoft.com/office/drawing/2010/main" w="9525">
-                <a:solidFill>
-                  <a:schemeClr val="tx1"/>
-                </a:solidFill>
-                <a:miter lim="800000"/>
-                <a:headEnd/>
-                <a:tailEnd/>
-              </a14:hiddenLine>
-            </a:ext>
-            <a:ext uri="{AF507438-7753-43E0-B8FC-AC1667EBCBE1}">
-              <a14:hiddenEffects xmlns:a14="http://schemas.microsoft.com/office/drawing/2010/main">
-                <a:effectLst>
-                  <a:outerShdw dist="35921" dir="2700000" algn="ctr" rotWithShape="0">
-                    <a:schemeClr val="bg2"/>
-                  </a:outerShdw>
-                </a:effectLst>
-              </a14:hiddenEffects>
-            </a:ext>
-          </a:extLst>
-        </p:spPr>
-      </p:pic>
-      <p:pic>
-        <p:nvPicPr>
-          <p:cNvPr id="4099" name="Picture 3"/>
-          <p:cNvPicPr>
-            <a:picLocks noChangeAspect="1" noChangeArrowheads="1"/>
-          </p:cNvPicPr>
-          <p:nvPr/>
-        </p:nvPicPr>
-        <p:blipFill>
-          <a:blip r:embed="rId5">
-            <a:extLst>
-              <a:ext uri="{28A0092B-C50C-407E-A947-70E740481C1C}">
-                <a14:useLocalDpi xmlns:a14="http://schemas.microsoft.com/office/drawing/2010/main" val="0"/>
-              </a:ext>
-            </a:extLst>
-          </a:blip>
-          <a:srcRect/>
-          <a:stretch>
-            <a:fillRect/>
-          </a:stretch>
-        </p:blipFill>
-        <p:spPr bwMode="auto">
-          <a:xfrm>
-            <a:off x="5024041" y="3865690"/>
-            <a:ext cx="3211102" cy="2777312"/>
-          </a:xfrm>
-          <a:prstGeom prst="rect">
-            <a:avLst/>
-          </a:prstGeom>
-          <a:noFill/>
-          <a:ln>
-            <a:noFill/>
-          </a:ln>
-          <a:effectLst/>
-          <a:extLst>
-            <a:ext uri="{909E8E84-426E-40DD-AFC4-6F175D3DCCD1}">
-              <a14:hiddenFill xmlns:a14="http://schemas.microsoft.com/office/drawing/2010/main">
-                <a:solidFill>
-                  <a:schemeClr val="accent1"/>
-                </a:solidFill>
-              </a14:hiddenFill>
-            </a:ext>
-            <a:ext uri="{91240B29-F687-4F45-9708-019B960494DF}">
-              <a14:hiddenLine xmlns:a14="http://schemas.microsoft.com/office/drawing/2010/main" w="9525">
-                <a:solidFill>
-                  <a:schemeClr val="tx1"/>
-                </a:solidFill>
-                <a:miter lim="800000"/>
-                <a:headEnd/>
-                <a:tailEnd/>
-              </a14:hiddenLine>
-            </a:ext>
-            <a:ext uri="{AF507438-7753-43E0-B8FC-AC1667EBCBE1}">
-              <a14:hiddenEffects xmlns:a14="http://schemas.microsoft.com/office/drawing/2010/main">
-                <a:effectLst>
-                  <a:outerShdw dist="35921" dir="2700000" algn="ctr" rotWithShape="0">
-                    <a:schemeClr val="bg2"/>
-                  </a:outerShdw>
-                </a:effectLst>
-              </a14:hiddenEffects>
-            </a:ext>
-          </a:extLst>
-        </p:spPr>
-      </p:pic>
-    </p:spTree>
-    <p:extLst>
-      <p:ext uri="{BB962C8B-B14F-4D97-AF65-F5344CB8AC3E}">
-        <p14:creationId xmlns:p14="http://schemas.microsoft.com/office/powerpoint/2010/main" val="2113503018"/>
-      </p:ext>
-    </p:extLst>
-  </p:cSld>
-  <p:clrMapOvr>
-    <a:masterClrMapping/>
-  </p:clrMapOvr>
-  <p:timing>
-    <p:tnLst>
-      <p:par>
-        <p:cTn id="1" dur="indefinite" restart="never" nodeType="tmRoot"/>
-      </p:par>
-    </p:tnLst>
-  </p:timing>
-</p:sld>
-</file>
-
-<file path=ppt/slides/slide12.xml><?xml version="1.0" encoding="utf-8"?>
-<p:sld xmlns:a="http://schemas.openxmlformats.org/drawingml/2006/main" xmlns:r="http://schemas.openxmlformats.org/officeDocument/2006/relationships" xmlns:p="http://schemas.openxmlformats.org/presentationml/2006/main">
-  <p:cSld>
-    <p:spTree>
-      <p:nvGrpSpPr>
-        <p:cNvPr id="1" name=""/>
-        <p:cNvGrpSpPr/>
-        <p:nvPr/>
-      </p:nvGrpSpPr>
-      <p:grpSpPr>
-        <a:xfrm>
-          <a:off x="0" y="0"/>
-          <a:ext cx="0" cy="0"/>
-          <a:chOff x="0" y="0"/>
-          <a:chExt cx="0" cy="0"/>
-        </a:xfrm>
-      </p:grpSpPr>
-      <p:sp>
-        <p:nvSpPr>
-          <p:cNvPr id="2" name="标题 1"/>
-          <p:cNvSpPr>
-            <a:spLocks noGrp="1"/>
-          </p:cNvSpPr>
-          <p:nvPr>
-            <p:ph type="title"/>
-          </p:nvPr>
-        </p:nvSpPr>
-        <p:spPr/>
-        <p:txBody>
-          <a:bodyPr>
-            <a:normAutofit/>
-          </a:bodyPr>
-          <a:lstStyle/>
-          <a:p>
-            <a:r>
-              <a:rPr lang="zh-CN" altLang="en-US" dirty="0" smtClean="0">
-                <a:latin typeface="+mj-ea"/>
-              </a:rPr>
-              <a:t>自夸</a:t>
-            </a:r>
-            <a:endParaRPr lang="zh-CN" altLang="en-US" dirty="0">
-              <a:solidFill>
-                <a:srgbClr val="1713DC"/>
-              </a:solidFill>
-              <a:latin typeface="+mj-ea"/>
-            </a:endParaRPr>
-          </a:p>
-        </p:txBody>
-      </p:sp>
-      <p:sp>
-        <p:nvSpPr>
-          <p:cNvPr id="21" name="Text Box 48"/>
-          <p:cNvSpPr txBox="1">
-            <a:spLocks noChangeArrowheads="1"/>
-          </p:cNvSpPr>
-          <p:nvPr/>
-        </p:nvSpPr>
-        <p:spPr bwMode="auto">
-          <a:xfrm>
-            <a:off x="6023056" y="1641474"/>
-            <a:ext cx="1978608" cy="369887"/>
-          </a:xfrm>
-          <a:prstGeom prst="rect">
-            <a:avLst/>
-          </a:prstGeom>
-          <a:noFill/>
-          <a:ln w="9525">
-            <a:noFill/>
-            <a:miter lim="800000"/>
-            <a:headEnd/>
-            <a:tailEnd/>
-          </a:ln>
-          <a:effectLst/>
-        </p:spPr>
-        <p:txBody>
-          <a:bodyPr wrap="square">
-            <a:spAutoFit/>
-          </a:bodyPr>
-          <a:lstStyle/>
-          <a:p>
-            <a:pPr algn="ctr" eaLnBrk="0" hangingPunct="0"/>
-            <a:endParaRPr lang="en-US" altLang="zh-CN" dirty="0">
-              <a:latin typeface="+mj-ea"/>
-              <a:ea typeface="+mj-ea"/>
-            </a:endParaRPr>
-          </a:p>
-        </p:txBody>
-      </p:sp>
-      <p:sp>
-        <p:nvSpPr>
-          <p:cNvPr id="6" name="内容占位符 2"/>
-          <p:cNvSpPr>
-            <a:spLocks noGrp="1"/>
-          </p:cNvSpPr>
-          <p:nvPr>
-            <p:ph idx="1"/>
-          </p:nvPr>
-        </p:nvSpPr>
-        <p:spPr>
-          <a:xfrm>
-            <a:off x="765256" y="1663805"/>
-            <a:ext cx="10515600" cy="4351338"/>
-          </a:xfrm>
-        </p:spPr>
-        <p:txBody>
-          <a:bodyPr wrap="none">
-            <a:normAutofit/>
-          </a:bodyPr>
-          <a:lstStyle/>
-          <a:p>
-            <a:pPr>
-              <a:lnSpc>
-                <a:spcPct val="150000"/>
-              </a:lnSpc>
-            </a:pPr>
-            <a:r>
-              <a:rPr lang="zh-CN" altLang="en-US" dirty="0" smtClean="0">
-                <a:latin typeface="+mj-ea"/>
-                <a:ea typeface="+mj-ea"/>
-              </a:rPr>
-              <a:t>异步体系</a:t>
-            </a:r>
-            <a:r>
-              <a:rPr lang="en-US" altLang="zh-CN" dirty="0" smtClean="0">
-                <a:latin typeface="+mj-ea"/>
-                <a:ea typeface="+mj-ea"/>
-              </a:rPr>
-              <a:t>/</a:t>
-            </a:r>
-            <a:r>
-              <a:rPr lang="zh-CN" altLang="en-US" dirty="0" smtClean="0">
-                <a:latin typeface="+mj-ea"/>
-                <a:ea typeface="+mj-ea"/>
-              </a:rPr>
-              <a:t>全局异常处理</a:t>
-            </a:r>
-            <a:endParaRPr lang="en-US" altLang="zh-CN" dirty="0" smtClean="0">
-              <a:latin typeface="+mj-ea"/>
-              <a:ea typeface="+mj-ea"/>
-            </a:endParaRPr>
-          </a:p>
-          <a:p>
-            <a:pPr lvl="1">
-              <a:lnSpc>
-                <a:spcPct val="150000"/>
-              </a:lnSpc>
-            </a:pPr>
-            <a:r>
-              <a:rPr lang="zh-CN" altLang="en-US" sz="1800" dirty="0" smtClean="0">
-                <a:latin typeface="+mj-ea"/>
-                <a:ea typeface="+mj-ea"/>
-              </a:rPr>
-              <a:t>业务代码原则上不抓异常</a:t>
-            </a:r>
-            <a:endParaRPr lang="en-US" altLang="zh-CN" sz="1800" dirty="0" smtClean="0">
-              <a:latin typeface="+mj-ea"/>
-              <a:ea typeface="+mj-ea"/>
-            </a:endParaRPr>
-          </a:p>
-          <a:p>
-            <a:pPr lvl="1">
-              <a:lnSpc>
-                <a:spcPct val="150000"/>
-              </a:lnSpc>
-            </a:pPr>
-            <a:r>
-              <a:rPr lang="zh-CN" altLang="en-US" sz="1800" b="1" dirty="0" smtClean="0">
-                <a:latin typeface="+mj-ea"/>
-                <a:ea typeface="+mj-ea"/>
-              </a:rPr>
-              <a:t>业务代码专注于 业务逻辑处理</a:t>
-            </a:r>
-            <a:endParaRPr lang="en-US" altLang="zh-CN" sz="1800" b="1" dirty="0" smtClean="0">
-              <a:latin typeface="+mj-ea"/>
-              <a:ea typeface="+mj-ea"/>
-            </a:endParaRPr>
-          </a:p>
-          <a:p>
-            <a:pPr lvl="1">
-              <a:lnSpc>
-                <a:spcPct val="150000"/>
-              </a:lnSpc>
-            </a:pPr>
-            <a:r>
-              <a:rPr lang="zh-CN" altLang="en-US" sz="1800" dirty="0" smtClean="0">
-                <a:latin typeface="+mj-ea"/>
-                <a:ea typeface="+mj-ea"/>
-              </a:rPr>
-              <a:t>自动捕获异常，并发邮件通知</a:t>
-            </a:r>
-            <a:endParaRPr lang="en-US" altLang="zh-CN" sz="1800" dirty="0">
-              <a:latin typeface="+mj-ea"/>
-              <a:ea typeface="+mj-ea"/>
-            </a:endParaRPr>
-          </a:p>
-        </p:txBody>
-      </p:sp>
-      <p:pic>
-        <p:nvPicPr>
           <p:cNvPr id="6147" name="Picture 3"/>
           <p:cNvPicPr>
             <a:picLocks noChangeAspect="1" noChangeArrowheads="1"/>
@@ -3386,8 +2650,8 @@
         </p:blipFill>
         <p:spPr bwMode="auto">
           <a:xfrm>
-            <a:off x="3709800" y="4151181"/>
-            <a:ext cx="3493227" cy="1902814"/>
+            <a:off x="5737306" y="3764692"/>
+            <a:ext cx="5476875" cy="838200"/>
           </a:xfrm>
           <a:prstGeom prst="rect">
             <a:avLst/>
@@ -3450,8 +2714,8 @@
         </p:blipFill>
         <p:spPr bwMode="auto">
           <a:xfrm>
-            <a:off x="7466560" y="2129864"/>
-            <a:ext cx="3617449" cy="4042634"/>
+            <a:off x="5825348" y="5117114"/>
+            <a:ext cx="3990975" cy="923925"/>
           </a:xfrm>
           <a:prstGeom prst="rect">
             <a:avLst/>
@@ -3494,7 +2758,7 @@
     </p:spTree>
     <p:extLst>
       <p:ext uri="{BB962C8B-B14F-4D97-AF65-F5344CB8AC3E}">
-        <p14:creationId xmlns:p14="http://schemas.microsoft.com/office/powerpoint/2010/main" val="1521995202"/>
+        <p14:creationId xmlns:p14="http://schemas.microsoft.com/office/powerpoint/2010/main" val="2374509152"/>
       </p:ext>
     </p:extLst>
   </p:cSld>
@@ -3511,7 +2775,7 @@
 </p:sld>
 </file>
 
-<file path=ppt/slides/slide13.xml><?xml version="1.0" encoding="utf-8"?>
+<file path=ppt/slides/slide11.xml><?xml version="1.0" encoding="utf-8"?>
 <p:sld xmlns:a="http://schemas.openxmlformats.org/drawingml/2006/main" xmlns:r="http://schemas.openxmlformats.org/officeDocument/2006/relationships" xmlns:p="http://schemas.openxmlformats.org/presentationml/2006/main">
   <p:cSld>
     <p:spTree>
@@ -3611,7 +2875,7 @@
         </p:nvSpPr>
         <p:spPr>
           <a:xfrm>
-            <a:off x="765256" y="1663805"/>
+            <a:off x="794657" y="1796597"/>
             <a:ext cx="10515600" cy="4351338"/>
           </a:xfrm>
         </p:spPr>
@@ -3631,7 +2895,21 @@
                 <a:latin typeface="+mj-ea"/>
                 <a:ea typeface="+mj-ea"/>
               </a:rPr>
-              <a:t>会话</a:t>
+              <a:t>前端请求</a:t>
+            </a:r>
+            <a:r>
+              <a:rPr lang="zh-CN" altLang="en-US" b="1" dirty="0" smtClean="0">
+                <a:latin typeface="+mj-ea"/>
+                <a:ea typeface="+mj-ea"/>
+              </a:rPr>
+              <a:t>部分表单校验</a:t>
+            </a:r>
+            <a:r>
+              <a:rPr lang="zh-CN" altLang="en-US" dirty="0" smtClean="0">
+                <a:latin typeface="+mj-ea"/>
+                <a:ea typeface="+mj-ea"/>
+              </a:rPr>
+              <a:t>自动化</a:t>
             </a:r>
             <a:endParaRPr lang="en-US" altLang="zh-CN" dirty="0" smtClean="0">
               <a:latin typeface="+mj-ea"/>
@@ -3639,68 +2917,136 @@
             </a:endParaRPr>
           </a:p>
           <a:p>
-            <a:pPr marL="742950" lvl="1" indent="-285750">
+            <a:pPr lvl="1">
               <a:lnSpc>
                 <a:spcPct val="150000"/>
               </a:lnSpc>
             </a:pPr>
             <a:r>
-              <a:rPr lang="zh-CN" altLang="en-US" sz="1800" dirty="0" smtClean="0">
-                <a:latin typeface="+mj-ea"/>
-                <a:ea typeface="+mj-ea"/>
-              </a:rPr>
-              <a:t>会话请求生成</a:t>
-            </a:r>
-            <a:r>
-              <a:rPr lang="en-US" altLang="zh-CN" sz="1800" dirty="0" err="1" smtClean="0">
-                <a:latin typeface="+mj-ea"/>
-                <a:ea typeface="+mj-ea"/>
-              </a:rPr>
-              <a:t>sessionId</a:t>
-            </a:r>
-            <a:r>
-              <a:rPr lang="en-US" altLang="zh-CN" sz="1800" dirty="0" smtClean="0">
-                <a:latin typeface="+mj-ea"/>
-                <a:ea typeface="+mj-ea"/>
-              </a:rPr>
-              <a:t>, </a:t>
-            </a:r>
-            <a:r>
-              <a:rPr lang="zh-CN" altLang="en-US" sz="1800" dirty="0" smtClean="0">
-                <a:latin typeface="+mj-ea"/>
-                <a:ea typeface="+mj-ea"/>
-              </a:rPr>
-              <a:t>日志含有此字段</a:t>
-            </a:r>
-            <a:endParaRPr lang="en-US" altLang="zh-CN" sz="1800" dirty="0" smtClean="0">
-              <a:latin typeface="+mj-ea"/>
-              <a:ea typeface="+mj-ea"/>
-            </a:endParaRPr>
-          </a:p>
-          <a:p>
-            <a:pPr marL="742950" lvl="1" indent="-285750">
+              <a:rPr lang="zh-CN" altLang="en-US" sz="2000" dirty="0" smtClean="0">
+                <a:latin typeface="+mj-ea"/>
+                <a:ea typeface="+mj-ea"/>
+              </a:rPr>
+              <a:t>表单中的某些字段（非全字段）需要处理</a:t>
+            </a:r>
+            <a:endParaRPr lang="en-US" altLang="zh-CN" sz="2000" dirty="0" smtClean="0">
+              <a:latin typeface="+mj-ea"/>
+              <a:ea typeface="+mj-ea"/>
+            </a:endParaRPr>
+          </a:p>
+          <a:p>
+            <a:pPr lvl="1">
               <a:lnSpc>
                 <a:spcPct val="150000"/>
               </a:lnSpc>
             </a:pPr>
             <a:r>
-              <a:rPr lang="zh-CN" altLang="en-US" sz="1800" dirty="0" smtClean="0">
-                <a:latin typeface="+mj-ea"/>
-                <a:ea typeface="+mj-ea"/>
-              </a:rPr>
-              <a:t>可</a:t>
-            </a:r>
-            <a:r>
-              <a:rPr lang="zh-CN" altLang="en-US" sz="1800" dirty="0">
-                <a:latin typeface="+mj-ea"/>
-                <a:ea typeface="+mj-ea"/>
-              </a:rPr>
-              <a:t>迅速排查此问题用户此次会话操作信息</a:t>
-            </a:r>
-            <a:endParaRPr lang="en-US" altLang="zh-CN" sz="1800" dirty="0">
-              <a:latin typeface="+mj-ea"/>
-              <a:ea typeface="+mj-ea"/>
-            </a:endParaRPr>
+              <a:rPr lang="zh-CN" altLang="en-US" sz="2000" dirty="0" smtClean="0">
+                <a:latin typeface="+mj-ea"/>
+                <a:ea typeface="+mj-ea"/>
+              </a:rPr>
+              <a:t>与全表单校验方式无缝统一</a:t>
+            </a:r>
+            <a:endParaRPr lang="en-US" altLang="zh-CN" sz="2000" dirty="0" smtClean="0">
+              <a:latin typeface="+mj-ea"/>
+              <a:ea typeface="+mj-ea"/>
+            </a:endParaRPr>
+          </a:p>
+          <a:p>
+            <a:pPr lvl="1">
+              <a:lnSpc>
+                <a:spcPct val="150000"/>
+              </a:lnSpc>
+            </a:pPr>
+            <a:r>
+              <a:rPr lang="zh-CN" altLang="en-US" sz="2000" dirty="0" smtClean="0">
+                <a:latin typeface="+mj-ea"/>
+                <a:ea typeface="+mj-ea"/>
+              </a:rPr>
+              <a:t>（简单）校验与</a:t>
+            </a:r>
+            <a:r>
+              <a:rPr lang="zh-CN" altLang="en-US" sz="2000" b="1" dirty="0" smtClean="0">
+                <a:latin typeface="+mj-ea"/>
+                <a:ea typeface="+mj-ea"/>
+              </a:rPr>
+              <a:t>业务代码解耦</a:t>
+            </a:r>
+            <a:endParaRPr lang="en-US" altLang="zh-CN" sz="2000" b="1" dirty="0" smtClean="0">
+              <a:latin typeface="+mj-ea"/>
+              <a:ea typeface="+mj-ea"/>
+            </a:endParaRPr>
+          </a:p>
+          <a:p>
+            <a:pPr lvl="1">
+              <a:lnSpc>
+                <a:spcPct val="150000"/>
+              </a:lnSpc>
+            </a:pPr>
+            <a:r>
+              <a:rPr lang="zh-CN" altLang="en-US" sz="2000" dirty="0" smtClean="0">
+                <a:latin typeface="+mj-ea"/>
+                <a:ea typeface="+mj-ea"/>
+              </a:rPr>
+              <a:t>做法：</a:t>
+            </a:r>
+            <a:endParaRPr lang="en-US" altLang="zh-CN" sz="2000" dirty="0" smtClean="0">
+              <a:latin typeface="+mj-ea"/>
+              <a:ea typeface="+mj-ea"/>
+            </a:endParaRPr>
+          </a:p>
+          <a:p>
+            <a:pPr lvl="2">
+              <a:lnSpc>
+                <a:spcPct val="150000"/>
+              </a:lnSpc>
+            </a:pPr>
+            <a:r>
+              <a:rPr lang="zh-CN" altLang="en-US" sz="1600" dirty="0" smtClean="0">
+                <a:latin typeface="+mj-ea"/>
+                <a:ea typeface="+mj-ea"/>
+              </a:rPr>
+              <a:t>前端：加一个</a:t>
+            </a:r>
+            <a:r>
+              <a:rPr lang="en-US" altLang="zh-CN" sz="1600" dirty="0" err="1" smtClean="0">
+                <a:latin typeface="+mj-ea"/>
+                <a:ea typeface="+mj-ea"/>
+              </a:rPr>
+              <a:t>fieldlist</a:t>
+            </a:r>
+            <a:r>
+              <a:rPr lang="zh-CN" altLang="en-US" sz="1600" dirty="0" smtClean="0">
+                <a:latin typeface="+mj-ea"/>
+                <a:ea typeface="+mj-ea"/>
+              </a:rPr>
+              <a:t>参数</a:t>
+            </a:r>
+            <a:endParaRPr lang="en-US" altLang="zh-CN" sz="1600" dirty="0" smtClean="0">
+              <a:latin typeface="+mj-ea"/>
+              <a:ea typeface="+mj-ea"/>
+            </a:endParaRPr>
+          </a:p>
+          <a:p>
+            <a:pPr lvl="2">
+              <a:lnSpc>
+                <a:spcPct val="150000"/>
+              </a:lnSpc>
+            </a:pPr>
+            <a:r>
+              <a:rPr lang="zh-CN" altLang="en-US" sz="1600" dirty="0" smtClean="0">
+                <a:latin typeface="+mj-ea"/>
+                <a:ea typeface="+mj-ea"/>
+              </a:rPr>
+              <a:t>后端：注解</a:t>
+            </a:r>
+            <a:r>
+              <a:rPr lang="en-US" altLang="zh-CN" sz="1600" dirty="0" smtClean="0">
+                <a:latin typeface="+mj-ea"/>
+                <a:ea typeface="+mj-ea"/>
+              </a:rPr>
+              <a:t>+AOP</a:t>
+            </a:r>
           </a:p>
         </p:txBody>
       </p:sp>
@@ -3713,7 +3059,7 @@
           <p:nvPr/>
         </p:nvPicPr>
         <p:blipFill>
-          <a:blip r:embed="rId3">
+          <a:blip r:embed="rId2">
             <a:extLst>
               <a:ext uri="{28A0092B-C50C-407E-A947-70E740481C1C}">
                 <a14:useLocalDpi xmlns:a14="http://schemas.microsoft.com/office/drawing/2010/main" val="0"/>
@@ -3727,8 +3073,8 @@
         </p:blipFill>
         <p:spPr bwMode="auto">
           <a:xfrm>
-            <a:off x="6765226" y="1616760"/>
-            <a:ext cx="3597372" cy="5165123"/>
+            <a:off x="6950060" y="1676165"/>
+            <a:ext cx="4686300" cy="1819275"/>
           </a:xfrm>
           <a:prstGeom prst="rect">
             <a:avLst/>
@@ -3770,7 +3116,71 @@
       </p:pic>
       <p:pic>
         <p:nvPicPr>
-          <p:cNvPr id="8" name="Picture 2"/>
+          <p:cNvPr id="7171" name="Picture 3"/>
+          <p:cNvPicPr>
+            <a:picLocks noChangeAspect="1" noChangeArrowheads="1"/>
+          </p:cNvPicPr>
+          <p:nvPr/>
+        </p:nvPicPr>
+        <p:blipFill>
+          <a:blip r:embed="rId3">
+            <a:extLst>
+              <a:ext uri="{28A0092B-C50C-407E-A947-70E740481C1C}">
+                <a14:useLocalDpi xmlns:a14="http://schemas.microsoft.com/office/drawing/2010/main" val="0"/>
+              </a:ext>
+            </a:extLst>
+          </a:blip>
+          <a:srcRect/>
+          <a:stretch>
+            <a:fillRect/>
+          </a:stretch>
+        </p:blipFill>
+        <p:spPr bwMode="auto">
+          <a:xfrm>
+            <a:off x="6950060" y="3753107"/>
+            <a:ext cx="4829175" cy="1847850"/>
+          </a:xfrm>
+          <a:prstGeom prst="rect">
+            <a:avLst/>
+          </a:prstGeom>
+          <a:noFill/>
+          <a:ln>
+            <a:noFill/>
+          </a:ln>
+          <a:effectLst/>
+          <a:extLst>
+            <a:ext uri="{909E8E84-426E-40DD-AFC4-6F175D3DCCD1}">
+              <a14:hiddenFill xmlns:a14="http://schemas.microsoft.com/office/drawing/2010/main">
+                <a:solidFill>
+                  <a:schemeClr val="accent1"/>
+                </a:solidFill>
+              </a14:hiddenFill>
+            </a:ext>
+            <a:ext uri="{91240B29-F687-4F45-9708-019B960494DF}">
+              <a14:hiddenLine xmlns:a14="http://schemas.microsoft.com/office/drawing/2010/main" w="9525">
+                <a:solidFill>
+                  <a:schemeClr val="tx1"/>
+                </a:solidFill>
+                <a:miter lim="800000"/>
+                <a:headEnd/>
+                <a:tailEnd/>
+              </a14:hiddenLine>
+            </a:ext>
+            <a:ext uri="{AF507438-7753-43E0-B8FC-AC1667EBCBE1}">
+              <a14:hiddenEffects xmlns:a14="http://schemas.microsoft.com/office/drawing/2010/main">
+                <a:effectLst>
+                  <a:outerShdw dist="35921" dir="2700000" algn="ctr" rotWithShape="0">
+                    <a:schemeClr val="bg2"/>
+                  </a:outerShdw>
+                </a:effectLst>
+              </a14:hiddenEffects>
+            </a:ext>
+          </a:extLst>
+        </p:spPr>
+      </p:pic>
+      <p:pic>
+        <p:nvPicPr>
+          <p:cNvPr id="7172" name="Picture 4"/>
           <p:cNvPicPr>
             <a:picLocks noChangeAspect="1" noChangeArrowheads="1"/>
           </p:cNvPicPr>
@@ -3791,8 +3201,8 @@
         </p:blipFill>
         <p:spPr bwMode="auto">
           <a:xfrm>
-            <a:off x="2216148" y="3511311"/>
-            <a:ext cx="3082973" cy="3072865"/>
+            <a:off x="6126792" y="5934847"/>
+            <a:ext cx="5686425" cy="647700"/>
           </a:xfrm>
           <a:prstGeom prst="rect">
             <a:avLst/>
@@ -3835,7 +3245,1039 @@
     </p:spTree>
     <p:extLst>
       <p:ext uri="{BB962C8B-B14F-4D97-AF65-F5344CB8AC3E}">
-        <p14:creationId xmlns:p14="http://schemas.microsoft.com/office/powerpoint/2010/main" val="1547105932"/>
+        <p14:creationId xmlns:p14="http://schemas.microsoft.com/office/powerpoint/2010/main" val="3735293242"/>
+      </p:ext>
+    </p:extLst>
+  </p:cSld>
+  <p:clrMapOvr>
+    <a:masterClrMapping/>
+  </p:clrMapOvr>
+  <p:timing>
+    <p:tnLst>
+      <p:par>
+        <p:cTn id="1" dur="indefinite" restart="never" nodeType="tmRoot"/>
+      </p:par>
+    </p:tnLst>
+  </p:timing>
+</p:sld>
+</file>
+
+<file path=ppt/slides/slide12.xml><?xml version="1.0" encoding="utf-8"?>
+<p:sld xmlns:a="http://schemas.openxmlformats.org/drawingml/2006/main" xmlns:r="http://schemas.openxmlformats.org/officeDocument/2006/relationships" xmlns:p="http://schemas.openxmlformats.org/presentationml/2006/main">
+  <p:cSld>
+    <p:spTree>
+      <p:nvGrpSpPr>
+        <p:cNvPr id="1" name=""/>
+        <p:cNvGrpSpPr/>
+        <p:nvPr/>
+      </p:nvGrpSpPr>
+      <p:grpSpPr>
+        <a:xfrm>
+          <a:off x="0" y="0"/>
+          <a:ext cx="0" cy="0"/>
+          <a:chOff x="0" y="0"/>
+          <a:chExt cx="0" cy="0"/>
+        </a:xfrm>
+      </p:grpSpPr>
+      <p:sp>
+        <p:nvSpPr>
+          <p:cNvPr id="2" name="标题 1"/>
+          <p:cNvSpPr>
+            <a:spLocks noGrp="1"/>
+          </p:cNvSpPr>
+          <p:nvPr>
+            <p:ph type="title"/>
+          </p:nvPr>
+        </p:nvSpPr>
+        <p:spPr/>
+        <p:txBody>
+          <a:bodyPr>
+            <a:normAutofit/>
+          </a:bodyPr>
+          <a:lstStyle/>
+          <a:p>
+            <a:r>
+              <a:rPr lang="zh-CN" altLang="en-US" dirty="0" smtClean="0">
+                <a:latin typeface="+mj-ea"/>
+              </a:rPr>
+              <a:t>自夸</a:t>
+            </a:r>
+            <a:endParaRPr lang="zh-CN" altLang="en-US" dirty="0">
+              <a:solidFill>
+                <a:srgbClr val="1713DC"/>
+              </a:solidFill>
+              <a:latin typeface="+mj-ea"/>
+            </a:endParaRPr>
+          </a:p>
+        </p:txBody>
+      </p:sp>
+      <p:sp>
+        <p:nvSpPr>
+          <p:cNvPr id="21" name="Text Box 48"/>
+          <p:cNvSpPr txBox="1">
+            <a:spLocks noChangeArrowheads="1"/>
+          </p:cNvSpPr>
+          <p:nvPr/>
+        </p:nvSpPr>
+        <p:spPr bwMode="auto">
+          <a:xfrm>
+            <a:off x="6023056" y="1641474"/>
+            <a:ext cx="1978608" cy="369887"/>
+          </a:xfrm>
+          <a:prstGeom prst="rect">
+            <a:avLst/>
+          </a:prstGeom>
+          <a:noFill/>
+          <a:ln w="9525">
+            <a:noFill/>
+            <a:miter lim="800000"/>
+            <a:headEnd/>
+            <a:tailEnd/>
+          </a:ln>
+          <a:effectLst/>
+        </p:spPr>
+        <p:txBody>
+          <a:bodyPr wrap="square">
+            <a:spAutoFit/>
+          </a:bodyPr>
+          <a:lstStyle/>
+          <a:p>
+            <a:pPr algn="ctr" eaLnBrk="0" hangingPunct="0"/>
+            <a:endParaRPr lang="en-US" altLang="zh-CN" dirty="0">
+              <a:latin typeface="+mj-ea"/>
+              <a:ea typeface="+mj-ea"/>
+            </a:endParaRPr>
+          </a:p>
+        </p:txBody>
+      </p:sp>
+      <p:sp>
+        <p:nvSpPr>
+          <p:cNvPr id="6" name="内容占位符 2"/>
+          <p:cNvSpPr>
+            <a:spLocks noGrp="1"/>
+          </p:cNvSpPr>
+          <p:nvPr>
+            <p:ph idx="1"/>
+          </p:nvPr>
+        </p:nvSpPr>
+        <p:spPr>
+          <a:xfrm>
+            <a:off x="551093" y="1478922"/>
+            <a:ext cx="10515600" cy="4351338"/>
+          </a:xfrm>
+        </p:spPr>
+        <p:txBody>
+          <a:bodyPr wrap="none">
+            <a:normAutofit/>
+          </a:bodyPr>
+          <a:lstStyle/>
+          <a:p>
+            <a:pPr>
+              <a:lnSpc>
+                <a:spcPct val="150000"/>
+              </a:lnSpc>
+            </a:pPr>
+            <a:r>
+              <a:rPr lang="zh-CN" altLang="en-US" dirty="0" smtClean="0">
+                <a:latin typeface="+mj-ea"/>
+                <a:ea typeface="+mj-ea"/>
+              </a:rPr>
+              <a:t>前后端</a:t>
+            </a:r>
+            <a:r>
+              <a:rPr lang="en-US" altLang="zh-CN" b="1" dirty="0" smtClean="0">
+                <a:latin typeface="+mj-ea"/>
+                <a:ea typeface="+mj-ea"/>
+              </a:rPr>
+              <a:t>List</a:t>
+            </a:r>
+            <a:r>
+              <a:rPr lang="zh-CN" altLang="en-US" b="1" dirty="0" smtClean="0">
+                <a:latin typeface="+mj-ea"/>
+                <a:ea typeface="+mj-ea"/>
+              </a:rPr>
+              <a:t>接口</a:t>
+            </a:r>
+            <a:r>
+              <a:rPr lang="zh-CN" altLang="en-US" dirty="0" smtClean="0">
+                <a:latin typeface="+mj-ea"/>
+                <a:ea typeface="+mj-ea"/>
+              </a:rPr>
+              <a:t>对业务透明化</a:t>
+            </a:r>
+            <a:endParaRPr lang="en-US" altLang="zh-CN" dirty="0" smtClean="0">
+              <a:latin typeface="+mj-ea"/>
+              <a:ea typeface="+mj-ea"/>
+            </a:endParaRPr>
+          </a:p>
+          <a:p>
+            <a:pPr lvl="1">
+              <a:lnSpc>
+                <a:spcPct val="150000"/>
+              </a:lnSpc>
+            </a:pPr>
+            <a:r>
+              <a:rPr lang="en-US" altLang="zh-CN" sz="1800" dirty="0" smtClean="0">
+                <a:latin typeface="+mj-ea"/>
+                <a:ea typeface="+mj-ea"/>
+              </a:rPr>
+              <a:t>ER1.0</a:t>
+            </a:r>
+            <a:r>
+              <a:rPr lang="zh-CN" altLang="en-US" sz="1800" dirty="0" smtClean="0">
+                <a:latin typeface="+mj-ea"/>
+                <a:ea typeface="+mj-ea"/>
+              </a:rPr>
+              <a:t>要求返回</a:t>
+            </a:r>
+            <a:r>
+              <a:rPr lang="en-US" altLang="zh-CN" sz="1800" dirty="0" err="1" smtClean="0">
+                <a:latin typeface="+mj-ea"/>
+                <a:ea typeface="+mj-ea"/>
+              </a:rPr>
+              <a:t>pageno</a:t>
+            </a:r>
+            <a:r>
+              <a:rPr lang="en-US" altLang="zh-CN" sz="1800" dirty="0" smtClean="0">
+                <a:latin typeface="+mj-ea"/>
+                <a:ea typeface="+mj-ea"/>
+              </a:rPr>
+              <a:t>/</a:t>
+            </a:r>
+            <a:r>
+              <a:rPr lang="en-US" altLang="zh-CN" sz="1800" dirty="0" err="1" smtClean="0">
+                <a:latin typeface="+mj-ea"/>
+                <a:ea typeface="+mj-ea"/>
+              </a:rPr>
+              <a:t>pagesize</a:t>
+            </a:r>
+            <a:r>
+              <a:rPr lang="en-US" altLang="zh-CN" sz="1800" dirty="0" smtClean="0">
+                <a:latin typeface="+mj-ea"/>
+                <a:ea typeface="+mj-ea"/>
+              </a:rPr>
+              <a:t>/order</a:t>
+            </a:r>
+            <a:r>
+              <a:rPr lang="zh-CN" altLang="en-US" sz="1800" dirty="0" smtClean="0">
+                <a:latin typeface="+mj-ea"/>
+                <a:ea typeface="+mj-ea"/>
+              </a:rPr>
+              <a:t>等属性</a:t>
+            </a:r>
+            <a:endParaRPr lang="en-US" altLang="zh-CN" sz="1800" dirty="0" smtClean="0">
+              <a:latin typeface="+mj-ea"/>
+              <a:ea typeface="+mj-ea"/>
+            </a:endParaRPr>
+          </a:p>
+          <a:p>
+            <a:pPr lvl="1">
+              <a:lnSpc>
+                <a:spcPct val="150000"/>
+              </a:lnSpc>
+            </a:pPr>
+            <a:r>
+              <a:rPr lang="zh-CN" altLang="en-US" sz="1800" dirty="0" smtClean="0">
+                <a:latin typeface="+mj-ea"/>
+                <a:ea typeface="+mj-ea"/>
+              </a:rPr>
+              <a:t>做法：</a:t>
+            </a:r>
+            <a:endParaRPr lang="en-US" altLang="zh-CN" sz="1800" dirty="0" smtClean="0">
+              <a:latin typeface="+mj-ea"/>
+              <a:ea typeface="+mj-ea"/>
+            </a:endParaRPr>
+          </a:p>
+          <a:p>
+            <a:pPr lvl="2">
+              <a:lnSpc>
+                <a:spcPct val="150000"/>
+              </a:lnSpc>
+            </a:pPr>
+            <a:r>
+              <a:rPr lang="zh-CN" altLang="en-US" sz="1400" dirty="0" smtClean="0">
+                <a:latin typeface="+mj-ea"/>
+                <a:ea typeface="+mj-ea"/>
+              </a:rPr>
+              <a:t>请求：自动将前端参数放到会话中</a:t>
+            </a:r>
+            <a:endParaRPr lang="en-US" altLang="zh-CN" sz="1400" dirty="0" smtClean="0">
+              <a:latin typeface="+mj-ea"/>
+              <a:ea typeface="+mj-ea"/>
+            </a:endParaRPr>
+          </a:p>
+          <a:p>
+            <a:pPr lvl="2">
+              <a:lnSpc>
+                <a:spcPct val="150000"/>
+              </a:lnSpc>
+            </a:pPr>
+            <a:r>
+              <a:rPr lang="zh-CN" altLang="en-US" sz="1400" dirty="0" smtClean="0">
+                <a:latin typeface="+mj-ea"/>
+                <a:ea typeface="+mj-ea"/>
+              </a:rPr>
+              <a:t>返回：自动从会话中获取参数返回前端</a:t>
+            </a:r>
+            <a:endParaRPr lang="en-US" altLang="zh-CN" sz="1400" dirty="0" smtClean="0">
+              <a:latin typeface="+mj-ea"/>
+              <a:ea typeface="+mj-ea"/>
+            </a:endParaRPr>
+          </a:p>
+          <a:p>
+            <a:pPr lvl="1">
+              <a:lnSpc>
+                <a:spcPct val="150000"/>
+              </a:lnSpc>
+            </a:pPr>
+            <a:r>
+              <a:rPr lang="zh-CN" altLang="en-US" sz="1800" b="1" dirty="0" smtClean="0">
+                <a:latin typeface="+mj-ea"/>
+                <a:ea typeface="+mj-ea"/>
+              </a:rPr>
+              <a:t>业务代码无</a:t>
+            </a:r>
+            <a:r>
+              <a:rPr lang="en-US" altLang="zh-CN" sz="1800" b="1" dirty="0" smtClean="0">
+                <a:latin typeface="+mj-ea"/>
+                <a:ea typeface="+mj-ea"/>
+              </a:rPr>
+              <a:t>page</a:t>
+            </a:r>
+            <a:r>
+              <a:rPr lang="zh-CN" altLang="en-US" sz="1800" b="1" dirty="0" smtClean="0">
+                <a:latin typeface="+mj-ea"/>
+                <a:ea typeface="+mj-ea"/>
+              </a:rPr>
+              <a:t>相关逻辑</a:t>
+            </a:r>
+            <a:endParaRPr lang="en-US" altLang="zh-CN" sz="1800" b="1" dirty="0" smtClean="0">
+              <a:latin typeface="+mj-ea"/>
+              <a:ea typeface="+mj-ea"/>
+            </a:endParaRPr>
+          </a:p>
+        </p:txBody>
+      </p:sp>
+      <p:pic>
+        <p:nvPicPr>
+          <p:cNvPr id="8194" name="Picture 2"/>
+          <p:cNvPicPr>
+            <a:picLocks noChangeAspect="1" noChangeArrowheads="1"/>
+          </p:cNvPicPr>
+          <p:nvPr/>
+        </p:nvPicPr>
+        <p:blipFill>
+          <a:blip r:embed="rId2">
+            <a:extLst>
+              <a:ext uri="{28A0092B-C50C-407E-A947-70E740481C1C}">
+                <a14:useLocalDpi xmlns:a14="http://schemas.microsoft.com/office/drawing/2010/main" val="0"/>
+              </a:ext>
+            </a:extLst>
+          </a:blip>
+          <a:srcRect/>
+          <a:stretch>
+            <a:fillRect/>
+          </a:stretch>
+        </p:blipFill>
+        <p:spPr bwMode="auto">
+          <a:xfrm>
+            <a:off x="5116082" y="2816393"/>
+            <a:ext cx="2676525" cy="3981450"/>
+          </a:xfrm>
+          <a:prstGeom prst="rect">
+            <a:avLst/>
+          </a:prstGeom>
+          <a:noFill/>
+          <a:ln>
+            <a:noFill/>
+          </a:ln>
+          <a:effectLst/>
+          <a:extLst>
+            <a:ext uri="{909E8E84-426E-40DD-AFC4-6F175D3DCCD1}">
+              <a14:hiddenFill xmlns:a14="http://schemas.microsoft.com/office/drawing/2010/main">
+                <a:solidFill>
+                  <a:schemeClr val="accent1"/>
+                </a:solidFill>
+              </a14:hiddenFill>
+            </a:ext>
+            <a:ext uri="{91240B29-F687-4F45-9708-019B960494DF}">
+              <a14:hiddenLine xmlns:a14="http://schemas.microsoft.com/office/drawing/2010/main" w="9525">
+                <a:solidFill>
+                  <a:schemeClr val="tx1"/>
+                </a:solidFill>
+                <a:miter lim="800000"/>
+                <a:headEnd/>
+                <a:tailEnd/>
+              </a14:hiddenLine>
+            </a:ext>
+            <a:ext uri="{AF507438-7753-43E0-B8FC-AC1667EBCBE1}">
+              <a14:hiddenEffects xmlns:a14="http://schemas.microsoft.com/office/drawing/2010/main">
+                <a:effectLst>
+                  <a:outerShdw dist="35921" dir="2700000" algn="ctr" rotWithShape="0">
+                    <a:schemeClr val="bg2"/>
+                  </a:outerShdw>
+                </a:effectLst>
+              </a14:hiddenEffects>
+            </a:ext>
+          </a:extLst>
+        </p:spPr>
+      </p:pic>
+      <p:pic>
+        <p:nvPicPr>
+          <p:cNvPr id="8195" name="Picture 3"/>
+          <p:cNvPicPr>
+            <a:picLocks noChangeAspect="1" noChangeArrowheads="1"/>
+          </p:cNvPicPr>
+          <p:nvPr/>
+        </p:nvPicPr>
+        <p:blipFill>
+          <a:blip r:embed="rId3">
+            <a:extLst>
+              <a:ext uri="{28A0092B-C50C-407E-A947-70E740481C1C}">
+                <a14:useLocalDpi xmlns:a14="http://schemas.microsoft.com/office/drawing/2010/main" val="0"/>
+              </a:ext>
+            </a:extLst>
+          </a:blip>
+          <a:srcRect/>
+          <a:stretch>
+            <a:fillRect/>
+          </a:stretch>
+        </p:blipFill>
+        <p:spPr bwMode="auto">
+          <a:xfrm>
+            <a:off x="8206468" y="656921"/>
+            <a:ext cx="2766332" cy="3685149"/>
+          </a:xfrm>
+          <a:prstGeom prst="rect">
+            <a:avLst/>
+          </a:prstGeom>
+          <a:noFill/>
+          <a:ln>
+            <a:noFill/>
+          </a:ln>
+          <a:effectLst/>
+          <a:extLst>
+            <a:ext uri="{909E8E84-426E-40DD-AFC4-6F175D3DCCD1}">
+              <a14:hiddenFill xmlns:a14="http://schemas.microsoft.com/office/drawing/2010/main">
+                <a:solidFill>
+                  <a:schemeClr val="accent1"/>
+                </a:solidFill>
+              </a14:hiddenFill>
+            </a:ext>
+            <a:ext uri="{91240B29-F687-4F45-9708-019B960494DF}">
+              <a14:hiddenLine xmlns:a14="http://schemas.microsoft.com/office/drawing/2010/main" w="9525">
+                <a:solidFill>
+                  <a:schemeClr val="tx1"/>
+                </a:solidFill>
+                <a:miter lim="800000"/>
+                <a:headEnd/>
+                <a:tailEnd/>
+              </a14:hiddenLine>
+            </a:ext>
+            <a:ext uri="{AF507438-7753-43E0-B8FC-AC1667EBCBE1}">
+              <a14:hiddenEffects xmlns:a14="http://schemas.microsoft.com/office/drawing/2010/main">
+                <a:effectLst>
+                  <a:outerShdw dist="35921" dir="2700000" algn="ctr" rotWithShape="0">
+                    <a:schemeClr val="bg2"/>
+                  </a:outerShdw>
+                </a:effectLst>
+              </a14:hiddenEffects>
+            </a:ext>
+          </a:extLst>
+        </p:spPr>
+      </p:pic>
+      <p:pic>
+        <p:nvPicPr>
+          <p:cNvPr id="8196" name="Picture 4"/>
+          <p:cNvPicPr>
+            <a:picLocks noChangeAspect="1" noChangeArrowheads="1"/>
+          </p:cNvPicPr>
+          <p:nvPr/>
+        </p:nvPicPr>
+        <p:blipFill>
+          <a:blip r:embed="rId4">
+            <a:extLst>
+              <a:ext uri="{28A0092B-C50C-407E-A947-70E740481C1C}">
+                <a14:useLocalDpi xmlns:a14="http://schemas.microsoft.com/office/drawing/2010/main" val="0"/>
+              </a:ext>
+            </a:extLst>
+          </a:blip>
+          <a:srcRect/>
+          <a:stretch>
+            <a:fillRect/>
+          </a:stretch>
+        </p:blipFill>
+        <p:spPr bwMode="auto">
+          <a:xfrm>
+            <a:off x="8206468" y="4502708"/>
+            <a:ext cx="2809875" cy="2143125"/>
+          </a:xfrm>
+          <a:prstGeom prst="rect">
+            <a:avLst/>
+          </a:prstGeom>
+          <a:noFill/>
+          <a:ln>
+            <a:noFill/>
+          </a:ln>
+          <a:effectLst/>
+          <a:extLst>
+            <a:ext uri="{909E8E84-426E-40DD-AFC4-6F175D3DCCD1}">
+              <a14:hiddenFill xmlns:a14="http://schemas.microsoft.com/office/drawing/2010/main">
+                <a:solidFill>
+                  <a:schemeClr val="accent1"/>
+                </a:solidFill>
+              </a14:hiddenFill>
+            </a:ext>
+            <a:ext uri="{91240B29-F687-4F45-9708-019B960494DF}">
+              <a14:hiddenLine xmlns:a14="http://schemas.microsoft.com/office/drawing/2010/main" w="9525">
+                <a:solidFill>
+                  <a:schemeClr val="tx1"/>
+                </a:solidFill>
+                <a:miter lim="800000"/>
+                <a:headEnd/>
+                <a:tailEnd/>
+              </a14:hiddenLine>
+            </a:ext>
+            <a:ext uri="{AF507438-7753-43E0-B8FC-AC1667EBCBE1}">
+              <a14:hiddenEffects xmlns:a14="http://schemas.microsoft.com/office/drawing/2010/main">
+                <a:effectLst>
+                  <a:outerShdw dist="35921" dir="2700000" algn="ctr" rotWithShape="0">
+                    <a:schemeClr val="bg2"/>
+                  </a:outerShdw>
+                </a:effectLst>
+              </a14:hiddenEffects>
+            </a:ext>
+          </a:extLst>
+        </p:spPr>
+      </p:pic>
+    </p:spTree>
+    <p:extLst>
+      <p:ext uri="{BB962C8B-B14F-4D97-AF65-F5344CB8AC3E}">
+        <p14:creationId xmlns:p14="http://schemas.microsoft.com/office/powerpoint/2010/main" val="863598961"/>
+      </p:ext>
+    </p:extLst>
+  </p:cSld>
+  <p:clrMapOvr>
+    <a:masterClrMapping/>
+  </p:clrMapOvr>
+  <p:timing>
+    <p:tnLst>
+      <p:par>
+        <p:cTn id="1" dur="indefinite" restart="never" nodeType="tmRoot"/>
+      </p:par>
+    </p:tnLst>
+  </p:timing>
+</p:sld>
+</file>
+
+<file path=ppt/slides/slide13.xml><?xml version="1.0" encoding="utf-8"?>
+<p:sld xmlns:a="http://schemas.openxmlformats.org/drawingml/2006/main" xmlns:r="http://schemas.openxmlformats.org/officeDocument/2006/relationships" xmlns:p="http://schemas.openxmlformats.org/presentationml/2006/main">
+  <p:cSld>
+    <p:spTree>
+      <p:nvGrpSpPr>
+        <p:cNvPr id="1" name=""/>
+        <p:cNvGrpSpPr/>
+        <p:nvPr/>
+      </p:nvGrpSpPr>
+      <p:grpSpPr>
+        <a:xfrm>
+          <a:off x="0" y="0"/>
+          <a:ext cx="0" cy="0"/>
+          <a:chOff x="0" y="0"/>
+          <a:chExt cx="0" cy="0"/>
+        </a:xfrm>
+      </p:grpSpPr>
+      <p:sp>
+        <p:nvSpPr>
+          <p:cNvPr id="2" name="标题 1"/>
+          <p:cNvSpPr>
+            <a:spLocks noGrp="1"/>
+          </p:cNvSpPr>
+          <p:nvPr>
+            <p:ph type="title"/>
+          </p:nvPr>
+        </p:nvSpPr>
+        <p:spPr/>
+        <p:txBody>
+          <a:bodyPr>
+            <a:normAutofit/>
+          </a:bodyPr>
+          <a:lstStyle/>
+          <a:p>
+            <a:r>
+              <a:rPr lang="zh-CN" altLang="en-US" dirty="0" smtClean="0">
+                <a:latin typeface="+mj-ea"/>
+              </a:rPr>
+              <a:t>自夸</a:t>
+            </a:r>
+            <a:endParaRPr lang="zh-CN" altLang="en-US" dirty="0">
+              <a:solidFill>
+                <a:srgbClr val="1713DC"/>
+              </a:solidFill>
+              <a:latin typeface="+mj-ea"/>
+            </a:endParaRPr>
+          </a:p>
+        </p:txBody>
+      </p:sp>
+      <p:sp>
+        <p:nvSpPr>
+          <p:cNvPr id="21" name="Text Box 48"/>
+          <p:cNvSpPr txBox="1">
+            <a:spLocks noChangeArrowheads="1"/>
+          </p:cNvSpPr>
+          <p:nvPr/>
+        </p:nvSpPr>
+        <p:spPr bwMode="auto">
+          <a:xfrm>
+            <a:off x="6023056" y="1641474"/>
+            <a:ext cx="1978608" cy="369887"/>
+          </a:xfrm>
+          <a:prstGeom prst="rect">
+            <a:avLst/>
+          </a:prstGeom>
+          <a:noFill/>
+          <a:ln w="9525">
+            <a:noFill/>
+            <a:miter lim="800000"/>
+            <a:headEnd/>
+            <a:tailEnd/>
+          </a:ln>
+          <a:effectLst/>
+        </p:spPr>
+        <p:txBody>
+          <a:bodyPr wrap="square">
+            <a:spAutoFit/>
+          </a:bodyPr>
+          <a:lstStyle/>
+          <a:p>
+            <a:pPr algn="ctr" eaLnBrk="0" hangingPunct="0"/>
+            <a:endParaRPr lang="en-US" altLang="zh-CN" dirty="0">
+              <a:latin typeface="+mj-ea"/>
+              <a:ea typeface="+mj-ea"/>
+            </a:endParaRPr>
+          </a:p>
+        </p:txBody>
+      </p:sp>
+      <p:sp>
+        <p:nvSpPr>
+          <p:cNvPr id="6" name="内容占位符 2"/>
+          <p:cNvSpPr>
+            <a:spLocks noGrp="1"/>
+          </p:cNvSpPr>
+          <p:nvPr>
+            <p:ph idx="1"/>
+          </p:nvPr>
+        </p:nvSpPr>
+        <p:spPr>
+          <a:xfrm>
+            <a:off x="765256" y="1663805"/>
+            <a:ext cx="10515600" cy="4351338"/>
+          </a:xfrm>
+        </p:spPr>
+        <p:txBody>
+          <a:bodyPr wrap="none">
+            <a:normAutofit/>
+          </a:bodyPr>
+          <a:lstStyle/>
+          <a:p>
+            <a:pPr>
+              <a:lnSpc>
+                <a:spcPct val="150000"/>
+              </a:lnSpc>
+            </a:pPr>
+            <a:r>
+              <a:rPr lang="zh-CN" altLang="en-US" dirty="0" smtClean="0">
+                <a:latin typeface="+mj-ea"/>
+                <a:ea typeface="+mj-ea"/>
+              </a:rPr>
+              <a:t>后端</a:t>
+            </a:r>
+            <a:r>
+              <a:rPr lang="zh-CN" altLang="en-US" b="1" dirty="0" smtClean="0">
+                <a:latin typeface="+mj-ea"/>
+                <a:ea typeface="+mj-ea"/>
+              </a:rPr>
+              <a:t>分页自动化</a:t>
+            </a:r>
+            <a:endParaRPr lang="en-US" altLang="zh-CN" b="1" dirty="0" smtClean="0">
+              <a:latin typeface="+mj-ea"/>
+              <a:ea typeface="+mj-ea"/>
+            </a:endParaRPr>
+          </a:p>
+          <a:p>
+            <a:pPr lvl="1">
+              <a:lnSpc>
+                <a:spcPct val="150000"/>
+              </a:lnSpc>
+            </a:pPr>
+            <a:r>
+              <a:rPr lang="zh-CN" altLang="en-US" sz="1800" dirty="0" smtClean="0">
+                <a:latin typeface="+mj-ea"/>
+                <a:ea typeface="+mj-ea"/>
+              </a:rPr>
+              <a:t>做法：</a:t>
+            </a:r>
+            <a:endParaRPr lang="en-US" altLang="zh-CN" sz="1800" dirty="0" smtClean="0">
+              <a:latin typeface="+mj-ea"/>
+              <a:ea typeface="+mj-ea"/>
+            </a:endParaRPr>
+          </a:p>
+          <a:p>
+            <a:pPr lvl="2">
+              <a:lnSpc>
+                <a:spcPct val="150000"/>
+              </a:lnSpc>
+            </a:pPr>
+            <a:r>
+              <a:rPr lang="zh-CN" altLang="en-US" sz="1400" dirty="0" smtClean="0">
+                <a:latin typeface="+mj-ea"/>
+                <a:ea typeface="+mj-ea"/>
+              </a:rPr>
+              <a:t>数据库查询分页：</a:t>
+            </a:r>
+            <a:r>
+              <a:rPr lang="en-US" altLang="zh-CN" sz="1400" dirty="0" smtClean="0">
+                <a:latin typeface="+mj-ea"/>
+                <a:ea typeface="+mj-ea"/>
+              </a:rPr>
+              <a:t>page2() </a:t>
+            </a:r>
+          </a:p>
+          <a:p>
+            <a:pPr lvl="2">
+              <a:lnSpc>
+                <a:spcPct val="150000"/>
+              </a:lnSpc>
+            </a:pPr>
+            <a:r>
+              <a:rPr lang="zh-CN" altLang="en-US" sz="1400" dirty="0" smtClean="0">
+                <a:latin typeface="+mj-ea"/>
+                <a:ea typeface="+mj-ea"/>
+              </a:rPr>
+              <a:t>实现转换接口：专注于将数据库</a:t>
+            </a:r>
+            <a:r>
+              <a:rPr lang="en-US" altLang="zh-CN" sz="1400" dirty="0" smtClean="0">
+                <a:latin typeface="+mj-ea"/>
+                <a:ea typeface="+mj-ea"/>
+              </a:rPr>
+              <a:t>Bo</a:t>
+            </a:r>
+            <a:r>
+              <a:rPr lang="zh-CN" altLang="en-US" sz="1400" dirty="0" smtClean="0">
+                <a:latin typeface="+mj-ea"/>
+                <a:ea typeface="+mj-ea"/>
+              </a:rPr>
+              <a:t>转成前端需要的</a:t>
+            </a:r>
+            <a:r>
+              <a:rPr lang="en-US" altLang="zh-CN" sz="1400" dirty="0" smtClean="0">
+                <a:latin typeface="+mj-ea"/>
+                <a:ea typeface="+mj-ea"/>
+              </a:rPr>
+              <a:t>Vo</a:t>
+            </a:r>
+          </a:p>
+          <a:p>
+            <a:pPr lvl="2">
+              <a:lnSpc>
+                <a:spcPct val="150000"/>
+              </a:lnSpc>
+            </a:pPr>
+            <a:r>
+              <a:rPr lang="zh-CN" altLang="en-US" sz="1400" dirty="0" smtClean="0">
+                <a:latin typeface="+mj-ea"/>
+                <a:ea typeface="+mj-ea"/>
+              </a:rPr>
+              <a:t>返回：自动将</a:t>
+            </a:r>
+            <a:r>
+              <a:rPr lang="en-US" altLang="zh-CN" sz="1400" dirty="0" err="1" smtClean="0">
+                <a:latin typeface="+mj-ea"/>
+                <a:ea typeface="+mj-ea"/>
+              </a:rPr>
+              <a:t>page,result</a:t>
+            </a:r>
+            <a:r>
+              <a:rPr lang="zh-CN" altLang="en-US" sz="1400" dirty="0" smtClean="0">
+                <a:latin typeface="+mj-ea"/>
+                <a:ea typeface="+mj-ea"/>
+              </a:rPr>
+              <a:t>序列化返回</a:t>
+            </a:r>
+            <a:endParaRPr lang="en-US" altLang="zh-CN" sz="1400" dirty="0" smtClean="0">
+              <a:latin typeface="+mj-ea"/>
+              <a:ea typeface="+mj-ea"/>
+            </a:endParaRPr>
+          </a:p>
+          <a:p>
+            <a:pPr lvl="1">
+              <a:lnSpc>
+                <a:spcPct val="150000"/>
+              </a:lnSpc>
+            </a:pPr>
+            <a:r>
+              <a:rPr lang="zh-CN" altLang="en-US" sz="1800" dirty="0" smtClean="0">
+                <a:latin typeface="+mj-ea"/>
+                <a:ea typeface="+mj-ea"/>
+              </a:rPr>
+              <a:t>业务代码只需</a:t>
+            </a:r>
+            <a:r>
+              <a:rPr lang="zh-CN" altLang="en-US" sz="1800" b="1" dirty="0" smtClean="0">
+                <a:latin typeface="+mj-ea"/>
+                <a:ea typeface="+mj-ea"/>
+              </a:rPr>
+              <a:t>关注数据本身</a:t>
+            </a:r>
+            <a:r>
+              <a:rPr lang="en-US" altLang="zh-CN" sz="1800" b="1" dirty="0" smtClean="0">
+                <a:latin typeface="+mj-ea"/>
+                <a:ea typeface="+mj-ea"/>
+              </a:rPr>
+              <a:t/>
+            </a:r>
+            <a:br>
+              <a:rPr lang="en-US" altLang="zh-CN" sz="1800" b="1" dirty="0" smtClean="0">
+                <a:latin typeface="+mj-ea"/>
+                <a:ea typeface="+mj-ea"/>
+              </a:rPr>
+            </a:br>
+            <a:r>
+              <a:rPr lang="zh-CN" altLang="en-US" sz="1800" b="1" dirty="0" smtClean="0">
+                <a:latin typeface="+mj-ea"/>
+                <a:ea typeface="+mj-ea"/>
+              </a:rPr>
+              <a:t>（如何转换数据）</a:t>
+            </a:r>
+            <a:endParaRPr lang="en-US" altLang="zh-CN" sz="1800" b="1" dirty="0" smtClean="0">
+              <a:latin typeface="+mj-ea"/>
+              <a:ea typeface="+mj-ea"/>
+            </a:endParaRPr>
+          </a:p>
+          <a:p>
+            <a:pPr lvl="1">
+              <a:lnSpc>
+                <a:spcPct val="150000"/>
+              </a:lnSpc>
+            </a:pPr>
+            <a:r>
+              <a:rPr lang="zh-CN" altLang="en-US" sz="1800" b="1" dirty="0" smtClean="0">
+                <a:latin typeface="+mj-ea"/>
+                <a:ea typeface="+mj-ea"/>
+              </a:rPr>
+              <a:t>业务代码无分页相关</a:t>
+            </a:r>
+            <a:r>
+              <a:rPr lang="zh-CN" altLang="en-US" sz="1800" b="1" dirty="0">
+                <a:latin typeface="+mj-ea"/>
+                <a:ea typeface="+mj-ea"/>
+              </a:rPr>
+              <a:t>逻辑</a:t>
+            </a:r>
+            <a:endParaRPr lang="en-US" altLang="zh-CN" sz="1800" b="1" dirty="0">
+              <a:latin typeface="+mj-ea"/>
+              <a:ea typeface="+mj-ea"/>
+            </a:endParaRPr>
+          </a:p>
+        </p:txBody>
+      </p:sp>
+      <p:pic>
+        <p:nvPicPr>
+          <p:cNvPr id="9218" name="Picture 2"/>
+          <p:cNvPicPr>
+            <a:picLocks noChangeAspect="1" noChangeArrowheads="1"/>
+          </p:cNvPicPr>
+          <p:nvPr/>
+        </p:nvPicPr>
+        <p:blipFill>
+          <a:blip r:embed="rId3">
+            <a:extLst>
+              <a:ext uri="{28A0092B-C50C-407E-A947-70E740481C1C}">
+                <a14:useLocalDpi xmlns:a14="http://schemas.microsoft.com/office/drawing/2010/main" val="0"/>
+              </a:ext>
+            </a:extLst>
+          </a:blip>
+          <a:srcRect/>
+          <a:stretch>
+            <a:fillRect/>
+          </a:stretch>
+        </p:blipFill>
+        <p:spPr bwMode="auto">
+          <a:xfrm>
+            <a:off x="6629592" y="1641474"/>
+            <a:ext cx="4714875" cy="1933575"/>
+          </a:xfrm>
+          <a:prstGeom prst="rect">
+            <a:avLst/>
+          </a:prstGeom>
+          <a:noFill/>
+          <a:ln>
+            <a:noFill/>
+          </a:ln>
+          <a:effectLst/>
+          <a:extLst>
+            <a:ext uri="{909E8E84-426E-40DD-AFC4-6F175D3DCCD1}">
+              <a14:hiddenFill xmlns:a14="http://schemas.microsoft.com/office/drawing/2010/main">
+                <a:solidFill>
+                  <a:schemeClr val="accent1"/>
+                </a:solidFill>
+              </a14:hiddenFill>
+            </a:ext>
+            <a:ext uri="{91240B29-F687-4F45-9708-019B960494DF}">
+              <a14:hiddenLine xmlns:a14="http://schemas.microsoft.com/office/drawing/2010/main" w="9525">
+                <a:solidFill>
+                  <a:schemeClr val="tx1"/>
+                </a:solidFill>
+                <a:miter lim="800000"/>
+                <a:headEnd/>
+                <a:tailEnd/>
+              </a14:hiddenLine>
+            </a:ext>
+            <a:ext uri="{AF507438-7753-43E0-B8FC-AC1667EBCBE1}">
+              <a14:hiddenEffects xmlns:a14="http://schemas.microsoft.com/office/drawing/2010/main">
+                <a:effectLst>
+                  <a:outerShdw dist="35921" dir="2700000" algn="ctr" rotWithShape="0">
+                    <a:schemeClr val="bg2"/>
+                  </a:outerShdw>
+                </a:effectLst>
+              </a14:hiddenEffects>
+            </a:ext>
+          </a:extLst>
+        </p:spPr>
+      </p:pic>
+      <p:pic>
+        <p:nvPicPr>
+          <p:cNvPr id="9219" name="Picture 3"/>
+          <p:cNvPicPr>
+            <a:picLocks noChangeAspect="1" noChangeArrowheads="1"/>
+          </p:cNvPicPr>
+          <p:nvPr/>
+        </p:nvPicPr>
+        <p:blipFill>
+          <a:blip r:embed="rId4">
+            <a:extLst>
+              <a:ext uri="{28A0092B-C50C-407E-A947-70E740481C1C}">
+                <a14:useLocalDpi xmlns:a14="http://schemas.microsoft.com/office/drawing/2010/main" val="0"/>
+              </a:ext>
+            </a:extLst>
+          </a:blip>
+          <a:srcRect/>
+          <a:stretch>
+            <a:fillRect/>
+          </a:stretch>
+        </p:blipFill>
+        <p:spPr bwMode="auto">
+          <a:xfrm>
+            <a:off x="4933370" y="3823689"/>
+            <a:ext cx="3130079" cy="2667049"/>
+          </a:xfrm>
+          <a:prstGeom prst="rect">
+            <a:avLst/>
+          </a:prstGeom>
+          <a:noFill/>
+          <a:ln>
+            <a:noFill/>
+          </a:ln>
+          <a:effectLst/>
+          <a:extLst>
+            <a:ext uri="{909E8E84-426E-40DD-AFC4-6F175D3DCCD1}">
+              <a14:hiddenFill xmlns:a14="http://schemas.microsoft.com/office/drawing/2010/main">
+                <a:solidFill>
+                  <a:schemeClr val="accent1"/>
+                </a:solidFill>
+              </a14:hiddenFill>
+            </a:ext>
+            <a:ext uri="{91240B29-F687-4F45-9708-019B960494DF}">
+              <a14:hiddenLine xmlns:a14="http://schemas.microsoft.com/office/drawing/2010/main" w="9525">
+                <a:solidFill>
+                  <a:schemeClr val="tx1"/>
+                </a:solidFill>
+                <a:miter lim="800000"/>
+                <a:headEnd/>
+                <a:tailEnd/>
+              </a14:hiddenLine>
+            </a:ext>
+            <a:ext uri="{AF507438-7753-43E0-B8FC-AC1667EBCBE1}">
+              <a14:hiddenEffects xmlns:a14="http://schemas.microsoft.com/office/drawing/2010/main">
+                <a:effectLst>
+                  <a:outerShdw dist="35921" dir="2700000" algn="ctr" rotWithShape="0">
+                    <a:schemeClr val="bg2"/>
+                  </a:outerShdw>
+                </a:effectLst>
+              </a14:hiddenEffects>
+            </a:ext>
+          </a:extLst>
+        </p:spPr>
+      </p:pic>
+      <p:pic>
+        <p:nvPicPr>
+          <p:cNvPr id="9220" name="Picture 4"/>
+          <p:cNvPicPr>
+            <a:picLocks noChangeAspect="1" noChangeArrowheads="1"/>
+          </p:cNvPicPr>
+          <p:nvPr/>
+        </p:nvPicPr>
+        <p:blipFill>
+          <a:blip r:embed="rId5">
+            <a:extLst>
+              <a:ext uri="{28A0092B-C50C-407E-A947-70E740481C1C}">
+                <a14:useLocalDpi xmlns:a14="http://schemas.microsoft.com/office/drawing/2010/main" val="0"/>
+              </a:ext>
+            </a:extLst>
+          </a:blip>
+          <a:srcRect/>
+          <a:stretch>
+            <a:fillRect/>
+          </a:stretch>
+        </p:blipFill>
+        <p:spPr bwMode="auto">
+          <a:xfrm>
+            <a:off x="8197421" y="3747513"/>
+            <a:ext cx="3895725" cy="2819400"/>
+          </a:xfrm>
+          <a:prstGeom prst="rect">
+            <a:avLst/>
+          </a:prstGeom>
+          <a:noFill/>
+          <a:ln>
+            <a:noFill/>
+          </a:ln>
+          <a:effectLst/>
+          <a:extLst>
+            <a:ext uri="{909E8E84-426E-40DD-AFC4-6F175D3DCCD1}">
+              <a14:hiddenFill xmlns:a14="http://schemas.microsoft.com/office/drawing/2010/main">
+                <a:solidFill>
+                  <a:schemeClr val="accent1"/>
+                </a:solidFill>
+              </a14:hiddenFill>
+            </a:ext>
+            <a:ext uri="{91240B29-F687-4F45-9708-019B960494DF}">
+              <a14:hiddenLine xmlns:a14="http://schemas.microsoft.com/office/drawing/2010/main" w="9525">
+                <a:solidFill>
+                  <a:schemeClr val="tx1"/>
+                </a:solidFill>
+                <a:miter lim="800000"/>
+                <a:headEnd/>
+                <a:tailEnd/>
+              </a14:hiddenLine>
+            </a:ext>
+            <a:ext uri="{AF507438-7753-43E0-B8FC-AC1667EBCBE1}">
+              <a14:hiddenEffects xmlns:a14="http://schemas.microsoft.com/office/drawing/2010/main">
+                <a:effectLst>
+                  <a:outerShdw dist="35921" dir="2700000" algn="ctr" rotWithShape="0">
+                    <a:schemeClr val="bg2"/>
+                  </a:outerShdw>
+                </a:effectLst>
+              </a14:hiddenEffects>
+            </a:ext>
+          </a:extLst>
+        </p:spPr>
+      </p:pic>
+    </p:spTree>
+    <p:extLst>
+      <p:ext uri="{BB962C8B-B14F-4D97-AF65-F5344CB8AC3E}">
+        <p14:creationId xmlns:p14="http://schemas.microsoft.com/office/powerpoint/2010/main" val="2113503018"/>
       </p:ext>
     </p:extLst>
   </p:cSld>
@@ -3953,12 +4395,12 @@
         <p:spPr>
           <a:xfrm>
             <a:off x="765256" y="1663805"/>
-            <a:ext cx="10515600" cy="5008844"/>
+            <a:ext cx="10515600" cy="4351338"/>
           </a:xfrm>
         </p:spPr>
         <p:txBody>
           <a:bodyPr wrap="none">
-            <a:normAutofit fontScale="47500" lnSpcReduction="20000"/>
+            <a:normAutofit/>
           </a:bodyPr>
           <a:lstStyle/>
           <a:p>
@@ -3968,263 +4410,88 @@
               </a:lnSpc>
             </a:pPr>
             <a:r>
-              <a:rPr lang="zh-CN" altLang="en-US" sz="6700" dirty="0">
-                <a:latin typeface="+mj-ea"/>
-                <a:ea typeface="+mj-ea"/>
-              </a:rPr>
-              <a:t>缓存</a:t>
-            </a:r>
-            <a:endParaRPr lang="en-US" altLang="zh-CN" sz="6700" dirty="0" smtClean="0">
-              <a:latin typeface="+mj-ea"/>
-              <a:ea typeface="+mj-ea"/>
-            </a:endParaRPr>
-          </a:p>
-          <a:p>
-            <a:pPr marL="742950" lvl="1" indent="-285750">
+              <a:rPr lang="zh-CN" altLang="en-US" dirty="0" smtClean="0">
+                <a:latin typeface="+mj-ea"/>
+                <a:ea typeface="+mj-ea"/>
+              </a:rPr>
+              <a:t>异步体系</a:t>
+            </a:r>
+            <a:r>
+              <a:rPr lang="en-US" altLang="zh-CN" dirty="0" smtClean="0">
+                <a:latin typeface="+mj-ea"/>
+                <a:ea typeface="+mj-ea"/>
+              </a:rPr>
+              <a:t>/</a:t>
+            </a:r>
+            <a:r>
+              <a:rPr lang="zh-CN" altLang="en-US" dirty="0" smtClean="0">
+                <a:latin typeface="+mj-ea"/>
+                <a:ea typeface="+mj-ea"/>
+              </a:rPr>
+              <a:t>全局异常处理</a:t>
+            </a:r>
+            <a:endParaRPr lang="en-US" altLang="zh-CN" dirty="0" smtClean="0">
+              <a:latin typeface="+mj-ea"/>
+              <a:ea typeface="+mj-ea"/>
+            </a:endParaRPr>
+          </a:p>
+          <a:p>
+            <a:pPr lvl="1">
               <a:lnSpc>
                 <a:spcPct val="150000"/>
               </a:lnSpc>
             </a:pPr>
             <a:r>
-              <a:rPr lang="zh-CN" altLang="en-US" sz="3400" b="1" dirty="0">
-                <a:latin typeface="+mj-ea"/>
-                <a:ea typeface="+mj-ea"/>
-              </a:rPr>
-              <a:t>适用场景</a:t>
-            </a:r>
-            <a:endParaRPr lang="en-US" altLang="zh-CN" sz="3400" b="1" dirty="0">
-              <a:latin typeface="+mj-ea"/>
-              <a:ea typeface="+mj-ea"/>
-            </a:endParaRPr>
-          </a:p>
-          <a:p>
-            <a:pPr marL="1200150" lvl="2" indent="-285750">
+              <a:rPr lang="zh-CN" altLang="en-US" sz="1800" dirty="0" smtClean="0">
+                <a:latin typeface="+mj-ea"/>
+                <a:ea typeface="+mj-ea"/>
+              </a:rPr>
+              <a:t>业务代码原则上不抓异常</a:t>
+            </a:r>
+            <a:endParaRPr lang="en-US" altLang="zh-CN" sz="1800" dirty="0" smtClean="0">
+              <a:latin typeface="+mj-ea"/>
+              <a:ea typeface="+mj-ea"/>
+            </a:endParaRPr>
+          </a:p>
+          <a:p>
+            <a:pPr lvl="1">
               <a:lnSpc>
                 <a:spcPct val="150000"/>
               </a:lnSpc>
             </a:pPr>
             <a:r>
-              <a:rPr lang="zh-CN" altLang="en-US" sz="2900" dirty="0">
-                <a:latin typeface="+mj-ea"/>
-                <a:ea typeface="+mj-ea"/>
-              </a:rPr>
-              <a:t>读多写少</a:t>
-            </a:r>
-            <a:endParaRPr lang="en-US" altLang="zh-CN" sz="2900" dirty="0">
-              <a:latin typeface="+mj-ea"/>
-              <a:ea typeface="+mj-ea"/>
-            </a:endParaRPr>
-          </a:p>
-          <a:p>
-            <a:pPr marL="1200150" lvl="2" indent="-285750">
+              <a:rPr lang="zh-CN" altLang="en-US" sz="1800" b="1" dirty="0" smtClean="0">
+                <a:latin typeface="+mj-ea"/>
+                <a:ea typeface="+mj-ea"/>
+              </a:rPr>
+              <a:t>业务代码专注于 业务逻辑处理</a:t>
+            </a:r>
+            <a:endParaRPr lang="en-US" altLang="zh-CN" sz="1800" b="1" dirty="0" smtClean="0">
+              <a:latin typeface="+mj-ea"/>
+              <a:ea typeface="+mj-ea"/>
+            </a:endParaRPr>
+          </a:p>
+          <a:p>
+            <a:pPr lvl="1">
               <a:lnSpc>
                 <a:spcPct val="150000"/>
               </a:lnSpc>
             </a:pPr>
             <a:r>
-              <a:rPr lang="en-US" altLang="zh-CN" sz="2900" dirty="0">
-                <a:latin typeface="+mj-ea"/>
-                <a:ea typeface="+mj-ea"/>
-              </a:rPr>
-              <a:t>IO</a:t>
-            </a:r>
-            <a:r>
-              <a:rPr lang="zh-CN" altLang="en-US" sz="2900" dirty="0">
-                <a:latin typeface="+mj-ea"/>
-                <a:ea typeface="+mj-ea"/>
-              </a:rPr>
-              <a:t>耗时</a:t>
-            </a:r>
-            <a:endParaRPr lang="en-US" altLang="zh-CN" sz="2900" dirty="0">
-              <a:latin typeface="+mj-ea"/>
-              <a:ea typeface="+mj-ea"/>
-            </a:endParaRPr>
-          </a:p>
-          <a:p>
-            <a:pPr marL="1200150" lvl="2" indent="-285750">
-              <a:lnSpc>
-                <a:spcPct val="150000"/>
-              </a:lnSpc>
-            </a:pPr>
-            <a:r>
-              <a:rPr lang="zh-CN" altLang="en-US" sz="2900" dirty="0">
-                <a:latin typeface="+mj-ea"/>
-                <a:ea typeface="+mj-ea"/>
-              </a:rPr>
-              <a:t>非频繁改动</a:t>
-            </a:r>
-            <a:endParaRPr lang="en-US" altLang="zh-CN" sz="2900" dirty="0">
-              <a:latin typeface="+mj-ea"/>
-              <a:ea typeface="+mj-ea"/>
-            </a:endParaRPr>
-          </a:p>
-          <a:p>
-            <a:pPr marL="742950" lvl="1" indent="-285750">
-              <a:lnSpc>
-                <a:spcPct val="150000"/>
-              </a:lnSpc>
-            </a:pPr>
-            <a:r>
-              <a:rPr lang="zh-CN" altLang="en-US" sz="3400" b="1" dirty="0">
-                <a:latin typeface="+mj-ea"/>
-                <a:ea typeface="+mj-ea"/>
-              </a:rPr>
-              <a:t>注解方式，松耦合</a:t>
-            </a:r>
-            <a:endParaRPr lang="en-US" altLang="zh-CN" sz="3400" b="1" dirty="0">
-              <a:latin typeface="+mj-ea"/>
-              <a:ea typeface="+mj-ea"/>
-            </a:endParaRPr>
-          </a:p>
-          <a:p>
-            <a:pPr marL="1200150" lvl="2" indent="-285750">
-              <a:lnSpc>
-                <a:spcPct val="150000"/>
-              </a:lnSpc>
-            </a:pPr>
-            <a:r>
-              <a:rPr lang="en-US" altLang="zh-CN" sz="2900" dirty="0">
-                <a:latin typeface="+mj-ea"/>
-                <a:ea typeface="+mj-ea"/>
-              </a:rPr>
-              <a:t>@Cacheable</a:t>
-            </a:r>
-          </a:p>
-          <a:p>
-            <a:pPr marL="1200150" lvl="2" indent="-285750">
-              <a:lnSpc>
-                <a:spcPct val="150000"/>
-              </a:lnSpc>
-            </a:pPr>
-            <a:r>
-              <a:rPr lang="en-US" altLang="zh-CN" sz="2900" dirty="0" err="1">
-                <a:latin typeface="+mj-ea"/>
-                <a:ea typeface="+mj-ea"/>
-              </a:rPr>
-              <a:t>SpringCache</a:t>
-            </a:r>
-            <a:r>
-              <a:rPr lang="en-US" altLang="zh-CN" sz="2900" dirty="0">
-                <a:latin typeface="+mj-ea"/>
-                <a:ea typeface="+mj-ea"/>
-              </a:rPr>
-              <a:t> + </a:t>
-            </a:r>
-            <a:r>
-              <a:rPr lang="en-US" altLang="zh-CN" sz="2900" dirty="0" err="1">
-                <a:latin typeface="+mj-ea"/>
-                <a:ea typeface="+mj-ea"/>
-              </a:rPr>
-              <a:t>MemCache</a:t>
-            </a:r>
-            <a:endParaRPr lang="en-US" altLang="zh-CN" sz="2900" dirty="0">
-              <a:latin typeface="+mj-ea"/>
-              <a:ea typeface="+mj-ea"/>
-            </a:endParaRPr>
-          </a:p>
-          <a:p>
-            <a:pPr marL="742950" lvl="1" indent="-285750">
-              <a:lnSpc>
-                <a:spcPct val="150000"/>
-              </a:lnSpc>
-            </a:pPr>
-            <a:r>
-              <a:rPr lang="zh-CN" altLang="en-US" sz="3400" b="1" dirty="0">
-                <a:latin typeface="+mj-ea"/>
-                <a:ea typeface="+mj-ea"/>
-              </a:rPr>
-              <a:t>应用典型 </a:t>
-            </a:r>
-            <a:endParaRPr lang="en-US" altLang="zh-CN" sz="3400" b="1" dirty="0">
-              <a:latin typeface="+mj-ea"/>
-              <a:ea typeface="+mj-ea"/>
-            </a:endParaRPr>
-          </a:p>
-          <a:p>
-            <a:pPr marL="1200150" lvl="2" indent="-285750">
-              <a:lnSpc>
-                <a:spcPct val="150000"/>
-              </a:lnSpc>
-            </a:pPr>
-            <a:r>
-              <a:rPr lang="en-US" altLang="zh-CN" sz="2900" b="1" dirty="0">
-                <a:latin typeface="+mj-ea"/>
-                <a:ea typeface="+mj-ea"/>
-              </a:rPr>
-              <a:t>UC</a:t>
-            </a:r>
-            <a:r>
-              <a:rPr lang="zh-CN" altLang="en-US" sz="2900" b="1" dirty="0">
-                <a:latin typeface="+mj-ea"/>
-                <a:ea typeface="+mj-ea"/>
-              </a:rPr>
-              <a:t>用户</a:t>
-            </a:r>
-            <a:r>
-              <a:rPr lang="zh-CN" altLang="en-US" sz="2900" b="1" dirty="0" smtClean="0">
-                <a:latin typeface="+mj-ea"/>
-                <a:ea typeface="+mj-ea"/>
-              </a:rPr>
-              <a:t>数据（</a:t>
-            </a:r>
-            <a:r>
-              <a:rPr lang="en-US" altLang="zh-CN" sz="2900" b="1" dirty="0" smtClean="0">
-                <a:latin typeface="+mj-ea"/>
-                <a:ea typeface="+mj-ea"/>
-              </a:rPr>
-              <a:t>UC</a:t>
-            </a:r>
-            <a:r>
-              <a:rPr lang="zh-CN" altLang="en-US" sz="2900" b="1" dirty="0" smtClean="0">
-                <a:latin typeface="+mj-ea"/>
-                <a:ea typeface="+mj-ea"/>
-              </a:rPr>
-              <a:t>用户名）</a:t>
-            </a:r>
-            <a:endParaRPr lang="en-US" altLang="zh-CN" sz="2900" b="1" dirty="0">
-              <a:latin typeface="+mj-ea"/>
-              <a:ea typeface="+mj-ea"/>
-            </a:endParaRPr>
-          </a:p>
-          <a:p>
-            <a:pPr marL="1200150" lvl="2" indent="-285750">
-              <a:lnSpc>
-                <a:spcPct val="150000"/>
-              </a:lnSpc>
-            </a:pPr>
-            <a:r>
-              <a:rPr lang="zh-CN" altLang="en-US" sz="2900" dirty="0">
-                <a:latin typeface="+mj-ea"/>
-                <a:ea typeface="+mj-ea"/>
-              </a:rPr>
-              <a:t>提供一站式的预算数据</a:t>
-            </a:r>
-            <a:endParaRPr lang="en-US" altLang="zh-CN" sz="2900" dirty="0">
-              <a:latin typeface="+mj-ea"/>
-              <a:ea typeface="+mj-ea"/>
-            </a:endParaRPr>
-          </a:p>
-          <a:p>
-            <a:pPr marL="1200150" lvl="2" indent="-285750">
-              <a:lnSpc>
-                <a:spcPct val="150000"/>
-              </a:lnSpc>
-            </a:pPr>
-            <a:r>
-              <a:rPr lang="zh-CN" altLang="en-US" sz="2900" b="1" dirty="0" smtClean="0">
-                <a:latin typeface="+mj-ea"/>
-                <a:ea typeface="+mj-ea"/>
-              </a:rPr>
-              <a:t>权限</a:t>
-            </a:r>
-            <a:r>
-              <a:rPr lang="zh-CN" altLang="en-US" sz="2900" b="1" dirty="0">
-                <a:latin typeface="+mj-ea"/>
-                <a:ea typeface="+mj-ea"/>
-              </a:rPr>
-              <a:t>控制</a:t>
-            </a:r>
-            <a:endParaRPr lang="en-US" altLang="zh-CN" sz="2900" b="1" dirty="0">
+              <a:rPr lang="zh-CN" altLang="en-US" sz="1800" dirty="0" smtClean="0">
+                <a:latin typeface="+mj-ea"/>
+                <a:ea typeface="+mj-ea"/>
+              </a:rPr>
+              <a:t>自动捕获</a:t>
+            </a:r>
+            <a:r>
+              <a:rPr lang="zh-CN" altLang="en-US" sz="1800" dirty="0" smtClean="0">
+                <a:latin typeface="+mj-ea"/>
+                <a:ea typeface="+mj-ea"/>
+              </a:rPr>
+              <a:t>异常</a:t>
+            </a:r>
+            <a:endParaRPr lang="en-US" altLang="zh-CN" sz="1800" dirty="0">
               <a:latin typeface="+mj-ea"/>
               <a:ea typeface="+mj-ea"/>
             </a:endParaRPr>
@@ -4254,8 +4521,8 @@
         </p:blipFill>
         <p:spPr bwMode="auto">
           <a:xfrm>
-            <a:off x="9248931" y="1641474"/>
-            <a:ext cx="2631235" cy="4942703"/>
+            <a:off x="2536906" y="4173793"/>
+            <a:ext cx="3486150" cy="1943100"/>
           </a:xfrm>
           <a:prstGeom prst="rect">
             <a:avLst/>
@@ -4318,8 +4585,940 @@
         </p:blipFill>
         <p:spPr bwMode="auto">
           <a:xfrm>
-            <a:off x="4588892" y="1641474"/>
-            <a:ext cx="4533900" cy="2876550"/>
+            <a:off x="7148284" y="1826417"/>
+            <a:ext cx="3762375" cy="4095750"/>
+          </a:xfrm>
+          <a:prstGeom prst="rect">
+            <a:avLst/>
+          </a:prstGeom>
+          <a:noFill/>
+          <a:ln>
+            <a:noFill/>
+          </a:ln>
+          <a:effectLst/>
+          <a:extLst>
+            <a:ext uri="{909E8E84-426E-40DD-AFC4-6F175D3DCCD1}">
+              <a14:hiddenFill xmlns:a14="http://schemas.microsoft.com/office/drawing/2010/main">
+                <a:solidFill>
+                  <a:schemeClr val="accent1"/>
+                </a:solidFill>
+              </a14:hiddenFill>
+            </a:ext>
+            <a:ext uri="{91240B29-F687-4F45-9708-019B960494DF}">
+              <a14:hiddenLine xmlns:a14="http://schemas.microsoft.com/office/drawing/2010/main" w="9525">
+                <a:solidFill>
+                  <a:schemeClr val="tx1"/>
+                </a:solidFill>
+                <a:miter lim="800000"/>
+                <a:headEnd/>
+                <a:tailEnd/>
+              </a14:hiddenLine>
+            </a:ext>
+            <a:ext uri="{AF507438-7753-43E0-B8FC-AC1667EBCBE1}">
+              <a14:hiddenEffects xmlns:a14="http://schemas.microsoft.com/office/drawing/2010/main">
+                <a:effectLst>
+                  <a:outerShdw dist="35921" dir="2700000" algn="ctr" rotWithShape="0">
+                    <a:schemeClr val="bg2"/>
+                  </a:outerShdw>
+                </a:effectLst>
+              </a14:hiddenEffects>
+            </a:ext>
+          </a:extLst>
+        </p:spPr>
+      </p:pic>
+    </p:spTree>
+    <p:extLst>
+      <p:ext uri="{BB962C8B-B14F-4D97-AF65-F5344CB8AC3E}">
+        <p14:creationId xmlns:p14="http://schemas.microsoft.com/office/powerpoint/2010/main" val="1521995202"/>
+      </p:ext>
+    </p:extLst>
+  </p:cSld>
+  <p:clrMapOvr>
+    <a:masterClrMapping/>
+  </p:clrMapOvr>
+  <p:timing>
+    <p:tnLst>
+      <p:par>
+        <p:cTn id="1" dur="indefinite" restart="never" nodeType="tmRoot"/>
+      </p:par>
+    </p:tnLst>
+  </p:timing>
+</p:sld>
+</file>
+
+<file path=ppt/slides/slide15.xml><?xml version="1.0" encoding="utf-8"?>
+<p:sld xmlns:a="http://schemas.openxmlformats.org/drawingml/2006/main" xmlns:r="http://schemas.openxmlformats.org/officeDocument/2006/relationships" xmlns:p="http://schemas.openxmlformats.org/presentationml/2006/main">
+  <p:cSld>
+    <p:spTree>
+      <p:nvGrpSpPr>
+        <p:cNvPr id="1" name=""/>
+        <p:cNvGrpSpPr/>
+        <p:nvPr/>
+      </p:nvGrpSpPr>
+      <p:grpSpPr>
+        <a:xfrm>
+          <a:off x="0" y="0"/>
+          <a:ext cx="0" cy="0"/>
+          <a:chOff x="0" y="0"/>
+          <a:chExt cx="0" cy="0"/>
+        </a:xfrm>
+      </p:grpSpPr>
+      <p:sp>
+        <p:nvSpPr>
+          <p:cNvPr id="2" name="标题 1"/>
+          <p:cNvSpPr>
+            <a:spLocks noGrp="1"/>
+          </p:cNvSpPr>
+          <p:nvPr>
+            <p:ph type="title"/>
+          </p:nvPr>
+        </p:nvSpPr>
+        <p:spPr/>
+        <p:txBody>
+          <a:bodyPr>
+            <a:normAutofit/>
+          </a:bodyPr>
+          <a:lstStyle/>
+          <a:p>
+            <a:r>
+              <a:rPr lang="zh-CN" altLang="en-US" dirty="0" smtClean="0">
+                <a:latin typeface="+mj-ea"/>
+              </a:rPr>
+              <a:t>自夸</a:t>
+            </a:r>
+            <a:endParaRPr lang="zh-CN" altLang="en-US" dirty="0">
+              <a:solidFill>
+                <a:srgbClr val="1713DC"/>
+              </a:solidFill>
+              <a:latin typeface="+mj-ea"/>
+            </a:endParaRPr>
+          </a:p>
+        </p:txBody>
+      </p:sp>
+      <p:sp>
+        <p:nvSpPr>
+          <p:cNvPr id="21" name="Text Box 48"/>
+          <p:cNvSpPr txBox="1">
+            <a:spLocks noChangeArrowheads="1"/>
+          </p:cNvSpPr>
+          <p:nvPr/>
+        </p:nvSpPr>
+        <p:spPr bwMode="auto">
+          <a:xfrm>
+            <a:off x="6023056" y="1641474"/>
+            <a:ext cx="1978608" cy="369887"/>
+          </a:xfrm>
+          <a:prstGeom prst="rect">
+            <a:avLst/>
+          </a:prstGeom>
+          <a:noFill/>
+          <a:ln w="9525">
+            <a:noFill/>
+            <a:miter lim="800000"/>
+            <a:headEnd/>
+            <a:tailEnd/>
+          </a:ln>
+          <a:effectLst/>
+        </p:spPr>
+        <p:txBody>
+          <a:bodyPr wrap="square">
+            <a:spAutoFit/>
+          </a:bodyPr>
+          <a:lstStyle/>
+          <a:p>
+            <a:pPr algn="ctr" eaLnBrk="0" hangingPunct="0"/>
+            <a:endParaRPr lang="en-US" altLang="zh-CN" dirty="0">
+              <a:latin typeface="+mj-ea"/>
+              <a:ea typeface="+mj-ea"/>
+            </a:endParaRPr>
+          </a:p>
+        </p:txBody>
+      </p:sp>
+      <p:sp>
+        <p:nvSpPr>
+          <p:cNvPr id="6" name="内容占位符 2"/>
+          <p:cNvSpPr>
+            <a:spLocks noGrp="1"/>
+          </p:cNvSpPr>
+          <p:nvPr>
+            <p:ph idx="1"/>
+          </p:nvPr>
+        </p:nvSpPr>
+        <p:spPr>
+          <a:xfrm>
+            <a:off x="765256" y="1663805"/>
+            <a:ext cx="10515600" cy="4351338"/>
+          </a:xfrm>
+        </p:spPr>
+        <p:txBody>
+          <a:bodyPr wrap="none">
+            <a:normAutofit/>
+          </a:bodyPr>
+          <a:lstStyle/>
+          <a:p>
+            <a:pPr>
+              <a:lnSpc>
+                <a:spcPct val="150000"/>
+              </a:lnSpc>
+            </a:pPr>
+            <a:r>
+              <a:rPr lang="zh-CN" altLang="en-US" dirty="0" smtClean="0">
+                <a:latin typeface="+mj-ea"/>
+                <a:ea typeface="+mj-ea"/>
+              </a:rPr>
+              <a:t>会话</a:t>
+            </a:r>
+            <a:endParaRPr lang="en-US" altLang="zh-CN" dirty="0" smtClean="0">
+              <a:latin typeface="+mj-ea"/>
+              <a:ea typeface="+mj-ea"/>
+            </a:endParaRPr>
+          </a:p>
+          <a:p>
+            <a:pPr marL="742950" lvl="1" indent="-285750">
+              <a:lnSpc>
+                <a:spcPct val="150000"/>
+              </a:lnSpc>
+            </a:pPr>
+            <a:r>
+              <a:rPr lang="zh-CN" altLang="en-US" sz="1800" dirty="0" smtClean="0">
+                <a:latin typeface="+mj-ea"/>
+                <a:ea typeface="+mj-ea"/>
+              </a:rPr>
+              <a:t>会话请求生成</a:t>
+            </a:r>
+            <a:r>
+              <a:rPr lang="en-US" altLang="zh-CN" sz="1800" dirty="0" err="1" smtClean="0">
+                <a:latin typeface="+mj-ea"/>
+                <a:ea typeface="+mj-ea"/>
+              </a:rPr>
+              <a:t>sessionId</a:t>
+            </a:r>
+            <a:r>
+              <a:rPr lang="en-US" altLang="zh-CN" sz="1800" dirty="0" smtClean="0">
+                <a:latin typeface="+mj-ea"/>
+                <a:ea typeface="+mj-ea"/>
+              </a:rPr>
+              <a:t>, </a:t>
+            </a:r>
+            <a:r>
+              <a:rPr lang="zh-CN" altLang="en-US" sz="1800" dirty="0" smtClean="0">
+                <a:latin typeface="+mj-ea"/>
+                <a:ea typeface="+mj-ea"/>
+              </a:rPr>
+              <a:t>日志含有此字段</a:t>
+            </a:r>
+            <a:endParaRPr lang="en-US" altLang="zh-CN" sz="1800" dirty="0" smtClean="0">
+              <a:latin typeface="+mj-ea"/>
+              <a:ea typeface="+mj-ea"/>
+            </a:endParaRPr>
+          </a:p>
+          <a:p>
+            <a:pPr marL="742950" lvl="1" indent="-285750">
+              <a:lnSpc>
+                <a:spcPct val="150000"/>
+              </a:lnSpc>
+            </a:pPr>
+            <a:r>
+              <a:rPr lang="zh-CN" altLang="en-US" sz="1800" dirty="0" smtClean="0">
+                <a:latin typeface="+mj-ea"/>
+                <a:ea typeface="+mj-ea"/>
+              </a:rPr>
+              <a:t>可</a:t>
+            </a:r>
+            <a:r>
+              <a:rPr lang="zh-CN" altLang="en-US" sz="1800" dirty="0">
+                <a:latin typeface="+mj-ea"/>
+                <a:ea typeface="+mj-ea"/>
+              </a:rPr>
+              <a:t>迅速排查此问题用户此次会话操作信息</a:t>
+            </a:r>
+            <a:endParaRPr lang="en-US" altLang="zh-CN" sz="1800" dirty="0">
+              <a:latin typeface="+mj-ea"/>
+              <a:ea typeface="+mj-ea"/>
+            </a:endParaRPr>
+          </a:p>
+        </p:txBody>
+      </p:sp>
+      <p:pic>
+        <p:nvPicPr>
+          <p:cNvPr id="11266" name="Picture 2"/>
+          <p:cNvPicPr>
+            <a:picLocks noChangeAspect="1" noChangeArrowheads="1"/>
+          </p:cNvPicPr>
+          <p:nvPr/>
+        </p:nvPicPr>
+        <p:blipFill>
+          <a:blip r:embed="rId3">
+            <a:extLst>
+              <a:ext uri="{28A0092B-C50C-407E-A947-70E740481C1C}">
+                <a14:useLocalDpi xmlns:a14="http://schemas.microsoft.com/office/drawing/2010/main" val="0"/>
+              </a:ext>
+            </a:extLst>
+          </a:blip>
+          <a:srcRect/>
+          <a:stretch>
+            <a:fillRect/>
+          </a:stretch>
+        </p:blipFill>
+        <p:spPr bwMode="auto">
+          <a:xfrm>
+            <a:off x="1683351" y="3516141"/>
+            <a:ext cx="3067050" cy="3038475"/>
+          </a:xfrm>
+          <a:prstGeom prst="rect">
+            <a:avLst/>
+          </a:prstGeom>
+          <a:noFill/>
+          <a:ln>
+            <a:noFill/>
+          </a:ln>
+          <a:effectLst/>
+          <a:extLst>
+            <a:ext uri="{909E8E84-426E-40DD-AFC4-6F175D3DCCD1}">
+              <a14:hiddenFill xmlns:a14="http://schemas.microsoft.com/office/drawing/2010/main">
+                <a:solidFill>
+                  <a:schemeClr val="accent1"/>
+                </a:solidFill>
+              </a14:hiddenFill>
+            </a:ext>
+            <a:ext uri="{91240B29-F687-4F45-9708-019B960494DF}">
+              <a14:hiddenLine xmlns:a14="http://schemas.microsoft.com/office/drawing/2010/main" w="9525">
+                <a:solidFill>
+                  <a:schemeClr val="tx1"/>
+                </a:solidFill>
+                <a:miter lim="800000"/>
+                <a:headEnd/>
+                <a:tailEnd/>
+              </a14:hiddenLine>
+            </a:ext>
+            <a:ext uri="{AF507438-7753-43E0-B8FC-AC1667EBCBE1}">
+              <a14:hiddenEffects xmlns:a14="http://schemas.microsoft.com/office/drawing/2010/main">
+                <a:effectLst>
+                  <a:outerShdw dist="35921" dir="2700000" algn="ctr" rotWithShape="0">
+                    <a:schemeClr val="bg2"/>
+                  </a:outerShdw>
+                </a:effectLst>
+              </a14:hiddenEffects>
+            </a:ext>
+          </a:extLst>
+        </p:spPr>
+      </p:pic>
+      <p:pic>
+        <p:nvPicPr>
+          <p:cNvPr id="11267" name="Picture 3"/>
+          <p:cNvPicPr>
+            <a:picLocks noChangeAspect="1" noChangeArrowheads="1"/>
+          </p:cNvPicPr>
+          <p:nvPr/>
+        </p:nvPicPr>
+        <p:blipFill>
+          <a:blip r:embed="rId4">
+            <a:extLst>
+              <a:ext uri="{28A0092B-C50C-407E-A947-70E740481C1C}">
+                <a14:useLocalDpi xmlns:a14="http://schemas.microsoft.com/office/drawing/2010/main" val="0"/>
+              </a:ext>
+            </a:extLst>
+          </a:blip>
+          <a:srcRect/>
+          <a:stretch>
+            <a:fillRect/>
+          </a:stretch>
+        </p:blipFill>
+        <p:spPr bwMode="auto">
+          <a:xfrm>
+            <a:off x="7012360" y="1373016"/>
+            <a:ext cx="3600450" cy="5181600"/>
+          </a:xfrm>
+          <a:prstGeom prst="rect">
+            <a:avLst/>
+          </a:prstGeom>
+          <a:noFill/>
+          <a:ln>
+            <a:noFill/>
+          </a:ln>
+          <a:effectLst/>
+          <a:extLst>
+            <a:ext uri="{909E8E84-426E-40DD-AFC4-6F175D3DCCD1}">
+              <a14:hiddenFill xmlns:a14="http://schemas.microsoft.com/office/drawing/2010/main">
+                <a:solidFill>
+                  <a:schemeClr val="accent1"/>
+                </a:solidFill>
+              </a14:hiddenFill>
+            </a:ext>
+            <a:ext uri="{91240B29-F687-4F45-9708-019B960494DF}">
+              <a14:hiddenLine xmlns:a14="http://schemas.microsoft.com/office/drawing/2010/main" w="9525">
+                <a:solidFill>
+                  <a:schemeClr val="tx1"/>
+                </a:solidFill>
+                <a:miter lim="800000"/>
+                <a:headEnd/>
+                <a:tailEnd/>
+              </a14:hiddenLine>
+            </a:ext>
+            <a:ext uri="{AF507438-7753-43E0-B8FC-AC1667EBCBE1}">
+              <a14:hiddenEffects xmlns:a14="http://schemas.microsoft.com/office/drawing/2010/main">
+                <a:effectLst>
+                  <a:outerShdw dist="35921" dir="2700000" algn="ctr" rotWithShape="0">
+                    <a:schemeClr val="bg2"/>
+                  </a:outerShdw>
+                </a:effectLst>
+              </a14:hiddenEffects>
+            </a:ext>
+          </a:extLst>
+        </p:spPr>
+      </p:pic>
+    </p:spTree>
+    <p:extLst>
+      <p:ext uri="{BB962C8B-B14F-4D97-AF65-F5344CB8AC3E}">
+        <p14:creationId xmlns:p14="http://schemas.microsoft.com/office/powerpoint/2010/main" val="1547105932"/>
+      </p:ext>
+    </p:extLst>
+  </p:cSld>
+  <p:clrMapOvr>
+    <a:masterClrMapping/>
+  </p:clrMapOvr>
+  <p:timing>
+    <p:tnLst>
+      <p:par>
+        <p:cTn id="1" dur="indefinite" restart="never" nodeType="tmRoot"/>
+      </p:par>
+    </p:tnLst>
+  </p:timing>
+</p:sld>
+</file>
+
+<file path=ppt/slides/slide16.xml><?xml version="1.0" encoding="utf-8"?>
+<p:sld xmlns:a="http://schemas.openxmlformats.org/drawingml/2006/main" xmlns:r="http://schemas.openxmlformats.org/officeDocument/2006/relationships" xmlns:p="http://schemas.openxmlformats.org/presentationml/2006/main">
+  <p:cSld>
+    <p:spTree>
+      <p:nvGrpSpPr>
+        <p:cNvPr id="1" name=""/>
+        <p:cNvGrpSpPr/>
+        <p:nvPr/>
+      </p:nvGrpSpPr>
+      <p:grpSpPr>
+        <a:xfrm>
+          <a:off x="0" y="0"/>
+          <a:ext cx="0" cy="0"/>
+          <a:chOff x="0" y="0"/>
+          <a:chExt cx="0" cy="0"/>
+        </a:xfrm>
+      </p:grpSpPr>
+      <p:sp>
+        <p:nvSpPr>
+          <p:cNvPr id="2" name="标题 1"/>
+          <p:cNvSpPr>
+            <a:spLocks noGrp="1"/>
+          </p:cNvSpPr>
+          <p:nvPr>
+            <p:ph type="title"/>
+          </p:nvPr>
+        </p:nvSpPr>
+        <p:spPr/>
+        <p:txBody>
+          <a:bodyPr>
+            <a:normAutofit/>
+          </a:bodyPr>
+          <a:lstStyle/>
+          <a:p>
+            <a:r>
+              <a:rPr lang="zh-CN" altLang="en-US" dirty="0" smtClean="0">
+                <a:latin typeface="+mj-ea"/>
+              </a:rPr>
+              <a:t>自夸</a:t>
+            </a:r>
+            <a:endParaRPr lang="zh-CN" altLang="en-US" dirty="0">
+              <a:solidFill>
+                <a:srgbClr val="1713DC"/>
+              </a:solidFill>
+              <a:latin typeface="+mj-ea"/>
+            </a:endParaRPr>
+          </a:p>
+        </p:txBody>
+      </p:sp>
+      <p:sp>
+        <p:nvSpPr>
+          <p:cNvPr id="21" name="Text Box 48"/>
+          <p:cNvSpPr txBox="1">
+            <a:spLocks noChangeArrowheads="1"/>
+          </p:cNvSpPr>
+          <p:nvPr/>
+        </p:nvSpPr>
+        <p:spPr bwMode="auto">
+          <a:xfrm>
+            <a:off x="6023056" y="1641474"/>
+            <a:ext cx="1978608" cy="369887"/>
+          </a:xfrm>
+          <a:prstGeom prst="rect">
+            <a:avLst/>
+          </a:prstGeom>
+          <a:noFill/>
+          <a:ln w="9525">
+            <a:noFill/>
+            <a:miter lim="800000"/>
+            <a:headEnd/>
+            <a:tailEnd/>
+          </a:ln>
+          <a:effectLst/>
+        </p:spPr>
+        <p:txBody>
+          <a:bodyPr wrap="square">
+            <a:spAutoFit/>
+          </a:bodyPr>
+          <a:lstStyle/>
+          <a:p>
+            <a:pPr algn="ctr" eaLnBrk="0" hangingPunct="0"/>
+            <a:endParaRPr lang="en-US" altLang="zh-CN" dirty="0">
+              <a:latin typeface="+mj-ea"/>
+              <a:ea typeface="+mj-ea"/>
+            </a:endParaRPr>
+          </a:p>
+        </p:txBody>
+      </p:sp>
+      <p:sp>
+        <p:nvSpPr>
+          <p:cNvPr id="6" name="内容占位符 2"/>
+          <p:cNvSpPr>
+            <a:spLocks noGrp="1"/>
+          </p:cNvSpPr>
+          <p:nvPr>
+            <p:ph idx="1"/>
+          </p:nvPr>
+        </p:nvSpPr>
+        <p:spPr>
+          <a:xfrm>
+            <a:off x="765256" y="1663805"/>
+            <a:ext cx="10515600" cy="5008844"/>
+          </a:xfrm>
+        </p:spPr>
+        <p:txBody>
+          <a:bodyPr wrap="none">
+            <a:normAutofit fontScale="47500" lnSpcReduction="20000"/>
+          </a:bodyPr>
+          <a:lstStyle/>
+          <a:p>
+            <a:pPr>
+              <a:lnSpc>
+                <a:spcPct val="150000"/>
+              </a:lnSpc>
+            </a:pPr>
+            <a:r>
+              <a:rPr lang="zh-CN" altLang="en-US" sz="6700" dirty="0">
+                <a:latin typeface="+mj-ea"/>
+                <a:ea typeface="+mj-ea"/>
+              </a:rPr>
+              <a:t>缓存</a:t>
+            </a:r>
+            <a:endParaRPr lang="en-US" altLang="zh-CN" sz="6700" dirty="0" smtClean="0">
+              <a:latin typeface="+mj-ea"/>
+              <a:ea typeface="+mj-ea"/>
+            </a:endParaRPr>
+          </a:p>
+          <a:p>
+            <a:pPr marL="742950" lvl="1" indent="-285750">
+              <a:lnSpc>
+                <a:spcPct val="150000"/>
+              </a:lnSpc>
+            </a:pPr>
+            <a:r>
+              <a:rPr lang="zh-CN" altLang="en-US" sz="3400" b="1" dirty="0">
+                <a:latin typeface="+mj-ea"/>
+                <a:ea typeface="+mj-ea"/>
+              </a:rPr>
+              <a:t>适用场景</a:t>
+            </a:r>
+            <a:endParaRPr lang="en-US" altLang="zh-CN" sz="3400" b="1" dirty="0">
+              <a:latin typeface="+mj-ea"/>
+              <a:ea typeface="+mj-ea"/>
+            </a:endParaRPr>
+          </a:p>
+          <a:p>
+            <a:pPr marL="1200150" lvl="2" indent="-285750">
+              <a:lnSpc>
+                <a:spcPct val="150000"/>
+              </a:lnSpc>
+            </a:pPr>
+            <a:r>
+              <a:rPr lang="zh-CN" altLang="en-US" sz="2900" dirty="0">
+                <a:latin typeface="+mj-ea"/>
+                <a:ea typeface="+mj-ea"/>
+              </a:rPr>
+              <a:t>读多写少</a:t>
+            </a:r>
+            <a:endParaRPr lang="en-US" altLang="zh-CN" sz="2900" dirty="0">
+              <a:latin typeface="+mj-ea"/>
+              <a:ea typeface="+mj-ea"/>
+            </a:endParaRPr>
+          </a:p>
+          <a:p>
+            <a:pPr marL="1200150" lvl="2" indent="-285750">
+              <a:lnSpc>
+                <a:spcPct val="150000"/>
+              </a:lnSpc>
+            </a:pPr>
+            <a:r>
+              <a:rPr lang="en-US" altLang="zh-CN" sz="2900" dirty="0">
+                <a:latin typeface="+mj-ea"/>
+                <a:ea typeface="+mj-ea"/>
+              </a:rPr>
+              <a:t>IO</a:t>
+            </a:r>
+            <a:r>
+              <a:rPr lang="zh-CN" altLang="en-US" sz="2900" dirty="0">
+                <a:latin typeface="+mj-ea"/>
+                <a:ea typeface="+mj-ea"/>
+              </a:rPr>
+              <a:t>耗时</a:t>
+            </a:r>
+            <a:endParaRPr lang="en-US" altLang="zh-CN" sz="2900" dirty="0">
+              <a:latin typeface="+mj-ea"/>
+              <a:ea typeface="+mj-ea"/>
+            </a:endParaRPr>
+          </a:p>
+          <a:p>
+            <a:pPr marL="1200150" lvl="2" indent="-285750">
+              <a:lnSpc>
+                <a:spcPct val="150000"/>
+              </a:lnSpc>
+            </a:pPr>
+            <a:r>
+              <a:rPr lang="zh-CN" altLang="en-US" sz="2900" dirty="0">
+                <a:latin typeface="+mj-ea"/>
+                <a:ea typeface="+mj-ea"/>
+              </a:rPr>
+              <a:t>非频繁改动</a:t>
+            </a:r>
+            <a:endParaRPr lang="en-US" altLang="zh-CN" sz="2900" dirty="0">
+              <a:latin typeface="+mj-ea"/>
+              <a:ea typeface="+mj-ea"/>
+            </a:endParaRPr>
+          </a:p>
+          <a:p>
+            <a:pPr marL="742950" lvl="1" indent="-285750">
+              <a:lnSpc>
+                <a:spcPct val="150000"/>
+              </a:lnSpc>
+            </a:pPr>
+            <a:r>
+              <a:rPr lang="zh-CN" altLang="en-US" sz="3400" b="1" dirty="0">
+                <a:latin typeface="+mj-ea"/>
+                <a:ea typeface="+mj-ea"/>
+              </a:rPr>
+              <a:t>注解方式，松耦合</a:t>
+            </a:r>
+            <a:endParaRPr lang="en-US" altLang="zh-CN" sz="3400" b="1" dirty="0">
+              <a:latin typeface="+mj-ea"/>
+              <a:ea typeface="+mj-ea"/>
+            </a:endParaRPr>
+          </a:p>
+          <a:p>
+            <a:pPr marL="1200150" lvl="2" indent="-285750">
+              <a:lnSpc>
+                <a:spcPct val="150000"/>
+              </a:lnSpc>
+            </a:pPr>
+            <a:r>
+              <a:rPr lang="en-US" altLang="zh-CN" sz="2900" dirty="0">
+                <a:latin typeface="+mj-ea"/>
+                <a:ea typeface="+mj-ea"/>
+              </a:rPr>
+              <a:t>@Cacheable</a:t>
+            </a:r>
+          </a:p>
+          <a:p>
+            <a:pPr marL="1200150" lvl="2" indent="-285750">
+              <a:lnSpc>
+                <a:spcPct val="150000"/>
+              </a:lnSpc>
+            </a:pPr>
+            <a:r>
+              <a:rPr lang="en-US" altLang="zh-CN" sz="2900" dirty="0" err="1">
+                <a:latin typeface="+mj-ea"/>
+                <a:ea typeface="+mj-ea"/>
+              </a:rPr>
+              <a:t>SpringCache</a:t>
+            </a:r>
+            <a:r>
+              <a:rPr lang="en-US" altLang="zh-CN" sz="2900" dirty="0">
+                <a:latin typeface="+mj-ea"/>
+                <a:ea typeface="+mj-ea"/>
+              </a:rPr>
+              <a:t> + </a:t>
+            </a:r>
+            <a:r>
+              <a:rPr lang="en-US" altLang="zh-CN" sz="2900" dirty="0" err="1">
+                <a:latin typeface="+mj-ea"/>
+                <a:ea typeface="+mj-ea"/>
+              </a:rPr>
+              <a:t>MemCache</a:t>
+            </a:r>
+            <a:endParaRPr lang="en-US" altLang="zh-CN" sz="2900" dirty="0">
+              <a:latin typeface="+mj-ea"/>
+              <a:ea typeface="+mj-ea"/>
+            </a:endParaRPr>
+          </a:p>
+          <a:p>
+            <a:pPr marL="742950" lvl="1" indent="-285750">
+              <a:lnSpc>
+                <a:spcPct val="150000"/>
+              </a:lnSpc>
+            </a:pPr>
+            <a:r>
+              <a:rPr lang="zh-CN" altLang="en-US" sz="3400" b="1" dirty="0">
+                <a:latin typeface="+mj-ea"/>
+                <a:ea typeface="+mj-ea"/>
+              </a:rPr>
+              <a:t>应用典型 </a:t>
+            </a:r>
+            <a:endParaRPr lang="en-US" altLang="zh-CN" sz="3400" b="1" dirty="0">
+              <a:latin typeface="+mj-ea"/>
+              <a:ea typeface="+mj-ea"/>
+            </a:endParaRPr>
+          </a:p>
+          <a:p>
+            <a:pPr marL="1200150" lvl="2" indent="-285750">
+              <a:lnSpc>
+                <a:spcPct val="150000"/>
+              </a:lnSpc>
+            </a:pPr>
+            <a:r>
+              <a:rPr lang="en-US" altLang="zh-CN" sz="2900" b="1" dirty="0">
+                <a:latin typeface="+mj-ea"/>
+                <a:ea typeface="+mj-ea"/>
+              </a:rPr>
+              <a:t>UC</a:t>
+            </a:r>
+            <a:r>
+              <a:rPr lang="zh-CN" altLang="en-US" sz="2900" b="1" dirty="0">
+                <a:latin typeface="+mj-ea"/>
+                <a:ea typeface="+mj-ea"/>
+              </a:rPr>
+              <a:t>用户</a:t>
+            </a:r>
+            <a:r>
+              <a:rPr lang="zh-CN" altLang="en-US" sz="2900" b="1" dirty="0" smtClean="0">
+                <a:latin typeface="+mj-ea"/>
+                <a:ea typeface="+mj-ea"/>
+              </a:rPr>
+              <a:t>数据（</a:t>
+            </a:r>
+            <a:r>
+              <a:rPr lang="en-US" altLang="zh-CN" sz="2900" b="1" dirty="0" smtClean="0">
+                <a:latin typeface="+mj-ea"/>
+                <a:ea typeface="+mj-ea"/>
+              </a:rPr>
+              <a:t>UC</a:t>
+            </a:r>
+            <a:r>
+              <a:rPr lang="zh-CN" altLang="en-US" sz="2900" b="1" dirty="0" smtClean="0">
+                <a:latin typeface="+mj-ea"/>
+                <a:ea typeface="+mj-ea"/>
+              </a:rPr>
+              <a:t>用户名）</a:t>
+            </a:r>
+            <a:endParaRPr lang="en-US" altLang="zh-CN" sz="2900" b="1" dirty="0">
+              <a:latin typeface="+mj-ea"/>
+              <a:ea typeface="+mj-ea"/>
+            </a:endParaRPr>
+          </a:p>
+          <a:p>
+            <a:pPr marL="1200150" lvl="2" indent="-285750">
+              <a:lnSpc>
+                <a:spcPct val="150000"/>
+              </a:lnSpc>
+            </a:pPr>
+            <a:r>
+              <a:rPr lang="zh-CN" altLang="en-US" sz="2900" dirty="0">
+                <a:latin typeface="+mj-ea"/>
+                <a:ea typeface="+mj-ea"/>
+              </a:rPr>
+              <a:t>提供一站式的预算数据</a:t>
+            </a:r>
+            <a:endParaRPr lang="en-US" altLang="zh-CN" sz="2900" dirty="0">
+              <a:latin typeface="+mj-ea"/>
+              <a:ea typeface="+mj-ea"/>
+            </a:endParaRPr>
+          </a:p>
+          <a:p>
+            <a:pPr marL="1200150" lvl="2" indent="-285750">
+              <a:lnSpc>
+                <a:spcPct val="150000"/>
+              </a:lnSpc>
+            </a:pPr>
+            <a:r>
+              <a:rPr lang="zh-CN" altLang="en-US" sz="2900" b="1" dirty="0" smtClean="0">
+                <a:latin typeface="+mj-ea"/>
+                <a:ea typeface="+mj-ea"/>
+              </a:rPr>
+              <a:t>权限</a:t>
+            </a:r>
+            <a:r>
+              <a:rPr lang="zh-CN" altLang="en-US" sz="2900" b="1" dirty="0">
+                <a:latin typeface="+mj-ea"/>
+                <a:ea typeface="+mj-ea"/>
+              </a:rPr>
+              <a:t>控制</a:t>
+            </a:r>
+            <a:endParaRPr lang="en-US" altLang="zh-CN" sz="2900" b="1" dirty="0">
+              <a:latin typeface="+mj-ea"/>
+              <a:ea typeface="+mj-ea"/>
+            </a:endParaRPr>
+          </a:p>
+        </p:txBody>
+      </p:sp>
+      <p:pic>
+        <p:nvPicPr>
+          <p:cNvPr id="12290" name="Picture 2"/>
+          <p:cNvPicPr>
+            <a:picLocks noChangeAspect="1" noChangeArrowheads="1"/>
+          </p:cNvPicPr>
+          <p:nvPr/>
+        </p:nvPicPr>
+        <p:blipFill>
+          <a:blip r:embed="rId3">
+            <a:extLst>
+              <a:ext uri="{28A0092B-C50C-407E-A947-70E740481C1C}">
+                <a14:useLocalDpi xmlns:a14="http://schemas.microsoft.com/office/drawing/2010/main" val="0"/>
+              </a:ext>
+            </a:extLst>
+          </a:blip>
+          <a:srcRect/>
+          <a:stretch>
+            <a:fillRect/>
+          </a:stretch>
+        </p:blipFill>
+        <p:spPr bwMode="auto">
+          <a:xfrm>
+            <a:off x="3580885" y="1679187"/>
+            <a:ext cx="3913501" cy="2522753"/>
+          </a:xfrm>
+          <a:prstGeom prst="rect">
+            <a:avLst/>
+          </a:prstGeom>
+          <a:noFill/>
+          <a:ln>
+            <a:noFill/>
+          </a:ln>
+          <a:effectLst/>
+          <a:extLst>
+            <a:ext uri="{909E8E84-426E-40DD-AFC4-6F175D3DCCD1}">
+              <a14:hiddenFill xmlns:a14="http://schemas.microsoft.com/office/drawing/2010/main">
+                <a:solidFill>
+                  <a:schemeClr val="accent1"/>
+                </a:solidFill>
+              </a14:hiddenFill>
+            </a:ext>
+            <a:ext uri="{91240B29-F687-4F45-9708-019B960494DF}">
+              <a14:hiddenLine xmlns:a14="http://schemas.microsoft.com/office/drawing/2010/main" w="9525">
+                <a:solidFill>
+                  <a:schemeClr val="tx1"/>
+                </a:solidFill>
+                <a:miter lim="800000"/>
+                <a:headEnd/>
+                <a:tailEnd/>
+              </a14:hiddenLine>
+            </a:ext>
+            <a:ext uri="{AF507438-7753-43E0-B8FC-AC1667EBCBE1}">
+              <a14:hiddenEffects xmlns:a14="http://schemas.microsoft.com/office/drawing/2010/main">
+                <a:effectLst>
+                  <a:outerShdw dist="35921" dir="2700000" algn="ctr" rotWithShape="0">
+                    <a:schemeClr val="bg2"/>
+                  </a:outerShdw>
+                </a:effectLst>
+              </a14:hiddenEffects>
+            </a:ext>
+          </a:extLst>
+        </p:spPr>
+      </p:pic>
+      <p:pic>
+        <p:nvPicPr>
+          <p:cNvPr id="12292" name="Picture 4"/>
+          <p:cNvPicPr>
+            <a:picLocks noChangeAspect="1" noChangeArrowheads="1"/>
+          </p:cNvPicPr>
+          <p:nvPr/>
+        </p:nvPicPr>
+        <p:blipFill>
+          <a:blip r:embed="rId4">
+            <a:extLst>
+              <a:ext uri="{28A0092B-C50C-407E-A947-70E740481C1C}">
+                <a14:useLocalDpi xmlns:a14="http://schemas.microsoft.com/office/drawing/2010/main" val="0"/>
+              </a:ext>
+            </a:extLst>
+          </a:blip>
+          <a:srcRect/>
+          <a:stretch>
+            <a:fillRect/>
+          </a:stretch>
+        </p:blipFill>
+        <p:spPr bwMode="auto">
+          <a:xfrm>
+            <a:off x="7659534" y="1679186"/>
+            <a:ext cx="4411313" cy="1718921"/>
+          </a:xfrm>
+          <a:prstGeom prst="rect">
+            <a:avLst/>
+          </a:prstGeom>
+          <a:noFill/>
+          <a:ln>
+            <a:noFill/>
+          </a:ln>
+          <a:effectLst/>
+          <a:extLst>
+            <a:ext uri="{909E8E84-426E-40DD-AFC4-6F175D3DCCD1}">
+              <a14:hiddenFill xmlns:a14="http://schemas.microsoft.com/office/drawing/2010/main">
+                <a:solidFill>
+                  <a:schemeClr val="accent1"/>
+                </a:solidFill>
+              </a14:hiddenFill>
+            </a:ext>
+            <a:ext uri="{91240B29-F687-4F45-9708-019B960494DF}">
+              <a14:hiddenLine xmlns:a14="http://schemas.microsoft.com/office/drawing/2010/main" w="9525">
+                <a:solidFill>
+                  <a:schemeClr val="tx1"/>
+                </a:solidFill>
+                <a:miter lim="800000"/>
+                <a:headEnd/>
+                <a:tailEnd/>
+              </a14:hiddenLine>
+            </a:ext>
+            <a:ext uri="{AF507438-7753-43E0-B8FC-AC1667EBCBE1}">
+              <a14:hiddenEffects xmlns:a14="http://schemas.microsoft.com/office/drawing/2010/main">
+                <a:effectLst>
+                  <a:outerShdw dist="35921" dir="2700000" algn="ctr" rotWithShape="0">
+                    <a:schemeClr val="bg2"/>
+                  </a:outerShdw>
+                </a:effectLst>
+              </a14:hiddenEffects>
+            </a:ext>
+          </a:extLst>
+        </p:spPr>
+      </p:pic>
+      <p:pic>
+        <p:nvPicPr>
+          <p:cNvPr id="12293" name="Picture 5"/>
+          <p:cNvPicPr>
+            <a:picLocks noChangeAspect="1" noChangeArrowheads="1"/>
+          </p:cNvPicPr>
+          <p:nvPr/>
+        </p:nvPicPr>
+        <p:blipFill>
+          <a:blip r:embed="rId5">
+            <a:extLst>
+              <a:ext uri="{28A0092B-C50C-407E-A947-70E740481C1C}">
+                <a14:useLocalDpi xmlns:a14="http://schemas.microsoft.com/office/drawing/2010/main" val="0"/>
+              </a:ext>
+            </a:extLst>
+          </a:blip>
+          <a:srcRect/>
+          <a:stretch>
+            <a:fillRect/>
+          </a:stretch>
+        </p:blipFill>
+        <p:spPr bwMode="auto">
+          <a:xfrm>
+            <a:off x="7807815" y="3571745"/>
+            <a:ext cx="3572758" cy="3015203"/>
           </a:xfrm>
           <a:prstGeom prst="rect">
             <a:avLst/>
@@ -4379,7 +5578,7 @@
 </p:sld>
 </file>
 
-<file path=ppt/slides/slide15.xml><?xml version="1.0" encoding="utf-8"?>
+<file path=ppt/slides/slide17.xml><?xml version="1.0" encoding="utf-8"?>
 <p:sld xmlns:a="http://schemas.openxmlformats.org/drawingml/2006/main" xmlns:r="http://schemas.openxmlformats.org/officeDocument/2006/relationships" xmlns:p="http://schemas.openxmlformats.org/presentationml/2006/main">
   <p:cSld>
     <p:spTree>
@@ -4485,7 +5684,7 @@
         </p:spPr>
         <p:txBody>
           <a:bodyPr wrap="none">
-            <a:normAutofit fontScale="47500" lnSpcReduction="20000"/>
+            <a:normAutofit/>
           </a:bodyPr>
           <a:lstStyle/>
           <a:p>
@@ -4495,34 +5694,27 @@
               </a:lnSpc>
             </a:pPr>
             <a:r>
-              <a:rPr lang="zh-CN" altLang="en-US" sz="5800" dirty="0">
+              <a:rPr lang="zh-CN" altLang="en-US" dirty="0" smtClean="0">
                 <a:latin typeface="微软雅黑" pitchFamily="34" charset="-122"/>
                 <a:ea typeface="微软雅黑" pitchFamily="34" charset="-122"/>
               </a:rPr>
-              <a:t>通用</a:t>
-            </a:r>
-            <a:r>
-              <a:rPr lang="en-US" altLang="zh-CN" sz="5800" dirty="0">
+              <a:t>广告属性管理模块（</a:t>
+            </a:r>
+            <a:r>
+              <a:rPr lang="en-US" altLang="zh-CN" dirty="0" smtClean="0">
                 <a:latin typeface="微软雅黑" pitchFamily="34" charset="-122"/>
                 <a:ea typeface="微软雅黑" pitchFamily="34" charset="-122"/>
               </a:rPr>
-              <a:t>Das</a:t>
-            </a:r>
-            <a:r>
-              <a:rPr lang="zh-CN" altLang="en-US" sz="5800" dirty="0">
+              <a:t>1</a:t>
+            </a:r>
+            <a:r>
+              <a:rPr lang="zh-CN" altLang="en-US" dirty="0" smtClean="0">
                 <a:latin typeface="微软雅黑" pitchFamily="34" charset="-122"/>
                 <a:ea typeface="微软雅黑" pitchFamily="34" charset="-122"/>
               </a:rPr>
-              <a:t>层级</a:t>
-            </a:r>
-            <a:r>
-              <a:rPr lang="en-US" altLang="zh-CN" sz="5800" dirty="0">
-                <a:latin typeface="微软雅黑" pitchFamily="34" charset="-122"/>
-                <a:ea typeface="微软雅黑" pitchFamily="34" charset="-122"/>
-              </a:rPr>
-              <a:t>(CDL)</a:t>
-            </a:r>
-            <a:endParaRPr lang="en-US" altLang="zh-CN" sz="5800" dirty="0" smtClean="0">
+              <a:t>）</a:t>
+            </a:r>
+            <a:endParaRPr lang="en-US" altLang="zh-CN" dirty="0" smtClean="0">
               <a:latin typeface="+mj-ea"/>
               <a:ea typeface="+mj-ea"/>
             </a:endParaRPr>
@@ -4534,74 +5726,27 @@
               </a:lnSpc>
             </a:pPr>
             <a:r>
-              <a:rPr lang="zh-CN" altLang="en-US" sz="3400" b="1" dirty="0">
-                <a:latin typeface="+mj-ea"/>
-                <a:ea typeface="+mj-ea"/>
-              </a:rPr>
-              <a:t>适用场景</a:t>
-            </a:r>
-            <a:endParaRPr lang="en-US" altLang="zh-CN" sz="3400" b="1" dirty="0">
-              <a:latin typeface="+mj-ea"/>
-              <a:ea typeface="+mj-ea"/>
-            </a:endParaRPr>
-          </a:p>
-          <a:p>
-            <a:pPr marL="1200150" lvl="2" indent="-285750">
-              <a:lnSpc>
-                <a:spcPct val="150000"/>
-              </a:lnSpc>
-            </a:pPr>
-            <a:r>
-              <a:rPr lang="zh-CN" altLang="en-US" sz="2900" dirty="0">
-                <a:latin typeface="+mj-ea"/>
-                <a:ea typeface="+mj-ea"/>
-              </a:rPr>
-              <a:t>读多写少</a:t>
-            </a:r>
-            <a:endParaRPr lang="en-US" altLang="zh-CN" sz="2900" dirty="0">
-              <a:latin typeface="+mj-ea"/>
-              <a:ea typeface="+mj-ea"/>
-            </a:endParaRPr>
-          </a:p>
-          <a:p>
-            <a:pPr marL="1200150" lvl="2" indent="-285750">
-              <a:lnSpc>
-                <a:spcPct val="150000"/>
-              </a:lnSpc>
-            </a:pPr>
-            <a:r>
-              <a:rPr lang="en-US" altLang="zh-CN" sz="2900" dirty="0">
-                <a:latin typeface="+mj-ea"/>
-                <a:ea typeface="+mj-ea"/>
-              </a:rPr>
-              <a:t>IO</a:t>
-            </a:r>
-            <a:r>
-              <a:rPr lang="zh-CN" altLang="en-US" sz="2900" dirty="0">
-                <a:latin typeface="+mj-ea"/>
-                <a:ea typeface="+mj-ea"/>
-              </a:rPr>
-              <a:t>耗时</a:t>
-            </a:r>
-            <a:endParaRPr lang="en-US" altLang="zh-CN" sz="2900" dirty="0">
-              <a:latin typeface="+mj-ea"/>
-              <a:ea typeface="+mj-ea"/>
-            </a:endParaRPr>
-          </a:p>
-          <a:p>
-            <a:pPr marL="1200150" lvl="2" indent="-285750">
-              <a:lnSpc>
-                <a:spcPct val="150000"/>
-              </a:lnSpc>
-            </a:pPr>
-            <a:r>
-              <a:rPr lang="zh-CN" altLang="en-US" sz="2900" dirty="0">
-                <a:latin typeface="+mj-ea"/>
-                <a:ea typeface="+mj-ea"/>
-              </a:rPr>
-              <a:t>非频繁改动</a:t>
-            </a:r>
-            <a:endParaRPr lang="en-US" altLang="zh-CN" sz="2900" dirty="0">
+              <a:rPr lang="zh-CN" altLang="en-US" sz="2000" dirty="0">
+                <a:latin typeface="+mj-ea"/>
+                <a:ea typeface="+mj-ea"/>
+              </a:rPr>
+              <a:t>前后端读写改交互加上</a:t>
+            </a:r>
+            <a:r>
+              <a:rPr lang="en-US" altLang="zh-CN" sz="2000" dirty="0" err="1">
+                <a:latin typeface="+mj-ea"/>
+                <a:ea typeface="+mj-ea"/>
+              </a:rPr>
+              <a:t>fieldList</a:t>
+            </a:r>
+            <a:r>
+              <a:rPr lang="zh-CN" altLang="en-US" sz="2000" dirty="0" smtClean="0">
+                <a:latin typeface="+mj-ea"/>
+                <a:ea typeface="+mj-ea"/>
+              </a:rPr>
+              <a:t>，</a:t>
+            </a:r>
+            <a:endParaRPr lang="en-US" altLang="zh-CN" sz="2000" dirty="0" smtClean="0">
               <a:latin typeface="+mj-ea"/>
               <a:ea typeface="+mj-ea"/>
             </a:endParaRPr>
@@ -4613,176 +5758,101 @@
               </a:lnSpc>
             </a:pPr>
             <a:r>
-              <a:rPr lang="zh-CN" altLang="en-US" sz="3400" b="1" dirty="0">
-                <a:latin typeface="+mj-ea"/>
-                <a:ea typeface="+mj-ea"/>
-              </a:rPr>
-              <a:t>注解方式，松耦合</a:t>
-            </a:r>
-            <a:endParaRPr lang="en-US" altLang="zh-CN" sz="3400" b="1" dirty="0">
-              <a:latin typeface="+mj-ea"/>
-              <a:ea typeface="+mj-ea"/>
-            </a:endParaRPr>
-          </a:p>
-          <a:p>
-            <a:pPr marL="1200150" lvl="2" indent="-285750">
-              <a:lnSpc>
-                <a:spcPct val="150000"/>
-              </a:lnSpc>
-            </a:pPr>
-            <a:r>
-              <a:rPr lang="en-US" altLang="zh-CN" sz="2900" dirty="0">
-                <a:latin typeface="+mj-ea"/>
-                <a:ea typeface="+mj-ea"/>
-              </a:rPr>
-              <a:t>@Cacheable</a:t>
-            </a:r>
-          </a:p>
-          <a:p>
-            <a:pPr marL="1200150" lvl="2" indent="-285750">
-              <a:lnSpc>
-                <a:spcPct val="150000"/>
-              </a:lnSpc>
-            </a:pPr>
-            <a:r>
-              <a:rPr lang="en-US" altLang="zh-CN" sz="2900" dirty="0" err="1">
-                <a:latin typeface="+mj-ea"/>
-                <a:ea typeface="+mj-ea"/>
-              </a:rPr>
-              <a:t>SpringCache</a:t>
-            </a:r>
-            <a:r>
-              <a:rPr lang="en-US" altLang="zh-CN" sz="2900" dirty="0">
-                <a:latin typeface="+mj-ea"/>
-                <a:ea typeface="+mj-ea"/>
-              </a:rPr>
-              <a:t> + </a:t>
-            </a:r>
-            <a:r>
-              <a:rPr lang="en-US" altLang="zh-CN" sz="2900" dirty="0" err="1">
-                <a:latin typeface="+mj-ea"/>
-                <a:ea typeface="+mj-ea"/>
-              </a:rPr>
-              <a:t>MemCache</a:t>
-            </a:r>
-            <a:endParaRPr lang="en-US" altLang="zh-CN" sz="2900" dirty="0">
-              <a:latin typeface="+mj-ea"/>
-              <a:ea typeface="+mj-ea"/>
-            </a:endParaRPr>
-          </a:p>
-          <a:p>
-            <a:pPr marL="742950" lvl="1" indent="-285750">
-              <a:lnSpc>
-                <a:spcPct val="150000"/>
-              </a:lnSpc>
-            </a:pPr>
-            <a:r>
-              <a:rPr lang="zh-CN" altLang="en-US" sz="3400" b="1" dirty="0">
-                <a:latin typeface="+mj-ea"/>
-                <a:ea typeface="+mj-ea"/>
-              </a:rPr>
-              <a:t>应用典型 </a:t>
-            </a:r>
-            <a:endParaRPr lang="en-US" altLang="zh-CN" sz="3400" b="1" dirty="0">
-              <a:latin typeface="+mj-ea"/>
-              <a:ea typeface="+mj-ea"/>
-            </a:endParaRPr>
-          </a:p>
-          <a:p>
-            <a:pPr marL="1200150" lvl="2" indent="-285750">
-              <a:lnSpc>
-                <a:spcPct val="150000"/>
-              </a:lnSpc>
-            </a:pPr>
-            <a:r>
-              <a:rPr lang="en-US" altLang="zh-CN" sz="2900" b="1" dirty="0">
-                <a:latin typeface="+mj-ea"/>
-                <a:ea typeface="+mj-ea"/>
-              </a:rPr>
-              <a:t>UC</a:t>
-            </a:r>
-            <a:r>
-              <a:rPr lang="zh-CN" altLang="en-US" sz="2900" b="1" dirty="0">
-                <a:latin typeface="+mj-ea"/>
-                <a:ea typeface="+mj-ea"/>
-              </a:rPr>
-              <a:t>用户</a:t>
-            </a:r>
-            <a:r>
-              <a:rPr lang="zh-CN" altLang="en-US" sz="2900" b="1" dirty="0" smtClean="0">
-                <a:latin typeface="+mj-ea"/>
-                <a:ea typeface="+mj-ea"/>
-              </a:rPr>
-              <a:t>数据（</a:t>
-            </a:r>
-            <a:r>
-              <a:rPr lang="en-US" altLang="zh-CN" sz="2900" b="1" dirty="0" smtClean="0">
-                <a:latin typeface="+mj-ea"/>
-                <a:ea typeface="+mj-ea"/>
-              </a:rPr>
-              <a:t>UC</a:t>
-            </a:r>
-            <a:r>
-              <a:rPr lang="zh-CN" altLang="en-US" sz="2900" b="1" dirty="0" smtClean="0">
-                <a:latin typeface="+mj-ea"/>
-                <a:ea typeface="+mj-ea"/>
-              </a:rPr>
-              <a:t>用户名）</a:t>
-            </a:r>
-            <a:endParaRPr lang="en-US" altLang="zh-CN" sz="2900" b="1" dirty="0">
-              <a:latin typeface="+mj-ea"/>
-              <a:ea typeface="+mj-ea"/>
-            </a:endParaRPr>
-          </a:p>
-          <a:p>
-            <a:pPr marL="1200150" lvl="2" indent="-285750">
-              <a:lnSpc>
-                <a:spcPct val="150000"/>
-              </a:lnSpc>
-            </a:pPr>
-            <a:r>
-              <a:rPr lang="zh-CN" altLang="en-US" sz="2900" dirty="0">
-                <a:latin typeface="+mj-ea"/>
-                <a:ea typeface="+mj-ea"/>
-              </a:rPr>
-              <a:t>提供一站式的预算数据</a:t>
-            </a:r>
-            <a:endParaRPr lang="en-US" altLang="zh-CN" sz="2900" dirty="0">
-              <a:latin typeface="+mj-ea"/>
-              <a:ea typeface="+mj-ea"/>
-            </a:endParaRPr>
-          </a:p>
-          <a:p>
-            <a:pPr marL="1200150" lvl="2" indent="-285750">
-              <a:lnSpc>
-                <a:spcPct val="150000"/>
-              </a:lnSpc>
-            </a:pPr>
-            <a:r>
-              <a:rPr lang="zh-CN" altLang="en-US" sz="2900" b="1" dirty="0" smtClean="0">
-                <a:latin typeface="+mj-ea"/>
-                <a:ea typeface="+mj-ea"/>
-              </a:rPr>
-              <a:t>权限</a:t>
-            </a:r>
-            <a:r>
-              <a:rPr lang="zh-CN" altLang="en-US" sz="2900" b="1" dirty="0">
-                <a:latin typeface="+mj-ea"/>
-                <a:ea typeface="+mj-ea"/>
-              </a:rPr>
-              <a:t>控制</a:t>
-            </a:r>
-            <a:endParaRPr lang="en-US" altLang="zh-CN" sz="2900" b="1" dirty="0">
+              <a:rPr lang="zh-CN" altLang="en-US" sz="2000" dirty="0" smtClean="0">
+                <a:latin typeface="+mj-ea"/>
+                <a:ea typeface="+mj-ea"/>
+              </a:rPr>
+              <a:t>一</a:t>
+            </a:r>
+            <a:r>
+              <a:rPr lang="zh-CN" altLang="en-US" sz="2000" dirty="0">
+                <a:latin typeface="+mj-ea"/>
+                <a:ea typeface="+mj-ea"/>
+              </a:rPr>
+              <a:t>套代码实现大表单、分页表单、单字段的读写改</a:t>
+            </a:r>
+            <a:r>
+              <a:rPr lang="zh-CN" altLang="en-US" sz="2000" dirty="0" smtClean="0">
+                <a:latin typeface="+mj-ea"/>
+                <a:ea typeface="+mj-ea"/>
+              </a:rPr>
+              <a:t>交互</a:t>
+            </a:r>
+            <a:endParaRPr lang="zh-CN" altLang="en-US" sz="2000" dirty="0">
               <a:latin typeface="+mj-ea"/>
               <a:ea typeface="+mj-ea"/>
             </a:endParaRPr>
           </a:p>
         </p:txBody>
       </p:sp>
+      <p:pic>
+        <p:nvPicPr>
+          <p:cNvPr id="5" name="Picture 2"/>
+          <p:cNvPicPr>
+            <a:picLocks noChangeAspect="1" noChangeArrowheads="1"/>
+          </p:cNvPicPr>
+          <p:nvPr/>
+        </p:nvPicPr>
+        <p:blipFill>
+          <a:blip r:embed="rId3" cstate="print"/>
+          <a:srcRect/>
+          <a:stretch>
+            <a:fillRect/>
+          </a:stretch>
+        </p:blipFill>
+        <p:spPr bwMode="auto">
+          <a:xfrm>
+            <a:off x="694000" y="4323539"/>
+            <a:ext cx="5669729" cy="1537699"/>
+          </a:xfrm>
+          <a:prstGeom prst="rect">
+            <a:avLst/>
+          </a:prstGeom>
+          <a:noFill/>
+          <a:ln w="9525">
+            <a:noFill/>
+            <a:miter lim="800000"/>
+            <a:headEnd/>
+            <a:tailEnd/>
+          </a:ln>
+        </p:spPr>
+      </p:pic>
+      <p:pic>
+        <p:nvPicPr>
+          <p:cNvPr id="7" name="Picture 2"/>
+          <p:cNvPicPr>
+            <a:picLocks noChangeAspect="1" noChangeArrowheads="1"/>
+          </p:cNvPicPr>
+          <p:nvPr/>
+        </p:nvPicPr>
+        <p:blipFill>
+          <a:blip r:embed="rId4" cstate="print"/>
+          <a:srcRect/>
+          <a:stretch>
+            <a:fillRect/>
+          </a:stretch>
+        </p:blipFill>
+        <p:spPr bwMode="auto">
+          <a:xfrm>
+            <a:off x="6579570" y="3808375"/>
+            <a:ext cx="4724836" cy="2568028"/>
+          </a:xfrm>
+          <a:prstGeom prst="rect">
+            <a:avLst/>
+          </a:prstGeom>
+          <a:noFill/>
+          <a:ln w="9525">
+            <a:noFill/>
+            <a:miter lim="800000"/>
+            <a:headEnd/>
+            <a:tailEnd/>
+          </a:ln>
+        </p:spPr>
+      </p:pic>
     </p:spTree>
     <p:extLst>
       <p:ext uri="{BB962C8B-B14F-4D97-AF65-F5344CB8AC3E}">
-        <p14:creationId xmlns:p14="http://schemas.microsoft.com/office/powerpoint/2010/main" val="2639075575"/>
+        <p14:creationId xmlns:p14="http://schemas.microsoft.com/office/powerpoint/2010/main" val="3350137324"/>
       </p:ext>
     </p:extLst>
   </p:cSld>
@@ -4799,7 +5869,7 @@
 </p:sld>
 </file>
 
-<file path=ppt/slides/slide16.xml><?xml version="1.0" encoding="utf-8"?>
+<file path=ppt/slides/slide18.xml><?xml version="1.0" encoding="utf-8"?>
 <p:sld xmlns:a="http://schemas.openxmlformats.org/drawingml/2006/main" xmlns:r="http://schemas.openxmlformats.org/officeDocument/2006/relationships" xmlns:p="http://schemas.openxmlformats.org/presentationml/2006/main">
   <p:cSld>
     <p:spTree>
@@ -4833,30 +5903,13 @@
           </a:bodyPr>
           <a:lstStyle/>
           <a:p>
-            <a:pPr>
-              <a:lnSpc>
-                <a:spcPct val="150000"/>
-              </a:lnSpc>
-            </a:pPr>
-            <a:r>
-              <a:rPr lang="zh-CN" altLang="en-US" dirty="0">
-                <a:solidFill>
-                  <a:srgbClr val="1713DC"/>
-                </a:solidFill>
-                <a:latin typeface="+mj-ea"/>
-              </a:rPr>
-              <a:t>互</a:t>
-            </a:r>
             <a:r>
               <a:rPr lang="zh-CN" altLang="en-US" dirty="0" smtClean="0">
-                <a:solidFill>
-                  <a:srgbClr val="1713DC"/>
-                </a:solidFill>
-                <a:latin typeface="+mj-ea"/>
-              </a:rPr>
-              <a:t>踩</a:t>
-            </a:r>
-            <a:endParaRPr lang="en-US" altLang="zh-CN" dirty="0">
+                <a:latin typeface="+mj-ea"/>
+              </a:rPr>
+              <a:t>自夸</a:t>
+            </a:r>
+            <a:endParaRPr lang="zh-CN" altLang="en-US" dirty="0">
               <a:solidFill>
                 <a:srgbClr val="1713DC"/>
               </a:solidFill>
@@ -4916,8 +5969,8 @@
         </p:nvSpPr>
         <p:spPr>
           <a:xfrm>
-            <a:off x="794657" y="1796597"/>
-            <a:ext cx="10515600" cy="4351338"/>
+            <a:off x="765256" y="1663805"/>
+            <a:ext cx="10515600" cy="5008844"/>
           </a:xfrm>
         </p:spPr>
         <p:txBody>
@@ -4933,16 +5986,282 @@
             </a:pPr>
             <a:r>
               <a:rPr lang="zh-CN" altLang="en-US" dirty="0" smtClean="0">
-                <a:latin typeface="+mj-ea"/>
-                <a:ea typeface="+mj-ea"/>
-              </a:rPr>
-              <a:t>自惭</a:t>
+                <a:latin typeface="微软雅黑" pitchFamily="34" charset="-122"/>
+                <a:ea typeface="微软雅黑" pitchFamily="34" charset="-122"/>
+              </a:rPr>
+              <a:t>广告属性管理模块（</a:t>
+            </a:r>
+            <a:r>
+              <a:rPr lang="en-US" altLang="zh-CN" dirty="0" smtClean="0">
+                <a:latin typeface="微软雅黑" pitchFamily="34" charset="-122"/>
+                <a:ea typeface="微软雅黑" pitchFamily="34" charset="-122"/>
+              </a:rPr>
+              <a:t>2</a:t>
+            </a:r>
+            <a:r>
+              <a:rPr lang="zh-CN" altLang="en-US" dirty="0" smtClean="0">
+                <a:latin typeface="微软雅黑" pitchFamily="34" charset="-122"/>
+                <a:ea typeface="微软雅黑" pitchFamily="34" charset="-122"/>
+              </a:rPr>
+              <a:t>）</a:t>
             </a:r>
             <a:endParaRPr lang="en-US" altLang="zh-CN" dirty="0" smtClean="0">
               <a:latin typeface="+mj-ea"/>
               <a:ea typeface="+mj-ea"/>
             </a:endParaRPr>
           </a:p>
+          <a:p>
+            <a:pPr marL="742950" lvl="1" indent="-285750">
+              <a:lnSpc>
+                <a:spcPct val="150000"/>
+              </a:lnSpc>
+            </a:pPr>
+            <a:r>
+              <a:rPr lang="zh-CN" altLang="en-US" sz="2000" dirty="0">
+                <a:latin typeface="+mj-ea"/>
+                <a:ea typeface="+mj-ea"/>
+              </a:rPr>
+              <a:t>面向对象设计，基类做流程，子类做相关步骤具体实现</a:t>
+            </a:r>
+            <a:r>
+              <a:rPr lang="zh-CN" altLang="en-US" sz="2000" dirty="0" smtClean="0">
+                <a:latin typeface="+mj-ea"/>
+                <a:ea typeface="+mj-ea"/>
+              </a:rPr>
+              <a:t>。</a:t>
+            </a:r>
+            <a:endParaRPr lang="en-US" altLang="zh-CN" sz="2000" dirty="0" smtClean="0">
+              <a:latin typeface="+mj-ea"/>
+              <a:ea typeface="+mj-ea"/>
+            </a:endParaRPr>
+          </a:p>
+          <a:p>
+            <a:pPr marL="742950" lvl="1" indent="-285750">
+              <a:lnSpc>
+                <a:spcPct val="150000"/>
+              </a:lnSpc>
+            </a:pPr>
+            <a:r>
+              <a:rPr lang="zh-CN" altLang="en-US" sz="2000" dirty="0" smtClean="0">
+                <a:latin typeface="+mj-ea"/>
+                <a:ea typeface="+mj-ea"/>
+              </a:rPr>
+              <a:t>对</a:t>
+            </a:r>
+            <a:r>
+              <a:rPr lang="zh-CN" altLang="en-US" sz="2000" dirty="0">
+                <a:latin typeface="+mj-ea"/>
+                <a:ea typeface="+mj-ea"/>
+              </a:rPr>
+              <a:t>代码进行一定程度的规整和解耦，也方便</a:t>
+            </a:r>
+            <a:r>
+              <a:rPr lang="zh-CN" altLang="en-US" sz="2000" dirty="0" smtClean="0">
+                <a:latin typeface="+mj-ea"/>
+                <a:ea typeface="+mj-ea"/>
+              </a:rPr>
+              <a:t>扩展</a:t>
+            </a:r>
+            <a:endParaRPr lang="zh-CN" altLang="en-US" sz="2000" dirty="0">
+              <a:latin typeface="+mj-ea"/>
+              <a:ea typeface="+mj-ea"/>
+            </a:endParaRPr>
+          </a:p>
+        </p:txBody>
+      </p:sp>
+      <p:pic>
+        <p:nvPicPr>
+          <p:cNvPr id="8" name="Picture 3"/>
+          <p:cNvPicPr>
+            <a:picLocks noChangeAspect="1" noChangeArrowheads="1"/>
+          </p:cNvPicPr>
+          <p:nvPr/>
+        </p:nvPicPr>
+        <p:blipFill>
+          <a:blip r:embed="rId3" cstate="print"/>
+          <a:srcRect/>
+          <a:stretch>
+            <a:fillRect/>
+          </a:stretch>
+        </p:blipFill>
+        <p:spPr bwMode="auto">
+          <a:xfrm>
+            <a:off x="563829" y="3832610"/>
+            <a:ext cx="6096463" cy="1740690"/>
+          </a:xfrm>
+          <a:prstGeom prst="rect">
+            <a:avLst/>
+          </a:prstGeom>
+          <a:noFill/>
+          <a:ln w="9525">
+            <a:noFill/>
+            <a:miter lim="800000"/>
+            <a:headEnd/>
+            <a:tailEnd/>
+          </a:ln>
+        </p:spPr>
+      </p:pic>
+      <p:pic>
+        <p:nvPicPr>
+          <p:cNvPr id="9" name="Picture 4"/>
+          <p:cNvPicPr>
+            <a:picLocks noChangeAspect="1" noChangeArrowheads="1"/>
+          </p:cNvPicPr>
+          <p:nvPr/>
+        </p:nvPicPr>
+        <p:blipFill>
+          <a:blip r:embed="rId4" cstate="print"/>
+          <a:srcRect/>
+          <a:stretch>
+            <a:fillRect/>
+          </a:stretch>
+        </p:blipFill>
+        <p:spPr bwMode="auto">
+          <a:xfrm>
+            <a:off x="6901148" y="3647386"/>
+            <a:ext cx="4714990" cy="2506277"/>
+          </a:xfrm>
+          <a:prstGeom prst="rect">
+            <a:avLst/>
+          </a:prstGeom>
+          <a:noFill/>
+          <a:ln w="9525">
+            <a:noFill/>
+            <a:miter lim="800000"/>
+            <a:headEnd/>
+            <a:tailEnd/>
+          </a:ln>
+        </p:spPr>
+      </p:pic>
+    </p:spTree>
+    <p:extLst>
+      <p:ext uri="{BB962C8B-B14F-4D97-AF65-F5344CB8AC3E}">
+        <p14:creationId xmlns:p14="http://schemas.microsoft.com/office/powerpoint/2010/main" val="3316667407"/>
+      </p:ext>
+    </p:extLst>
+  </p:cSld>
+  <p:clrMapOvr>
+    <a:masterClrMapping/>
+  </p:clrMapOvr>
+  <p:timing>
+    <p:tnLst>
+      <p:par>
+        <p:cTn id="1" dur="indefinite" restart="never" nodeType="tmRoot"/>
+      </p:par>
+    </p:tnLst>
+  </p:timing>
+</p:sld>
+</file>
+
+<file path=ppt/slides/slide19.xml><?xml version="1.0" encoding="utf-8"?>
+<p:sld xmlns:a="http://schemas.openxmlformats.org/drawingml/2006/main" xmlns:r="http://schemas.openxmlformats.org/officeDocument/2006/relationships" xmlns:p="http://schemas.openxmlformats.org/presentationml/2006/main">
+  <p:cSld>
+    <p:spTree>
+      <p:nvGrpSpPr>
+        <p:cNvPr id="1" name=""/>
+        <p:cNvGrpSpPr/>
+        <p:nvPr/>
+      </p:nvGrpSpPr>
+      <p:grpSpPr>
+        <a:xfrm>
+          <a:off x="0" y="0"/>
+          <a:ext cx="0" cy="0"/>
+          <a:chOff x="0" y="0"/>
+          <a:chExt cx="0" cy="0"/>
+        </a:xfrm>
+      </p:grpSpPr>
+      <p:sp>
+        <p:nvSpPr>
+          <p:cNvPr id="2" name="标题 1"/>
+          <p:cNvSpPr>
+            <a:spLocks noGrp="1"/>
+          </p:cNvSpPr>
+          <p:nvPr>
+            <p:ph type="title"/>
+          </p:nvPr>
+        </p:nvSpPr>
+        <p:spPr/>
+        <p:txBody>
+          <a:bodyPr>
+            <a:normAutofit/>
+          </a:bodyPr>
+          <a:lstStyle/>
+          <a:p>
+            <a:r>
+              <a:rPr lang="zh-CN" altLang="en-US" dirty="0" smtClean="0">
+                <a:latin typeface="+mj-ea"/>
+              </a:rPr>
+              <a:t>自夸</a:t>
+            </a:r>
+            <a:endParaRPr lang="zh-CN" altLang="en-US" dirty="0">
+              <a:solidFill>
+                <a:srgbClr val="1713DC"/>
+              </a:solidFill>
+              <a:latin typeface="+mj-ea"/>
+            </a:endParaRPr>
+          </a:p>
+        </p:txBody>
+      </p:sp>
+      <p:sp>
+        <p:nvSpPr>
+          <p:cNvPr id="21" name="Text Box 48"/>
+          <p:cNvSpPr txBox="1">
+            <a:spLocks noChangeArrowheads="1"/>
+          </p:cNvSpPr>
+          <p:nvPr/>
+        </p:nvSpPr>
+        <p:spPr bwMode="auto">
+          <a:xfrm>
+            <a:off x="6023056" y="1641474"/>
+            <a:ext cx="1978608" cy="369887"/>
+          </a:xfrm>
+          <a:prstGeom prst="rect">
+            <a:avLst/>
+          </a:prstGeom>
+          <a:noFill/>
+          <a:ln w="9525">
+            <a:noFill/>
+            <a:miter lim="800000"/>
+            <a:headEnd/>
+            <a:tailEnd/>
+          </a:ln>
+          <a:effectLst/>
+        </p:spPr>
+        <p:txBody>
+          <a:bodyPr wrap="square">
+            <a:spAutoFit/>
+          </a:bodyPr>
+          <a:lstStyle/>
+          <a:p>
+            <a:pPr algn="ctr" eaLnBrk="0" hangingPunct="0"/>
+            <a:endParaRPr lang="en-US" altLang="zh-CN" dirty="0">
+              <a:latin typeface="+mj-ea"/>
+              <a:ea typeface="+mj-ea"/>
+            </a:endParaRPr>
+          </a:p>
+        </p:txBody>
+      </p:sp>
+      <p:sp>
+        <p:nvSpPr>
+          <p:cNvPr id="6" name="内容占位符 2"/>
+          <p:cNvSpPr>
+            <a:spLocks noGrp="1"/>
+          </p:cNvSpPr>
+          <p:nvPr>
+            <p:ph idx="1"/>
+          </p:nvPr>
+        </p:nvSpPr>
+        <p:spPr>
+          <a:xfrm>
+            <a:off x="765256" y="1663805"/>
+            <a:ext cx="10515600" cy="5008844"/>
+          </a:xfrm>
+        </p:spPr>
+        <p:txBody>
+          <a:bodyPr wrap="none">
+            <a:normAutofit fontScale="47500" lnSpcReduction="20000"/>
+          </a:bodyPr>
+          <a:lstStyle/>
           <a:p>
             <a:pPr>
               <a:lnSpc>
@@ -4950,55 +6269,284 @@
               </a:lnSpc>
             </a:pPr>
             <a:r>
-              <a:rPr lang="zh-CN" altLang="en-US" dirty="0" smtClean="0">
-                <a:latin typeface="+mj-ea"/>
-                <a:ea typeface="+mj-ea"/>
-              </a:rPr>
-              <a:t>互捧</a:t>
-            </a:r>
-            <a:endParaRPr lang="en-US" altLang="zh-CN" dirty="0" smtClean="0">
-              <a:latin typeface="+mj-ea"/>
-              <a:ea typeface="+mj-ea"/>
-            </a:endParaRPr>
-          </a:p>
-          <a:p>
-            <a:pPr>
+              <a:rPr lang="zh-CN" altLang="en-US" sz="5800" dirty="0">
+                <a:latin typeface="微软雅黑" pitchFamily="34" charset="-122"/>
+                <a:ea typeface="微软雅黑" pitchFamily="34" charset="-122"/>
+              </a:rPr>
+              <a:t>通用</a:t>
+            </a:r>
+            <a:r>
+              <a:rPr lang="en-US" altLang="zh-CN" sz="5800" dirty="0">
+                <a:latin typeface="微软雅黑" pitchFamily="34" charset="-122"/>
+                <a:ea typeface="微软雅黑" pitchFamily="34" charset="-122"/>
+              </a:rPr>
+              <a:t>Das</a:t>
+            </a:r>
+            <a:r>
+              <a:rPr lang="zh-CN" altLang="en-US" sz="5800" dirty="0">
+                <a:latin typeface="微软雅黑" pitchFamily="34" charset="-122"/>
+                <a:ea typeface="微软雅黑" pitchFamily="34" charset="-122"/>
+              </a:rPr>
+              <a:t>层级</a:t>
+            </a:r>
+            <a:r>
+              <a:rPr lang="en-US" altLang="zh-CN" sz="5800" dirty="0">
+                <a:latin typeface="微软雅黑" pitchFamily="34" charset="-122"/>
+                <a:ea typeface="微软雅黑" pitchFamily="34" charset="-122"/>
+              </a:rPr>
+              <a:t>(CDL)</a:t>
+            </a:r>
+            <a:endParaRPr lang="en-US" altLang="zh-CN" sz="5800" dirty="0" smtClean="0">
+              <a:latin typeface="+mj-ea"/>
+              <a:ea typeface="+mj-ea"/>
+            </a:endParaRPr>
+          </a:p>
+          <a:p>
+            <a:pPr marL="742950" lvl="1" indent="-285750">
               <a:lnSpc>
                 <a:spcPct val="150000"/>
               </a:lnSpc>
             </a:pPr>
             <a:r>
-              <a:rPr lang="zh-CN" altLang="en-US" dirty="0" smtClean="0">
-                <a:latin typeface="+mj-ea"/>
-                <a:ea typeface="+mj-ea"/>
-              </a:rPr>
-              <a:t>自夸</a:t>
-            </a:r>
-            <a:endParaRPr lang="en-US" altLang="zh-CN" dirty="0" smtClean="0">
-              <a:latin typeface="+mj-ea"/>
-              <a:ea typeface="+mj-ea"/>
-            </a:endParaRPr>
-          </a:p>
-          <a:p>
-            <a:pPr>
+              <a:rPr lang="zh-CN" altLang="en-US" sz="3400" b="1" dirty="0">
+                <a:latin typeface="+mj-ea"/>
+                <a:ea typeface="+mj-ea"/>
+              </a:rPr>
+              <a:t>适用场景</a:t>
+            </a:r>
+            <a:endParaRPr lang="en-US" altLang="zh-CN" sz="3400" b="1" dirty="0">
+              <a:latin typeface="+mj-ea"/>
+              <a:ea typeface="+mj-ea"/>
+            </a:endParaRPr>
+          </a:p>
+          <a:p>
+            <a:pPr marL="1200150" lvl="2" indent="-285750">
               <a:lnSpc>
                 <a:spcPct val="150000"/>
               </a:lnSpc>
             </a:pPr>
             <a:r>
-              <a:rPr lang="zh-CN" altLang="en-US" b="1" dirty="0" smtClean="0">
-                <a:solidFill>
-                  <a:srgbClr val="1713DC"/>
-                </a:solidFill>
-                <a:latin typeface="+mj-ea"/>
-                <a:ea typeface="+mj-ea"/>
-              </a:rPr>
-              <a:t>互踩</a:t>
-            </a:r>
-            <a:endParaRPr lang="en-US" altLang="zh-CN" b="1" dirty="0" smtClean="0">
-              <a:solidFill>
-                <a:srgbClr val="1713DC"/>
-              </a:solidFill>
+              <a:rPr lang="zh-CN" altLang="en-US" sz="2900" dirty="0">
+                <a:latin typeface="+mj-ea"/>
+                <a:ea typeface="+mj-ea"/>
+              </a:rPr>
+              <a:t>读多写少</a:t>
+            </a:r>
+            <a:endParaRPr lang="en-US" altLang="zh-CN" sz="2900" dirty="0">
+              <a:latin typeface="+mj-ea"/>
+              <a:ea typeface="+mj-ea"/>
+            </a:endParaRPr>
+          </a:p>
+          <a:p>
+            <a:pPr marL="1200150" lvl="2" indent="-285750">
+              <a:lnSpc>
+                <a:spcPct val="150000"/>
+              </a:lnSpc>
+            </a:pPr>
+            <a:r>
+              <a:rPr lang="en-US" altLang="zh-CN" sz="2900" dirty="0">
+                <a:latin typeface="+mj-ea"/>
+                <a:ea typeface="+mj-ea"/>
+              </a:rPr>
+              <a:t>IO</a:t>
+            </a:r>
+            <a:r>
+              <a:rPr lang="zh-CN" altLang="en-US" sz="2900" dirty="0">
+                <a:latin typeface="+mj-ea"/>
+                <a:ea typeface="+mj-ea"/>
+              </a:rPr>
+              <a:t>耗时</a:t>
+            </a:r>
+            <a:endParaRPr lang="en-US" altLang="zh-CN" sz="2900" dirty="0">
+              <a:latin typeface="+mj-ea"/>
+              <a:ea typeface="+mj-ea"/>
+            </a:endParaRPr>
+          </a:p>
+          <a:p>
+            <a:pPr marL="1200150" lvl="2" indent="-285750">
+              <a:lnSpc>
+                <a:spcPct val="150000"/>
+              </a:lnSpc>
+            </a:pPr>
+            <a:r>
+              <a:rPr lang="zh-CN" altLang="en-US" sz="2900" dirty="0">
+                <a:latin typeface="+mj-ea"/>
+                <a:ea typeface="+mj-ea"/>
+              </a:rPr>
+              <a:t>非频繁改动</a:t>
+            </a:r>
+            <a:endParaRPr lang="en-US" altLang="zh-CN" sz="2900" dirty="0">
+              <a:latin typeface="+mj-ea"/>
+              <a:ea typeface="+mj-ea"/>
+            </a:endParaRPr>
+          </a:p>
+          <a:p>
+            <a:pPr marL="742950" lvl="1" indent="-285750">
+              <a:lnSpc>
+                <a:spcPct val="150000"/>
+              </a:lnSpc>
+            </a:pPr>
+            <a:r>
+              <a:rPr lang="zh-CN" altLang="en-US" sz="3400" b="1" dirty="0">
+                <a:latin typeface="+mj-ea"/>
+                <a:ea typeface="+mj-ea"/>
+              </a:rPr>
+              <a:t>注解方式，松耦合</a:t>
+            </a:r>
+            <a:endParaRPr lang="en-US" altLang="zh-CN" sz="3400" b="1" dirty="0">
+              <a:latin typeface="+mj-ea"/>
+              <a:ea typeface="+mj-ea"/>
+            </a:endParaRPr>
+          </a:p>
+          <a:p>
+            <a:pPr marL="1200150" lvl="2" indent="-285750">
+              <a:lnSpc>
+                <a:spcPct val="150000"/>
+              </a:lnSpc>
+            </a:pPr>
+            <a:r>
+              <a:rPr lang="en-US" altLang="zh-CN" sz="2900" dirty="0">
+                <a:latin typeface="+mj-ea"/>
+                <a:ea typeface="+mj-ea"/>
+              </a:rPr>
+              <a:t>@Cacheable</a:t>
+            </a:r>
+          </a:p>
+          <a:p>
+            <a:pPr marL="1200150" lvl="2" indent="-285750">
+              <a:lnSpc>
+                <a:spcPct val="150000"/>
+              </a:lnSpc>
+            </a:pPr>
+            <a:r>
+              <a:rPr lang="en-US" altLang="zh-CN" sz="2900" dirty="0" err="1">
+                <a:latin typeface="+mj-ea"/>
+                <a:ea typeface="+mj-ea"/>
+              </a:rPr>
+              <a:t>SpringCache</a:t>
+            </a:r>
+            <a:r>
+              <a:rPr lang="en-US" altLang="zh-CN" sz="2900" dirty="0">
+                <a:latin typeface="+mj-ea"/>
+                <a:ea typeface="+mj-ea"/>
+              </a:rPr>
+              <a:t> + </a:t>
+            </a:r>
+            <a:r>
+              <a:rPr lang="en-US" altLang="zh-CN" sz="2900" dirty="0" err="1">
+                <a:latin typeface="+mj-ea"/>
+                <a:ea typeface="+mj-ea"/>
+              </a:rPr>
+              <a:t>MemCache</a:t>
+            </a:r>
+            <a:endParaRPr lang="en-US" altLang="zh-CN" sz="2900" dirty="0">
+              <a:latin typeface="+mj-ea"/>
+              <a:ea typeface="+mj-ea"/>
+            </a:endParaRPr>
+          </a:p>
+          <a:p>
+            <a:pPr marL="742950" lvl="1" indent="-285750">
+              <a:lnSpc>
+                <a:spcPct val="150000"/>
+              </a:lnSpc>
+            </a:pPr>
+            <a:r>
+              <a:rPr lang="zh-CN" altLang="en-US" sz="3400" b="1" dirty="0">
+                <a:latin typeface="+mj-ea"/>
+                <a:ea typeface="+mj-ea"/>
+              </a:rPr>
+              <a:t>应用典型 </a:t>
+            </a:r>
+            <a:endParaRPr lang="en-US" altLang="zh-CN" sz="3400" b="1" dirty="0">
+              <a:latin typeface="+mj-ea"/>
+              <a:ea typeface="+mj-ea"/>
+            </a:endParaRPr>
+          </a:p>
+          <a:p>
+            <a:pPr marL="1200150" lvl="2" indent="-285750">
+              <a:lnSpc>
+                <a:spcPct val="150000"/>
+              </a:lnSpc>
+            </a:pPr>
+            <a:r>
+              <a:rPr lang="en-US" altLang="zh-CN" sz="2900" b="1" dirty="0">
+                <a:latin typeface="+mj-ea"/>
+                <a:ea typeface="+mj-ea"/>
+              </a:rPr>
+              <a:t>UC</a:t>
+            </a:r>
+            <a:r>
+              <a:rPr lang="zh-CN" altLang="en-US" sz="2900" b="1" dirty="0">
+                <a:latin typeface="+mj-ea"/>
+                <a:ea typeface="+mj-ea"/>
+              </a:rPr>
+              <a:t>用户</a:t>
+            </a:r>
+            <a:r>
+              <a:rPr lang="zh-CN" altLang="en-US" sz="2900" b="1" dirty="0" smtClean="0">
+                <a:latin typeface="+mj-ea"/>
+                <a:ea typeface="+mj-ea"/>
+              </a:rPr>
+              <a:t>数据（</a:t>
+            </a:r>
+            <a:r>
+              <a:rPr lang="en-US" altLang="zh-CN" sz="2900" b="1" dirty="0" smtClean="0">
+                <a:latin typeface="+mj-ea"/>
+                <a:ea typeface="+mj-ea"/>
+              </a:rPr>
+              <a:t>UC</a:t>
+            </a:r>
+            <a:r>
+              <a:rPr lang="zh-CN" altLang="en-US" sz="2900" b="1" dirty="0" smtClean="0">
+                <a:latin typeface="+mj-ea"/>
+                <a:ea typeface="+mj-ea"/>
+              </a:rPr>
+              <a:t>用户名）</a:t>
+            </a:r>
+            <a:endParaRPr lang="en-US" altLang="zh-CN" sz="2900" b="1" dirty="0">
+              <a:latin typeface="+mj-ea"/>
+              <a:ea typeface="+mj-ea"/>
+            </a:endParaRPr>
+          </a:p>
+          <a:p>
+            <a:pPr marL="1200150" lvl="2" indent="-285750">
+              <a:lnSpc>
+                <a:spcPct val="150000"/>
+              </a:lnSpc>
+            </a:pPr>
+            <a:r>
+              <a:rPr lang="zh-CN" altLang="en-US" sz="2900" dirty="0">
+                <a:latin typeface="+mj-ea"/>
+                <a:ea typeface="+mj-ea"/>
+              </a:rPr>
+              <a:t>提供一站式的预算数据</a:t>
+            </a:r>
+            <a:endParaRPr lang="en-US" altLang="zh-CN" sz="2900" dirty="0">
+              <a:latin typeface="+mj-ea"/>
+              <a:ea typeface="+mj-ea"/>
+            </a:endParaRPr>
+          </a:p>
+          <a:p>
+            <a:pPr marL="1200150" lvl="2" indent="-285750">
+              <a:lnSpc>
+                <a:spcPct val="150000"/>
+              </a:lnSpc>
+            </a:pPr>
+            <a:r>
+              <a:rPr lang="zh-CN" altLang="en-US" sz="2900" b="1" dirty="0" smtClean="0">
+                <a:latin typeface="+mj-ea"/>
+                <a:ea typeface="+mj-ea"/>
+              </a:rPr>
+              <a:t>权限</a:t>
+            </a:r>
+            <a:r>
+              <a:rPr lang="zh-CN" altLang="en-US" sz="2900" b="1" dirty="0">
+                <a:latin typeface="+mj-ea"/>
+                <a:ea typeface="+mj-ea"/>
+              </a:rPr>
+              <a:t>控制</a:t>
+            </a:r>
+            <a:endParaRPr lang="en-US" altLang="zh-CN" sz="2900" b="1" dirty="0">
               <a:latin typeface="+mj-ea"/>
               <a:ea typeface="+mj-ea"/>
             </a:endParaRPr>
@@ -5008,7 +6556,7 @@
     </p:spTree>
     <p:extLst>
       <p:ext uri="{BB962C8B-B14F-4D97-AF65-F5344CB8AC3E}">
-        <p14:creationId xmlns:p14="http://schemas.microsoft.com/office/powerpoint/2010/main" val="29779917"/>
+        <p14:creationId xmlns:p14="http://schemas.microsoft.com/office/powerpoint/2010/main" val="2639075575"/>
       </p:ext>
     </p:extLst>
   </p:cSld>
@@ -5234,7 +6782,7 @@
 </p:sld>
 </file>
 
-<file path=ppt/slides/slide3.xml><?xml version="1.0" encoding="utf-8"?>
+<file path=ppt/slides/slide20.xml><?xml version="1.0" encoding="utf-8"?>
 <p:sld xmlns:a="http://schemas.openxmlformats.org/drawingml/2006/main" xmlns:r="http://schemas.openxmlformats.org/officeDocument/2006/relationships" xmlns:p="http://schemas.openxmlformats.org/presentationml/2006/main">
   <p:cSld>
     <p:spTree>
@@ -5268,6 +6816,20 @@
           </a:bodyPr>
           <a:lstStyle/>
           <a:p>
+            <a:pPr>
+              <a:lnSpc>
+                <a:spcPct val="150000"/>
+              </a:lnSpc>
+            </a:pPr>
+            <a:r>
+              <a:rPr lang="zh-CN" altLang="en-US" dirty="0">
+                <a:solidFill>
+                  <a:srgbClr val="1713DC"/>
+                </a:solidFill>
+                <a:latin typeface="+mj-ea"/>
+              </a:rPr>
+              <a:t>互</a:t>
+            </a:r>
             <a:r>
               <a:rPr lang="zh-CN" altLang="en-US" dirty="0" smtClean="0">
                 <a:solidFill>
@@ -5275,9 +6837,12 @@
                 </a:solidFill>
                 <a:latin typeface="+mj-ea"/>
               </a:rPr>
-              <a:t>自惭</a:t>
-            </a:r>
-            <a:endParaRPr lang="zh-CN" altLang="en-US" dirty="0">
+              <a:t>踩</a:t>
+            </a:r>
+            <a:endParaRPr lang="en-US" altLang="zh-CN" dirty="0">
+              <a:solidFill>
+                <a:srgbClr val="1713DC"/>
+              </a:solidFill>
               <a:latin typeface="+mj-ea"/>
             </a:endParaRPr>
           </a:p>
@@ -5324,6 +6889,215 @@
       </p:sp>
       <p:sp>
         <p:nvSpPr>
+          <p:cNvPr id="6" name="内容占位符 2"/>
+          <p:cNvSpPr>
+            <a:spLocks noGrp="1"/>
+          </p:cNvSpPr>
+          <p:nvPr>
+            <p:ph idx="1"/>
+          </p:nvPr>
+        </p:nvSpPr>
+        <p:spPr>
+          <a:xfrm>
+            <a:off x="794657" y="1796597"/>
+            <a:ext cx="10515600" cy="4351338"/>
+          </a:xfrm>
+        </p:spPr>
+        <p:txBody>
+          <a:bodyPr wrap="none">
+            <a:normAutofit/>
+          </a:bodyPr>
+          <a:lstStyle/>
+          <a:p>
+            <a:pPr>
+              <a:lnSpc>
+                <a:spcPct val="150000"/>
+              </a:lnSpc>
+            </a:pPr>
+            <a:r>
+              <a:rPr lang="zh-CN" altLang="en-US" dirty="0" smtClean="0">
+                <a:latin typeface="+mj-ea"/>
+                <a:ea typeface="+mj-ea"/>
+              </a:rPr>
+              <a:t>自惭</a:t>
+            </a:r>
+            <a:endParaRPr lang="en-US" altLang="zh-CN" dirty="0" smtClean="0">
+              <a:latin typeface="+mj-ea"/>
+              <a:ea typeface="+mj-ea"/>
+            </a:endParaRPr>
+          </a:p>
+          <a:p>
+            <a:pPr>
+              <a:lnSpc>
+                <a:spcPct val="150000"/>
+              </a:lnSpc>
+            </a:pPr>
+            <a:r>
+              <a:rPr lang="zh-CN" altLang="en-US" dirty="0" smtClean="0">
+                <a:latin typeface="+mj-ea"/>
+                <a:ea typeface="+mj-ea"/>
+              </a:rPr>
+              <a:t>互捧</a:t>
+            </a:r>
+            <a:endParaRPr lang="en-US" altLang="zh-CN" dirty="0" smtClean="0">
+              <a:latin typeface="+mj-ea"/>
+              <a:ea typeface="+mj-ea"/>
+            </a:endParaRPr>
+          </a:p>
+          <a:p>
+            <a:pPr>
+              <a:lnSpc>
+                <a:spcPct val="150000"/>
+              </a:lnSpc>
+            </a:pPr>
+            <a:r>
+              <a:rPr lang="zh-CN" altLang="en-US" dirty="0" smtClean="0">
+                <a:latin typeface="+mj-ea"/>
+                <a:ea typeface="+mj-ea"/>
+              </a:rPr>
+              <a:t>自夸</a:t>
+            </a:r>
+            <a:endParaRPr lang="en-US" altLang="zh-CN" dirty="0" smtClean="0">
+              <a:latin typeface="+mj-ea"/>
+              <a:ea typeface="+mj-ea"/>
+            </a:endParaRPr>
+          </a:p>
+          <a:p>
+            <a:pPr>
+              <a:lnSpc>
+                <a:spcPct val="150000"/>
+              </a:lnSpc>
+            </a:pPr>
+            <a:r>
+              <a:rPr lang="zh-CN" altLang="en-US" b="1" dirty="0" smtClean="0">
+                <a:solidFill>
+                  <a:srgbClr val="1713DC"/>
+                </a:solidFill>
+                <a:latin typeface="+mj-ea"/>
+                <a:ea typeface="+mj-ea"/>
+              </a:rPr>
+              <a:t>互踩</a:t>
+            </a:r>
+            <a:endParaRPr lang="en-US" altLang="zh-CN" b="1" dirty="0" smtClean="0">
+              <a:solidFill>
+                <a:srgbClr val="1713DC"/>
+              </a:solidFill>
+              <a:latin typeface="+mj-ea"/>
+              <a:ea typeface="+mj-ea"/>
+            </a:endParaRPr>
+          </a:p>
+        </p:txBody>
+      </p:sp>
+    </p:spTree>
+    <p:extLst>
+      <p:ext uri="{BB962C8B-B14F-4D97-AF65-F5344CB8AC3E}">
+        <p14:creationId xmlns:p14="http://schemas.microsoft.com/office/powerpoint/2010/main" val="29779917"/>
+      </p:ext>
+    </p:extLst>
+  </p:cSld>
+  <p:clrMapOvr>
+    <a:masterClrMapping/>
+  </p:clrMapOvr>
+  <p:timing>
+    <p:tnLst>
+      <p:par>
+        <p:cTn id="1" dur="indefinite" restart="never" nodeType="tmRoot"/>
+      </p:par>
+    </p:tnLst>
+  </p:timing>
+</p:sld>
+</file>
+
+<file path=ppt/slides/slide3.xml><?xml version="1.0" encoding="utf-8"?>
+<p:sld xmlns:a="http://schemas.openxmlformats.org/drawingml/2006/main" xmlns:r="http://schemas.openxmlformats.org/officeDocument/2006/relationships" xmlns:p="http://schemas.openxmlformats.org/presentationml/2006/main">
+  <p:cSld>
+    <p:spTree>
+      <p:nvGrpSpPr>
+        <p:cNvPr id="1" name=""/>
+        <p:cNvGrpSpPr/>
+        <p:nvPr/>
+      </p:nvGrpSpPr>
+      <p:grpSpPr>
+        <a:xfrm>
+          <a:off x="0" y="0"/>
+          <a:ext cx="0" cy="0"/>
+          <a:chOff x="0" y="0"/>
+          <a:chExt cx="0" cy="0"/>
+        </a:xfrm>
+      </p:grpSpPr>
+      <p:sp>
+        <p:nvSpPr>
+          <p:cNvPr id="2" name="标题 1"/>
+          <p:cNvSpPr>
+            <a:spLocks noGrp="1"/>
+          </p:cNvSpPr>
+          <p:nvPr>
+            <p:ph type="title"/>
+          </p:nvPr>
+        </p:nvSpPr>
+        <p:spPr/>
+        <p:txBody>
+          <a:bodyPr>
+            <a:normAutofit/>
+          </a:bodyPr>
+          <a:lstStyle/>
+          <a:p>
+            <a:r>
+              <a:rPr lang="zh-CN" altLang="en-US" dirty="0" smtClean="0">
+                <a:solidFill>
+                  <a:srgbClr val="1713DC"/>
+                </a:solidFill>
+                <a:latin typeface="+mj-ea"/>
+              </a:rPr>
+              <a:t>自惭</a:t>
+            </a:r>
+            <a:endParaRPr lang="zh-CN" altLang="en-US" dirty="0">
+              <a:latin typeface="+mj-ea"/>
+            </a:endParaRPr>
+          </a:p>
+        </p:txBody>
+      </p:sp>
+      <p:sp>
+        <p:nvSpPr>
+          <p:cNvPr id="21" name="Text Box 48"/>
+          <p:cNvSpPr txBox="1">
+            <a:spLocks noChangeArrowheads="1"/>
+          </p:cNvSpPr>
+          <p:nvPr/>
+        </p:nvSpPr>
+        <p:spPr bwMode="auto">
+          <a:xfrm>
+            <a:off x="6023056" y="1641474"/>
+            <a:ext cx="1978608" cy="369887"/>
+          </a:xfrm>
+          <a:prstGeom prst="rect">
+            <a:avLst/>
+          </a:prstGeom>
+          <a:noFill/>
+          <a:ln w="9525">
+            <a:noFill/>
+            <a:miter lim="800000"/>
+            <a:headEnd/>
+            <a:tailEnd/>
+          </a:ln>
+          <a:effectLst/>
+        </p:spPr>
+        <p:txBody>
+          <a:bodyPr wrap="square">
+            <a:spAutoFit/>
+          </a:bodyPr>
+          <a:lstStyle/>
+          <a:p>
+            <a:pPr algn="ctr" eaLnBrk="0" hangingPunct="0"/>
+            <a:endParaRPr lang="en-US" altLang="zh-CN" dirty="0">
+              <a:latin typeface="+mj-ea"/>
+              <a:ea typeface="+mj-ea"/>
+            </a:endParaRPr>
+          </a:p>
+        </p:txBody>
+      </p:sp>
+      <p:sp>
+        <p:nvSpPr>
           <p:cNvPr id="3" name="内容占位符 2"/>
           <p:cNvSpPr>
             <a:spLocks noGrp="1"/>
@@ -5347,7 +7121,7 @@
       </p:sp>
       <p:pic>
         <p:nvPicPr>
-          <p:cNvPr id="5122" name="Picture 2"/>
+          <p:cNvPr id="2050" name="Picture 2"/>
           <p:cNvPicPr>
             <a:picLocks noChangeAspect="1" noChangeArrowheads="1"/>
           </p:cNvPicPr>
@@ -5368,8 +7142,8 @@
         </p:blipFill>
         <p:spPr bwMode="auto">
           <a:xfrm>
-            <a:off x="1243784" y="2720671"/>
-            <a:ext cx="5305425" cy="3381375"/>
+            <a:off x="1211478" y="2712565"/>
+            <a:ext cx="5295900" cy="3409950"/>
           </a:xfrm>
           <a:prstGeom prst="rect">
             <a:avLst/>
@@ -5411,7 +7185,7 @@
       </p:pic>
       <p:pic>
         <p:nvPicPr>
-          <p:cNvPr id="5123" name="Picture 3"/>
+          <p:cNvPr id="2051" name="Picture 3"/>
           <p:cNvPicPr>
             <a:picLocks noChangeAspect="1" noChangeArrowheads="1"/>
           </p:cNvPicPr>
@@ -5432,8 +7206,8 @@
         </p:blipFill>
         <p:spPr bwMode="auto">
           <a:xfrm>
-            <a:off x="7012360" y="3428998"/>
-            <a:ext cx="3905250" cy="1190625"/>
+            <a:off x="7012360" y="3587321"/>
+            <a:ext cx="4086225" cy="1314450"/>
           </a:xfrm>
           <a:prstGeom prst="rect">
             <a:avLst/>
@@ -5606,7 +7380,7 @@
       </p:sp>
       <p:pic>
         <p:nvPicPr>
-          <p:cNvPr id="8194" name="Picture 2"/>
+          <p:cNvPr id="3074" name="Picture 2"/>
           <p:cNvPicPr>
             <a:picLocks noChangeAspect="1" noChangeArrowheads="1"/>
           </p:cNvPicPr>
@@ -5627,8 +7401,8 @@
         </p:blipFill>
         <p:spPr bwMode="auto">
           <a:xfrm>
-            <a:off x="1780818" y="2891737"/>
-            <a:ext cx="4362450" cy="666750"/>
+            <a:off x="3534439" y="2783746"/>
+            <a:ext cx="4467225" cy="771525"/>
           </a:xfrm>
           <a:prstGeom prst="rect">
             <a:avLst/>
@@ -5670,7 +7444,7 @@
       </p:pic>
       <p:pic>
         <p:nvPicPr>
-          <p:cNvPr id="8195" name="Picture 3"/>
+          <p:cNvPr id="3075" name="Picture 3"/>
           <p:cNvPicPr>
             <a:picLocks noChangeAspect="1" noChangeArrowheads="1"/>
           </p:cNvPicPr>
@@ -5691,8 +7465,8 @@
         </p:blipFill>
         <p:spPr bwMode="auto">
           <a:xfrm>
-            <a:off x="1780818" y="3917094"/>
-            <a:ext cx="4514850" cy="457200"/>
+            <a:off x="3439188" y="4184049"/>
+            <a:ext cx="4657725" cy="590550"/>
           </a:xfrm>
           <a:prstGeom prst="rect">
             <a:avLst/>
@@ -5856,28 +7630,85 @@
           <a:lstStyle/>
           <a:p>
             <a:r>
-              <a:rPr lang="zh-CN" altLang="en-US" dirty="0" smtClean="0"/>
+              <a:rPr lang="en-US" altLang="zh-CN" dirty="0" err="1" smtClean="0">
+                <a:latin typeface="+mj-ea"/>
+                <a:ea typeface="+mj-ea"/>
+              </a:rPr>
+              <a:t>Hashmap</a:t>
+            </a:r>
+            <a:r>
+              <a:rPr lang="en-US" altLang="zh-CN" dirty="0" smtClean="0">
+                <a:latin typeface="+mj-ea"/>
+                <a:ea typeface="+mj-ea"/>
+              </a:rPr>
+              <a:t> new</a:t>
+            </a:r>
+            <a:r>
+              <a:rPr lang="zh-CN" altLang="en-US" dirty="0" smtClean="0">
+                <a:latin typeface="+mj-ea"/>
+                <a:ea typeface="+mj-ea"/>
+              </a:rPr>
+              <a:t>问题</a:t>
+            </a:r>
+            <a:endParaRPr lang="en-US" altLang="zh-CN" dirty="0" smtClean="0">
+              <a:latin typeface="+mj-ea"/>
+              <a:ea typeface="+mj-ea"/>
+            </a:endParaRPr>
+          </a:p>
+          <a:p>
+            <a:pPr lvl="1"/>
+            <a:r>
+              <a:rPr lang="zh-CN" altLang="en-US" sz="2400" dirty="0" smtClean="0">
+                <a:latin typeface="+mj-ea"/>
+                <a:ea typeface="+mj-ea"/>
+              </a:rPr>
               <a:t>部分</a:t>
             </a:r>
             <a:r>
-              <a:rPr lang="en-US" altLang="zh-CN" dirty="0" err="1" smtClean="0"/>
+              <a:rPr lang="en-US" altLang="zh-CN" sz="2400" dirty="0" err="1">
+                <a:latin typeface="+mj-ea"/>
+                <a:ea typeface="+mj-ea"/>
+              </a:rPr>
               <a:t>Hashmap</a:t>
             </a:r>
             <a:r>
-              <a:rPr lang="en-US" altLang="zh-CN" dirty="0" smtClean="0"/>
+              <a:rPr lang="en-US" altLang="zh-CN" sz="2400" dirty="0">
+                <a:latin typeface="+mj-ea"/>
+                <a:ea typeface="+mj-ea"/>
+              </a:rPr>
               <a:t> new</a:t>
             </a:r>
             <a:r>
-              <a:rPr lang="zh-CN" altLang="en-US" dirty="0" smtClean="0"/>
-              <a:t>时未指定大小</a:t>
-            </a:r>
-            <a:endParaRPr lang="zh-CN" altLang="en-US" dirty="0"/>
+              <a:rPr lang="zh-CN" altLang="en-US" sz="2400" dirty="0" smtClean="0">
+                <a:latin typeface="+mj-ea"/>
+                <a:ea typeface="+mj-ea"/>
+              </a:rPr>
+              <a:t>时</a:t>
+            </a:r>
+            <a:r>
+              <a:rPr lang="zh-CN" altLang="en-US" sz="2400" dirty="0" smtClean="0">
+                <a:latin typeface="+mj-ea"/>
+                <a:ea typeface="+mj-ea"/>
+              </a:rPr>
+              <a:t>未指定</a:t>
+            </a:r>
+            <a:r>
+              <a:rPr lang="zh-CN" altLang="en-US" sz="2400" dirty="0" smtClean="0">
+                <a:latin typeface="+mj-ea"/>
+                <a:ea typeface="+mj-ea"/>
+              </a:rPr>
+              <a:t>大小（对于可能数据量较大的数据）</a:t>
+            </a:r>
+            <a:endParaRPr lang="zh-CN" altLang="en-US" sz="2400" dirty="0">
+              <a:latin typeface="+mj-ea"/>
+              <a:ea typeface="+mj-ea"/>
+            </a:endParaRPr>
           </a:p>
         </p:txBody>
       </p:sp>
       <p:pic>
         <p:nvPicPr>
-          <p:cNvPr id="9218" name="Picture 2"/>
+          <p:cNvPr id="4098" name="Picture 2"/>
           <p:cNvPicPr>
             <a:picLocks noChangeAspect="1" noChangeArrowheads="1"/>
           </p:cNvPicPr>
@@ -5898,8 +7729,8 @@
         </p:blipFill>
         <p:spPr bwMode="auto">
           <a:xfrm>
-            <a:off x="2506392" y="3023030"/>
-            <a:ext cx="7564468" cy="698672"/>
+            <a:off x="1998962" y="3838962"/>
+            <a:ext cx="7600950" cy="638175"/>
           </a:xfrm>
           <a:prstGeom prst="rect">
             <a:avLst/>
@@ -5994,27 +7825,15 @@
           <a:lstStyle/>
           <a:p>
             <a:r>
-              <a:rPr lang="zh-CN" altLang="en-US" dirty="0">
-                <a:solidFill>
-                  <a:srgbClr val="1713DC"/>
-                </a:solidFill>
-                <a:latin typeface="+mj-ea"/>
-              </a:rPr>
-              <a:t>互</a:t>
-            </a:r>
-            <a:r>
               <a:rPr lang="zh-CN" altLang="en-US" dirty="0" smtClean="0">
                 <a:solidFill>
                   <a:srgbClr val="1713DC"/>
                 </a:solidFill>
                 <a:latin typeface="+mj-ea"/>
               </a:rPr>
-              <a:t>捧</a:t>
+              <a:t>自惭</a:t>
             </a:r>
             <a:endParaRPr lang="zh-CN" altLang="en-US" dirty="0">
-              <a:solidFill>
-                <a:srgbClr val="1713DC"/>
-              </a:solidFill>
               <a:latin typeface="+mj-ea"/>
             </a:endParaRPr>
           </a:p>
@@ -6061,7 +7880,7 @@
       </p:sp>
       <p:sp>
         <p:nvSpPr>
-          <p:cNvPr id="6" name="内容占位符 2"/>
+          <p:cNvPr id="3" name="内容占位符 2"/>
           <p:cNvSpPr>
             <a:spLocks noGrp="1"/>
           </p:cNvSpPr>
@@ -6069,586 +7888,22 @@
             <p:ph idx="1"/>
           </p:nvPr>
         </p:nvSpPr>
-        <p:spPr>
-          <a:xfrm>
-            <a:off x="794657" y="1796597"/>
-            <a:ext cx="10515600" cy="4351338"/>
-          </a:xfrm>
-        </p:spPr>
-        <p:txBody>
-          <a:bodyPr wrap="none">
-            <a:normAutofit/>
-          </a:bodyPr>
-          <a:lstStyle/>
-          <a:p>
-            <a:pPr>
-              <a:lnSpc>
-                <a:spcPct val="150000"/>
-              </a:lnSpc>
-            </a:pPr>
-            <a:r>
-              <a:rPr lang="zh-CN" altLang="en-US" dirty="0" smtClean="0">
-                <a:latin typeface="+mj-ea"/>
-                <a:ea typeface="+mj-ea"/>
-              </a:rPr>
-              <a:t>自惭</a:t>
-            </a:r>
-            <a:endParaRPr lang="en-US" altLang="zh-CN" dirty="0" smtClean="0">
-              <a:latin typeface="+mj-ea"/>
-              <a:ea typeface="+mj-ea"/>
-            </a:endParaRPr>
-          </a:p>
-          <a:p>
-            <a:pPr>
-              <a:lnSpc>
-                <a:spcPct val="150000"/>
-              </a:lnSpc>
-            </a:pPr>
-            <a:r>
-              <a:rPr lang="zh-CN" altLang="en-US" b="1" dirty="0" smtClean="0">
-                <a:solidFill>
-                  <a:srgbClr val="1713DC"/>
-                </a:solidFill>
-                <a:latin typeface="+mj-ea"/>
-                <a:ea typeface="+mj-ea"/>
-              </a:rPr>
-              <a:t>互捧</a:t>
-            </a:r>
-            <a:endParaRPr lang="en-US" altLang="zh-CN" b="1" dirty="0" smtClean="0">
-              <a:solidFill>
-                <a:srgbClr val="1713DC"/>
-              </a:solidFill>
-              <a:latin typeface="+mj-ea"/>
-              <a:ea typeface="+mj-ea"/>
-            </a:endParaRPr>
-          </a:p>
-          <a:p>
-            <a:pPr>
-              <a:lnSpc>
-                <a:spcPct val="150000"/>
-              </a:lnSpc>
-            </a:pPr>
-            <a:r>
-              <a:rPr lang="zh-CN" altLang="en-US" dirty="0" smtClean="0">
-                <a:latin typeface="+mj-ea"/>
-                <a:ea typeface="+mj-ea"/>
-              </a:rPr>
-              <a:t>自夸</a:t>
-            </a:r>
-            <a:endParaRPr lang="en-US" altLang="zh-CN" dirty="0" smtClean="0">
-              <a:latin typeface="+mj-ea"/>
-              <a:ea typeface="+mj-ea"/>
-            </a:endParaRPr>
-          </a:p>
-          <a:p>
-            <a:pPr>
-              <a:lnSpc>
-                <a:spcPct val="150000"/>
-              </a:lnSpc>
-            </a:pPr>
-            <a:r>
-              <a:rPr lang="zh-CN" altLang="en-US" dirty="0" smtClean="0">
-                <a:latin typeface="+mj-ea"/>
-                <a:ea typeface="+mj-ea"/>
-              </a:rPr>
-              <a:t>互踩</a:t>
-            </a:r>
-            <a:endParaRPr lang="en-US" altLang="zh-CN" dirty="0" smtClean="0">
-              <a:latin typeface="+mj-ea"/>
-              <a:ea typeface="+mj-ea"/>
-            </a:endParaRPr>
-          </a:p>
-        </p:txBody>
-      </p:sp>
-    </p:spTree>
-    <p:extLst>
-      <p:ext uri="{BB962C8B-B14F-4D97-AF65-F5344CB8AC3E}">
-        <p14:creationId xmlns:p14="http://schemas.microsoft.com/office/powerpoint/2010/main" val="4117759952"/>
-      </p:ext>
-    </p:extLst>
-  </p:cSld>
-  <p:clrMapOvr>
-    <a:masterClrMapping/>
-  </p:clrMapOvr>
-  <p:timing>
-    <p:tnLst>
-      <p:par>
-        <p:cTn id="1" dur="indefinite" restart="never" nodeType="tmRoot"/>
-      </p:par>
-    </p:tnLst>
-  </p:timing>
-</p:sld>
-</file>
-
-<file path=ppt/slides/slide7.xml><?xml version="1.0" encoding="utf-8"?>
-<p:sld xmlns:a="http://schemas.openxmlformats.org/drawingml/2006/main" xmlns:r="http://schemas.openxmlformats.org/officeDocument/2006/relationships" xmlns:p="http://schemas.openxmlformats.org/presentationml/2006/main">
-  <p:cSld>
-    <p:spTree>
-      <p:nvGrpSpPr>
-        <p:cNvPr id="1" name=""/>
-        <p:cNvGrpSpPr/>
-        <p:nvPr/>
-      </p:nvGrpSpPr>
-      <p:grpSpPr>
-        <a:xfrm>
-          <a:off x="0" y="0"/>
-          <a:ext cx="0" cy="0"/>
-          <a:chOff x="0" y="0"/>
-          <a:chExt cx="0" cy="0"/>
-        </a:xfrm>
-      </p:grpSpPr>
-      <p:sp>
-        <p:nvSpPr>
-          <p:cNvPr id="2" name="标题 1"/>
-          <p:cNvSpPr>
-            <a:spLocks noGrp="1"/>
-          </p:cNvSpPr>
-          <p:nvPr>
-            <p:ph type="title"/>
-          </p:nvPr>
-        </p:nvSpPr>
         <p:spPr/>
         <p:txBody>
-          <a:bodyPr>
-            <a:normAutofit/>
-          </a:bodyPr>
+          <a:bodyPr/>
           <a:lstStyle/>
           <a:p>
             <a:r>
-              <a:rPr lang="zh-CN" altLang="en-US" dirty="0" smtClean="0">
-                <a:latin typeface="+mj-ea"/>
-              </a:rPr>
-              <a:t>自夸</a:t>
-            </a:r>
-            <a:endParaRPr lang="zh-CN" altLang="en-US" dirty="0">
-              <a:solidFill>
-                <a:srgbClr val="1713DC"/>
-              </a:solidFill>
-              <a:latin typeface="+mj-ea"/>
-            </a:endParaRPr>
-          </a:p>
-        </p:txBody>
-      </p:sp>
-      <p:sp>
-        <p:nvSpPr>
-          <p:cNvPr id="21" name="Text Box 48"/>
-          <p:cNvSpPr txBox="1">
-            <a:spLocks noChangeArrowheads="1"/>
-          </p:cNvSpPr>
-          <p:nvPr/>
-        </p:nvSpPr>
-        <p:spPr bwMode="auto">
-          <a:xfrm>
-            <a:off x="6023056" y="1641474"/>
-            <a:ext cx="1978608" cy="369887"/>
-          </a:xfrm>
-          <a:prstGeom prst="rect">
-            <a:avLst/>
-          </a:prstGeom>
-          <a:noFill/>
-          <a:ln w="9525">
-            <a:noFill/>
-            <a:miter lim="800000"/>
-            <a:headEnd/>
-            <a:tailEnd/>
-          </a:ln>
-          <a:effectLst/>
-        </p:spPr>
-        <p:txBody>
-          <a:bodyPr wrap="square">
-            <a:spAutoFit/>
-          </a:bodyPr>
-          <a:lstStyle/>
-          <a:p>
-            <a:pPr algn="ctr" eaLnBrk="0" hangingPunct="0"/>
-            <a:endParaRPr lang="en-US" altLang="zh-CN" dirty="0">
-              <a:latin typeface="+mj-ea"/>
-              <a:ea typeface="+mj-ea"/>
-            </a:endParaRPr>
-          </a:p>
-        </p:txBody>
-      </p:sp>
-      <p:sp>
-        <p:nvSpPr>
-          <p:cNvPr id="6" name="内容占位符 2"/>
-          <p:cNvSpPr>
-            <a:spLocks noGrp="1"/>
-          </p:cNvSpPr>
-          <p:nvPr>
-            <p:ph idx="1"/>
-          </p:nvPr>
-        </p:nvSpPr>
-        <p:spPr>
-          <a:xfrm>
-            <a:off x="794657" y="1796597"/>
-            <a:ext cx="10515600" cy="4351338"/>
-          </a:xfrm>
-        </p:spPr>
-        <p:txBody>
-          <a:bodyPr wrap="none">
-            <a:normAutofit/>
-          </a:bodyPr>
-          <a:lstStyle/>
-          <a:p>
-            <a:pPr>
-              <a:lnSpc>
-                <a:spcPct val="150000"/>
-              </a:lnSpc>
-            </a:pPr>
-            <a:r>
-              <a:rPr lang="zh-CN" altLang="en-US" dirty="0" smtClean="0">
-                <a:latin typeface="+mj-ea"/>
-                <a:ea typeface="+mj-ea"/>
-              </a:rPr>
-              <a:t>自惭</a:t>
-            </a:r>
-            <a:endParaRPr lang="en-US" altLang="zh-CN" dirty="0" smtClean="0">
-              <a:latin typeface="+mj-ea"/>
-              <a:ea typeface="+mj-ea"/>
-            </a:endParaRPr>
-          </a:p>
-          <a:p>
-            <a:pPr>
-              <a:lnSpc>
-                <a:spcPct val="150000"/>
-              </a:lnSpc>
-            </a:pPr>
-            <a:r>
-              <a:rPr lang="zh-CN" altLang="en-US" dirty="0" smtClean="0">
-                <a:latin typeface="+mj-ea"/>
-                <a:ea typeface="+mj-ea"/>
-              </a:rPr>
-              <a:t>互捧</a:t>
-            </a:r>
-            <a:endParaRPr lang="en-US" altLang="zh-CN" dirty="0" smtClean="0">
-              <a:latin typeface="+mj-ea"/>
-              <a:ea typeface="+mj-ea"/>
-            </a:endParaRPr>
-          </a:p>
-          <a:p>
-            <a:pPr>
-              <a:lnSpc>
-                <a:spcPct val="150000"/>
-              </a:lnSpc>
-            </a:pPr>
-            <a:r>
-              <a:rPr lang="zh-CN" altLang="en-US" b="1" dirty="0" smtClean="0">
-                <a:solidFill>
-                  <a:srgbClr val="1713DC"/>
-                </a:solidFill>
-                <a:latin typeface="+mj-ea"/>
-                <a:ea typeface="+mj-ea"/>
-              </a:rPr>
-              <a:t>自夸</a:t>
-            </a:r>
-            <a:endParaRPr lang="en-US" altLang="zh-CN" b="1" dirty="0" smtClean="0">
-              <a:solidFill>
-                <a:srgbClr val="1713DC"/>
-              </a:solidFill>
-              <a:latin typeface="+mj-ea"/>
-              <a:ea typeface="+mj-ea"/>
-            </a:endParaRPr>
-          </a:p>
-          <a:p>
-            <a:pPr>
-              <a:lnSpc>
-                <a:spcPct val="150000"/>
-              </a:lnSpc>
-            </a:pPr>
-            <a:r>
-              <a:rPr lang="zh-CN" altLang="en-US" dirty="0" smtClean="0">
-                <a:latin typeface="+mj-ea"/>
-                <a:ea typeface="+mj-ea"/>
-              </a:rPr>
-              <a:t>互踩</a:t>
-            </a:r>
-            <a:endParaRPr lang="en-US" altLang="zh-CN" dirty="0" smtClean="0">
-              <a:latin typeface="+mj-ea"/>
-              <a:ea typeface="+mj-ea"/>
-            </a:endParaRPr>
-          </a:p>
-        </p:txBody>
-      </p:sp>
-    </p:spTree>
-    <p:extLst>
-      <p:ext uri="{BB962C8B-B14F-4D97-AF65-F5344CB8AC3E}">
-        <p14:creationId xmlns:p14="http://schemas.microsoft.com/office/powerpoint/2010/main" val="29779917"/>
-      </p:ext>
-    </p:extLst>
-  </p:cSld>
-  <p:clrMapOvr>
-    <a:masterClrMapping/>
-  </p:clrMapOvr>
-  <p:timing>
-    <p:tnLst>
-      <p:par>
-        <p:cTn id="1" dur="indefinite" restart="never" nodeType="tmRoot"/>
-      </p:par>
-    </p:tnLst>
-  </p:timing>
-</p:sld>
-</file>
-
-<file path=ppt/slides/slide8.xml><?xml version="1.0" encoding="utf-8"?>
-<p:sld xmlns:a="http://schemas.openxmlformats.org/drawingml/2006/main" xmlns:r="http://schemas.openxmlformats.org/officeDocument/2006/relationships" xmlns:p="http://schemas.openxmlformats.org/presentationml/2006/main">
-  <p:cSld>
-    <p:spTree>
-      <p:nvGrpSpPr>
-        <p:cNvPr id="1" name=""/>
-        <p:cNvGrpSpPr/>
-        <p:nvPr/>
-      </p:nvGrpSpPr>
-      <p:grpSpPr>
-        <a:xfrm>
-          <a:off x="0" y="0"/>
-          <a:ext cx="0" cy="0"/>
-          <a:chOff x="0" y="0"/>
-          <a:chExt cx="0" cy="0"/>
-        </a:xfrm>
-      </p:grpSpPr>
-      <p:sp>
-        <p:nvSpPr>
-          <p:cNvPr id="2" name="标题 1"/>
-          <p:cNvSpPr>
-            <a:spLocks noGrp="1"/>
-          </p:cNvSpPr>
-          <p:nvPr>
-            <p:ph type="title"/>
-          </p:nvPr>
-        </p:nvSpPr>
-        <p:spPr/>
-        <p:txBody>
-          <a:bodyPr>
-            <a:normAutofit/>
-          </a:bodyPr>
-          <a:lstStyle/>
-          <a:p>
-            <a:r>
-              <a:rPr lang="zh-CN" altLang="en-US" dirty="0" smtClean="0">
-                <a:latin typeface="+mj-ea"/>
-              </a:rPr>
-              <a:t>自夸</a:t>
-            </a:r>
-            <a:endParaRPr lang="zh-CN" altLang="en-US" dirty="0">
-              <a:solidFill>
-                <a:srgbClr val="1713DC"/>
-              </a:solidFill>
-              <a:latin typeface="+mj-ea"/>
-            </a:endParaRPr>
-          </a:p>
-        </p:txBody>
-      </p:sp>
-      <p:sp>
-        <p:nvSpPr>
-          <p:cNvPr id="21" name="Text Box 48"/>
-          <p:cNvSpPr txBox="1">
-            <a:spLocks noChangeArrowheads="1"/>
-          </p:cNvSpPr>
-          <p:nvPr/>
-        </p:nvSpPr>
-        <p:spPr bwMode="auto">
-          <a:xfrm>
-            <a:off x="6023056" y="1641474"/>
-            <a:ext cx="1978608" cy="369887"/>
-          </a:xfrm>
-          <a:prstGeom prst="rect">
-            <a:avLst/>
-          </a:prstGeom>
-          <a:noFill/>
-          <a:ln w="9525">
-            <a:noFill/>
-            <a:miter lim="800000"/>
-            <a:headEnd/>
-            <a:tailEnd/>
-          </a:ln>
-          <a:effectLst/>
-        </p:spPr>
-        <p:txBody>
-          <a:bodyPr wrap="square">
-            <a:spAutoFit/>
-          </a:bodyPr>
-          <a:lstStyle/>
-          <a:p>
-            <a:pPr algn="ctr" eaLnBrk="0" hangingPunct="0"/>
-            <a:endParaRPr lang="en-US" altLang="zh-CN" dirty="0">
-              <a:latin typeface="+mj-ea"/>
-              <a:ea typeface="+mj-ea"/>
-            </a:endParaRPr>
-          </a:p>
-        </p:txBody>
-      </p:sp>
-      <p:sp>
-        <p:nvSpPr>
-          <p:cNvPr id="6" name="内容占位符 2"/>
-          <p:cNvSpPr>
-            <a:spLocks noGrp="1"/>
-          </p:cNvSpPr>
-          <p:nvPr>
-            <p:ph idx="1"/>
-          </p:nvPr>
-        </p:nvSpPr>
-        <p:spPr>
-          <a:xfrm>
-            <a:off x="794657" y="1796597"/>
-            <a:ext cx="10515600" cy="4351338"/>
-          </a:xfrm>
-        </p:spPr>
-        <p:txBody>
-          <a:bodyPr wrap="none">
-            <a:normAutofit/>
-          </a:bodyPr>
-          <a:lstStyle/>
-          <a:p>
-            <a:pPr>
-              <a:lnSpc>
-                <a:spcPct val="150000"/>
-              </a:lnSpc>
-            </a:pPr>
-            <a:r>
-              <a:rPr lang="zh-CN" altLang="en-US" dirty="0" smtClean="0">
-                <a:latin typeface="+mj-ea"/>
-                <a:ea typeface="+mj-ea"/>
-              </a:rPr>
-              <a:t>前端请求</a:t>
-            </a:r>
-            <a:r>
-              <a:rPr lang="zh-CN" altLang="en-US" b="1" dirty="0" smtClean="0">
-                <a:latin typeface="+mj-ea"/>
-                <a:ea typeface="+mj-ea"/>
-              </a:rPr>
-              <a:t>校验自动化</a:t>
-            </a:r>
-            <a:endParaRPr lang="en-US" altLang="zh-CN" b="1" dirty="0" smtClean="0">
-              <a:latin typeface="+mj-ea"/>
-              <a:ea typeface="+mj-ea"/>
-            </a:endParaRPr>
-          </a:p>
-          <a:p>
-            <a:pPr lvl="1">
-              <a:lnSpc>
-                <a:spcPct val="150000"/>
-              </a:lnSpc>
-            </a:pPr>
-            <a:r>
-              <a:rPr lang="zh-CN" altLang="en-US" sz="2000" dirty="0">
-                <a:latin typeface="+mj-ea"/>
-                <a:ea typeface="+mj-ea"/>
-              </a:rPr>
-              <a:t>使用</a:t>
-            </a:r>
-            <a:r>
-              <a:rPr lang="en-US" altLang="zh-CN" sz="2000" dirty="0" err="1">
-                <a:latin typeface="+mj-ea"/>
-                <a:ea typeface="+mj-ea"/>
-              </a:rPr>
-              <a:t>jsr</a:t>
-            </a:r>
-            <a:r>
-              <a:rPr lang="en-US" altLang="zh-CN" sz="2000" dirty="0">
-                <a:latin typeface="+mj-ea"/>
-                <a:ea typeface="+mj-ea"/>
-              </a:rPr>
-              <a:t> 303</a:t>
-            </a:r>
-            <a:r>
-              <a:rPr lang="zh-CN" altLang="en-US" sz="2000" dirty="0">
-                <a:latin typeface="+mj-ea"/>
-                <a:ea typeface="+mj-ea"/>
-              </a:rPr>
-              <a:t>代替手工</a:t>
-            </a:r>
-            <a:r>
-              <a:rPr lang="zh-CN" altLang="en-US" sz="2000" dirty="0" smtClean="0">
-                <a:latin typeface="+mj-ea"/>
-                <a:ea typeface="+mj-ea"/>
-              </a:rPr>
-              <a:t>验证</a:t>
-            </a:r>
-            <a:endParaRPr lang="en-US" altLang="zh-CN" sz="2000" dirty="0" smtClean="0">
-              <a:latin typeface="+mj-ea"/>
-              <a:ea typeface="+mj-ea"/>
-            </a:endParaRPr>
-          </a:p>
-          <a:p>
-            <a:pPr lvl="1">
-              <a:lnSpc>
-                <a:spcPct val="150000"/>
-              </a:lnSpc>
-            </a:pPr>
-            <a:r>
-              <a:rPr lang="zh-CN" altLang="en-US" sz="2000" dirty="0" smtClean="0">
-                <a:latin typeface="+mj-ea"/>
-                <a:ea typeface="+mj-ea"/>
-              </a:rPr>
-              <a:t>统一</a:t>
-            </a:r>
-            <a:r>
-              <a:rPr lang="zh-CN" altLang="en-US" sz="2000" dirty="0">
-                <a:latin typeface="+mj-ea"/>
-                <a:ea typeface="+mj-ea"/>
-              </a:rPr>
-              <a:t>的、基于配置的国际化，而不是在代码中</a:t>
-            </a:r>
-            <a:r>
-              <a:rPr lang="zh-CN" altLang="en-US" sz="2000" dirty="0" smtClean="0">
-                <a:latin typeface="+mj-ea"/>
-                <a:ea typeface="+mj-ea"/>
-              </a:rPr>
-              <a:t>处理</a:t>
-            </a:r>
-            <a:endParaRPr lang="en-US" altLang="zh-CN" sz="2000" dirty="0" smtClean="0">
-              <a:latin typeface="+mj-ea"/>
-              <a:ea typeface="+mj-ea"/>
-            </a:endParaRPr>
-          </a:p>
-          <a:p>
-            <a:pPr lvl="1">
-              <a:lnSpc>
-                <a:spcPct val="150000"/>
-              </a:lnSpc>
-            </a:pPr>
-            <a:r>
-              <a:rPr lang="zh-CN" altLang="en-US" sz="2000" dirty="0" smtClean="0">
-                <a:latin typeface="+mj-ea"/>
-                <a:ea typeface="+mj-ea"/>
-              </a:rPr>
-              <a:t>校验异常自动捕捉</a:t>
-            </a:r>
-            <a:endParaRPr lang="en-US" altLang="zh-CN" sz="2000" dirty="0" smtClean="0">
-              <a:latin typeface="+mj-ea"/>
-              <a:ea typeface="+mj-ea"/>
-            </a:endParaRPr>
-          </a:p>
-          <a:p>
-            <a:pPr lvl="1">
-              <a:lnSpc>
-                <a:spcPct val="150000"/>
-              </a:lnSpc>
-            </a:pPr>
-            <a:r>
-              <a:rPr lang="zh-CN" altLang="en-US" sz="2000" dirty="0" smtClean="0">
-                <a:latin typeface="+mj-ea"/>
-                <a:ea typeface="+mj-ea"/>
-              </a:rPr>
-              <a:t>（简单）校验</a:t>
-            </a:r>
-            <a:r>
-              <a:rPr lang="zh-CN" altLang="en-US" sz="2000" b="1" dirty="0" smtClean="0">
-                <a:latin typeface="+mj-ea"/>
-                <a:ea typeface="+mj-ea"/>
-              </a:rPr>
-              <a:t>与业务代码解耦</a:t>
-            </a:r>
-            <a:endParaRPr lang="en-US" altLang="zh-CN" sz="2000" b="1" dirty="0" smtClean="0">
-              <a:latin typeface="+mj-ea"/>
-              <a:ea typeface="+mj-ea"/>
-            </a:endParaRPr>
+              <a:rPr lang="zh-CN" altLang="en-US" dirty="0" smtClean="0"/>
+              <a:t>由于采用了部分表单参数模式，导致分支校验（业务）</a:t>
+            </a:r>
+            <a:endParaRPr lang="zh-CN" altLang="en-US" dirty="0"/>
           </a:p>
         </p:txBody>
       </p:sp>
       <p:pic>
         <p:nvPicPr>
-          <p:cNvPr id="1027" name="Picture 3"/>
+          <p:cNvPr id="1029" name="Picture 5"/>
           <p:cNvPicPr>
             <a:picLocks noChangeAspect="1" noChangeArrowheads="1"/>
           </p:cNvPicPr>
@@ -6669,136 +7924,8 @@
         </p:blipFill>
         <p:spPr bwMode="auto">
           <a:xfrm>
-            <a:off x="6054464" y="2147284"/>
-            <a:ext cx="5860708" cy="845753"/>
-          </a:xfrm>
-          <a:prstGeom prst="rect">
-            <a:avLst/>
-          </a:prstGeom>
-          <a:noFill/>
-          <a:ln>
-            <a:noFill/>
-          </a:ln>
-          <a:effectLst/>
-          <a:extLst>
-            <a:ext uri="{909E8E84-426E-40DD-AFC4-6F175D3DCCD1}">
-              <a14:hiddenFill xmlns:a14="http://schemas.microsoft.com/office/drawing/2010/main">
-                <a:solidFill>
-                  <a:schemeClr val="accent1"/>
-                </a:solidFill>
-              </a14:hiddenFill>
-            </a:ext>
-            <a:ext uri="{91240B29-F687-4F45-9708-019B960494DF}">
-              <a14:hiddenLine xmlns:a14="http://schemas.microsoft.com/office/drawing/2010/main" w="9525">
-                <a:solidFill>
-                  <a:schemeClr val="tx1"/>
-                </a:solidFill>
-                <a:miter lim="800000"/>
-                <a:headEnd/>
-                <a:tailEnd/>
-              </a14:hiddenLine>
-            </a:ext>
-            <a:ext uri="{AF507438-7753-43E0-B8FC-AC1667EBCBE1}">
-              <a14:hiddenEffects xmlns:a14="http://schemas.microsoft.com/office/drawing/2010/main">
-                <a:effectLst>
-                  <a:outerShdw dist="35921" dir="2700000" algn="ctr" rotWithShape="0">
-                    <a:schemeClr val="bg2"/>
-                  </a:outerShdw>
-                </a:effectLst>
-              </a14:hiddenEffects>
-            </a:ext>
-          </a:extLst>
-        </p:spPr>
-      </p:pic>
-      <p:pic>
-        <p:nvPicPr>
-          <p:cNvPr id="1029" name="Picture 5"/>
-          <p:cNvPicPr>
-            <a:picLocks noChangeAspect="1" noChangeArrowheads="1"/>
-          </p:cNvPicPr>
-          <p:nvPr/>
-        </p:nvPicPr>
-        <p:blipFill>
-          <a:blip r:embed="rId3">
-            <a:extLst>
-              <a:ext uri="{28A0092B-C50C-407E-A947-70E740481C1C}">
-                <a14:useLocalDpi xmlns:a14="http://schemas.microsoft.com/office/drawing/2010/main" val="0"/>
-              </a:ext>
-            </a:extLst>
-          </a:blip>
-          <a:srcRect/>
-          <a:stretch>
-            <a:fillRect/>
-          </a:stretch>
-        </p:blipFill>
-        <p:spPr bwMode="auto">
-          <a:xfrm>
-            <a:off x="6023056" y="3902286"/>
-            <a:ext cx="5448300" cy="809625"/>
-          </a:xfrm>
-          <a:prstGeom prst="rect">
-            <a:avLst/>
-          </a:prstGeom>
-          <a:noFill/>
-          <a:ln>
-            <a:noFill/>
-          </a:ln>
-          <a:effectLst/>
-          <a:extLst>
-            <a:ext uri="{909E8E84-426E-40DD-AFC4-6F175D3DCCD1}">
-              <a14:hiddenFill xmlns:a14="http://schemas.microsoft.com/office/drawing/2010/main">
-                <a:solidFill>
-                  <a:schemeClr val="accent1"/>
-                </a:solidFill>
-              </a14:hiddenFill>
-            </a:ext>
-            <a:ext uri="{91240B29-F687-4F45-9708-019B960494DF}">
-              <a14:hiddenLine xmlns:a14="http://schemas.microsoft.com/office/drawing/2010/main" w="9525">
-                <a:solidFill>
-                  <a:schemeClr val="tx1"/>
-                </a:solidFill>
-                <a:miter lim="800000"/>
-                <a:headEnd/>
-                <a:tailEnd/>
-              </a14:hiddenLine>
-            </a:ext>
-            <a:ext uri="{AF507438-7753-43E0-B8FC-AC1667EBCBE1}">
-              <a14:hiddenEffects xmlns:a14="http://schemas.microsoft.com/office/drawing/2010/main">
-                <a:effectLst>
-                  <a:outerShdw dist="35921" dir="2700000" algn="ctr" rotWithShape="0">
-                    <a:schemeClr val="bg2"/>
-                  </a:outerShdw>
-                </a:effectLst>
-              </a14:hiddenEffects>
-            </a:ext>
-          </a:extLst>
-        </p:spPr>
-      </p:pic>
-      <p:pic>
-        <p:nvPicPr>
-          <p:cNvPr id="1030" name="Picture 6"/>
-          <p:cNvPicPr>
-            <a:picLocks noChangeAspect="1" noChangeArrowheads="1"/>
-          </p:cNvPicPr>
-          <p:nvPr/>
-        </p:nvPicPr>
-        <p:blipFill>
-          <a:blip r:embed="rId4">
-            <a:extLst>
-              <a:ext uri="{28A0092B-C50C-407E-A947-70E740481C1C}">
-                <a14:useLocalDpi xmlns:a14="http://schemas.microsoft.com/office/drawing/2010/main" val="0"/>
-              </a:ext>
-            </a:extLst>
-          </a:blip>
-          <a:srcRect/>
-          <a:stretch>
-            <a:fillRect/>
-          </a:stretch>
-        </p:blipFill>
-        <p:spPr bwMode="auto">
-          <a:xfrm>
-            <a:off x="6058564" y="5268869"/>
-            <a:ext cx="3886200" cy="847725"/>
+            <a:off x="3303668" y="3305433"/>
+            <a:ext cx="5438775" cy="1847850"/>
           </a:xfrm>
           <a:prstGeom prst="rect">
             <a:avLst/>
@@ -6841,7 +7968,7 @@
     </p:spTree>
     <p:extLst>
       <p:ext uri="{BB962C8B-B14F-4D97-AF65-F5344CB8AC3E}">
-        <p14:creationId xmlns:p14="http://schemas.microsoft.com/office/powerpoint/2010/main" val="2374509152"/>
+        <p14:creationId xmlns:p14="http://schemas.microsoft.com/office/powerpoint/2010/main" val="2548159160"/>
       </p:ext>
     </p:extLst>
   </p:cSld>
@@ -6858,7 +7985,7 @@
 </p:sld>
 </file>
 
-<file path=ppt/slides/slide9.xml><?xml version="1.0" encoding="utf-8"?>
+<file path=ppt/slides/slide7.xml><?xml version="1.0" encoding="utf-8"?>
 <p:sld xmlns:a="http://schemas.openxmlformats.org/drawingml/2006/main" xmlns:r="http://schemas.openxmlformats.org/officeDocument/2006/relationships" xmlns:p="http://schemas.openxmlformats.org/presentationml/2006/main">
   <p:cSld>
     <p:spTree>
@@ -6894,14 +8021,14 @@
           <a:p>
             <a:r>
               <a:rPr lang="zh-CN" altLang="en-US" dirty="0" smtClean="0">
-                <a:latin typeface="+mj-ea"/>
-              </a:rPr>
-              <a:t>自夸</a:t>
+                <a:solidFill>
+                  <a:srgbClr val="1713DC"/>
+                </a:solidFill>
+                <a:latin typeface="+mj-ea"/>
+              </a:rPr>
+              <a:t>自惭</a:t>
             </a:r>
             <a:endParaRPr lang="zh-CN" altLang="en-US" dirty="0">
-              <a:solidFill>
-                <a:srgbClr val="1713DC"/>
-              </a:solidFill>
               <a:latin typeface="+mj-ea"/>
             </a:endParaRPr>
           </a:p>
@@ -6948,7 +8075,7 @@
       </p:sp>
       <p:sp>
         <p:nvSpPr>
-          <p:cNvPr id="6" name="内容占位符 2"/>
+          <p:cNvPr id="3" name="内容占位符 2"/>
           <p:cNvSpPr>
             <a:spLocks noGrp="1"/>
           </p:cNvSpPr>
@@ -6956,190 +8083,21 @@
             <p:ph idx="1"/>
           </p:nvPr>
         </p:nvSpPr>
-        <p:spPr>
-          <a:xfrm>
-            <a:off x="794657" y="1796597"/>
-            <a:ext cx="10515600" cy="4351338"/>
-          </a:xfrm>
-        </p:spPr>
+        <p:spPr/>
         <p:txBody>
-          <a:bodyPr wrap="none">
-            <a:normAutofit/>
-          </a:bodyPr>
+          <a:bodyPr/>
           <a:lstStyle/>
           <a:p>
-            <a:pPr>
-              <a:lnSpc>
-                <a:spcPct val="150000"/>
-              </a:lnSpc>
-            </a:pPr>
-            <a:r>
-              <a:rPr lang="zh-CN" altLang="en-US" dirty="0" smtClean="0">
-                <a:latin typeface="+mj-ea"/>
-                <a:ea typeface="+mj-ea"/>
-              </a:rPr>
-              <a:t>前端请求</a:t>
-            </a:r>
-            <a:r>
-              <a:rPr lang="zh-CN" altLang="en-US" b="1" dirty="0" smtClean="0">
-                <a:latin typeface="+mj-ea"/>
-                <a:ea typeface="+mj-ea"/>
-              </a:rPr>
-              <a:t>部分表单校验</a:t>
-            </a:r>
-            <a:r>
-              <a:rPr lang="zh-CN" altLang="en-US" dirty="0" smtClean="0">
-                <a:latin typeface="+mj-ea"/>
-                <a:ea typeface="+mj-ea"/>
-              </a:rPr>
-              <a:t>自动化</a:t>
-            </a:r>
-            <a:endParaRPr lang="en-US" altLang="zh-CN" dirty="0" smtClean="0">
-              <a:latin typeface="+mj-ea"/>
-              <a:ea typeface="+mj-ea"/>
-            </a:endParaRPr>
-          </a:p>
-          <a:p>
-            <a:pPr lvl="1">
-              <a:lnSpc>
-                <a:spcPct val="150000"/>
-              </a:lnSpc>
-            </a:pPr>
-            <a:r>
-              <a:rPr lang="zh-CN" altLang="en-US" sz="2000" dirty="0" smtClean="0">
-                <a:latin typeface="+mj-ea"/>
-                <a:ea typeface="+mj-ea"/>
-              </a:rPr>
-              <a:t>表单中的某些字段（非全字段）需要处理</a:t>
-            </a:r>
-            <a:endParaRPr lang="en-US" altLang="zh-CN" sz="2000" dirty="0" smtClean="0">
-              <a:latin typeface="+mj-ea"/>
-              <a:ea typeface="+mj-ea"/>
-            </a:endParaRPr>
-          </a:p>
-          <a:p>
-            <a:pPr lvl="1">
-              <a:lnSpc>
-                <a:spcPct val="150000"/>
-              </a:lnSpc>
-            </a:pPr>
-            <a:r>
-              <a:rPr lang="zh-CN" altLang="en-US" sz="2000" dirty="0" smtClean="0">
-                <a:latin typeface="+mj-ea"/>
-                <a:ea typeface="+mj-ea"/>
-              </a:rPr>
-              <a:t>与全表单校验方式无缝统一</a:t>
-            </a:r>
-            <a:endParaRPr lang="en-US" altLang="zh-CN" sz="2000" dirty="0" smtClean="0">
-              <a:latin typeface="+mj-ea"/>
-              <a:ea typeface="+mj-ea"/>
-            </a:endParaRPr>
-          </a:p>
-          <a:p>
-            <a:pPr lvl="1">
-              <a:lnSpc>
-                <a:spcPct val="150000"/>
-              </a:lnSpc>
-            </a:pPr>
-            <a:r>
-              <a:rPr lang="zh-CN" altLang="en-US" sz="2000" dirty="0" smtClean="0">
-                <a:latin typeface="+mj-ea"/>
-                <a:ea typeface="+mj-ea"/>
-              </a:rPr>
-              <a:t>（简单）校验与</a:t>
-            </a:r>
-            <a:r>
-              <a:rPr lang="zh-CN" altLang="en-US" sz="2000" b="1" dirty="0" smtClean="0">
-                <a:latin typeface="+mj-ea"/>
-                <a:ea typeface="+mj-ea"/>
-              </a:rPr>
-              <a:t>业务代码解耦</a:t>
-            </a:r>
-            <a:endParaRPr lang="en-US" altLang="zh-CN" sz="2000" b="1" dirty="0" smtClean="0">
-              <a:latin typeface="+mj-ea"/>
-              <a:ea typeface="+mj-ea"/>
-            </a:endParaRPr>
-          </a:p>
-          <a:p>
-            <a:pPr lvl="1">
-              <a:lnSpc>
-                <a:spcPct val="150000"/>
-              </a:lnSpc>
-            </a:pPr>
-            <a:r>
-              <a:rPr lang="zh-CN" altLang="en-US" sz="2000" dirty="0" smtClean="0">
-                <a:latin typeface="+mj-ea"/>
-                <a:ea typeface="+mj-ea"/>
-              </a:rPr>
-              <a:t>做法：</a:t>
-            </a:r>
-            <a:endParaRPr lang="en-US" altLang="zh-CN" sz="2000" dirty="0" smtClean="0">
-              <a:latin typeface="+mj-ea"/>
-              <a:ea typeface="+mj-ea"/>
-            </a:endParaRPr>
-          </a:p>
-          <a:p>
-            <a:pPr lvl="2">
-              <a:lnSpc>
-                <a:spcPct val="150000"/>
-              </a:lnSpc>
-            </a:pPr>
-            <a:r>
-              <a:rPr lang="zh-CN" altLang="en-US" sz="1600" dirty="0" smtClean="0">
-                <a:latin typeface="+mj-ea"/>
-                <a:ea typeface="+mj-ea"/>
-              </a:rPr>
-              <a:t>前端：加一个</a:t>
-            </a:r>
-            <a:r>
-              <a:rPr lang="en-US" altLang="zh-CN" sz="1600" dirty="0" err="1" smtClean="0">
-                <a:latin typeface="+mj-ea"/>
-                <a:ea typeface="+mj-ea"/>
-              </a:rPr>
-              <a:t>fieldlist</a:t>
-            </a:r>
-            <a:r>
-              <a:rPr lang="zh-CN" altLang="en-US" sz="1600" dirty="0" smtClean="0">
-                <a:latin typeface="+mj-ea"/>
-                <a:ea typeface="+mj-ea"/>
-              </a:rPr>
-              <a:t>参数</a:t>
-            </a:r>
-            <a:endParaRPr lang="en-US" altLang="zh-CN" sz="1600" dirty="0" smtClean="0">
-              <a:latin typeface="+mj-ea"/>
-              <a:ea typeface="+mj-ea"/>
-            </a:endParaRPr>
-          </a:p>
-          <a:p>
-            <a:pPr lvl="2">
-              <a:lnSpc>
-                <a:spcPct val="150000"/>
-              </a:lnSpc>
-            </a:pPr>
-            <a:r>
-              <a:rPr lang="zh-CN" altLang="en-US" sz="1600" dirty="0" smtClean="0">
-                <a:latin typeface="+mj-ea"/>
-                <a:ea typeface="+mj-ea"/>
-              </a:rPr>
-              <a:t>后端：注解</a:t>
-            </a:r>
-            <a:r>
-              <a:rPr lang="en-US" altLang="zh-CN" sz="1600" dirty="0" smtClean="0">
-                <a:latin typeface="+mj-ea"/>
-                <a:ea typeface="+mj-ea"/>
-              </a:rPr>
-              <a:t>+AOP</a:t>
-            </a:r>
-            <a:endParaRPr lang="en-US" altLang="zh-CN" sz="1600" dirty="0" smtClean="0">
-              <a:latin typeface="+mj-ea"/>
-              <a:ea typeface="+mj-ea"/>
-            </a:endParaRPr>
+            <a:r>
+              <a:rPr lang="zh-CN" altLang="en-US" dirty="0"/>
+              <a:t>小部分废弃代码没有删除</a:t>
+            </a:r>
           </a:p>
         </p:txBody>
       </p:sp>
       <p:pic>
         <p:nvPicPr>
-          <p:cNvPr id="2050" name="Picture 2"/>
+          <p:cNvPr id="5122" name="Picture 2"/>
           <p:cNvPicPr>
             <a:picLocks noChangeAspect="1" noChangeArrowheads="1"/>
           </p:cNvPicPr>
@@ -7160,136 +8118,8 @@
         </p:blipFill>
         <p:spPr bwMode="auto">
           <a:xfrm>
-            <a:off x="6950060" y="3667577"/>
-            <a:ext cx="4790758" cy="1830387"/>
-          </a:xfrm>
-          <a:prstGeom prst="rect">
-            <a:avLst/>
-          </a:prstGeom>
-          <a:noFill/>
-          <a:ln>
-            <a:noFill/>
-          </a:ln>
-          <a:effectLst/>
-          <a:extLst>
-            <a:ext uri="{909E8E84-426E-40DD-AFC4-6F175D3DCCD1}">
-              <a14:hiddenFill xmlns:a14="http://schemas.microsoft.com/office/drawing/2010/main">
-                <a:solidFill>
-                  <a:schemeClr val="accent1"/>
-                </a:solidFill>
-              </a14:hiddenFill>
-            </a:ext>
-            <a:ext uri="{91240B29-F687-4F45-9708-019B960494DF}">
-              <a14:hiddenLine xmlns:a14="http://schemas.microsoft.com/office/drawing/2010/main" w="9525">
-                <a:solidFill>
-                  <a:schemeClr val="tx1"/>
-                </a:solidFill>
-                <a:miter lim="800000"/>
-                <a:headEnd/>
-                <a:tailEnd/>
-              </a14:hiddenLine>
-            </a:ext>
-            <a:ext uri="{AF507438-7753-43E0-B8FC-AC1667EBCBE1}">
-              <a14:hiddenEffects xmlns:a14="http://schemas.microsoft.com/office/drawing/2010/main">
-                <a:effectLst>
-                  <a:outerShdw dist="35921" dir="2700000" algn="ctr" rotWithShape="0">
-                    <a:schemeClr val="bg2"/>
-                  </a:outerShdw>
-                </a:effectLst>
-              </a14:hiddenEffects>
-            </a:ext>
-          </a:extLst>
-        </p:spPr>
-      </p:pic>
-      <p:pic>
-        <p:nvPicPr>
-          <p:cNvPr id="2053" name="Picture 5"/>
-          <p:cNvPicPr>
-            <a:picLocks noChangeAspect="1" noChangeArrowheads="1"/>
-          </p:cNvPicPr>
-          <p:nvPr/>
-        </p:nvPicPr>
-        <p:blipFill>
-          <a:blip r:embed="rId3">
-            <a:extLst>
-              <a:ext uri="{28A0092B-C50C-407E-A947-70E740481C1C}">
-                <a14:useLocalDpi xmlns:a14="http://schemas.microsoft.com/office/drawing/2010/main" val="0"/>
-              </a:ext>
-            </a:extLst>
-          </a:blip>
-          <a:srcRect/>
-          <a:stretch>
-            <a:fillRect/>
-          </a:stretch>
-        </p:blipFill>
-        <p:spPr bwMode="auto">
-          <a:xfrm>
-            <a:off x="7074657" y="1641472"/>
-            <a:ext cx="4666161" cy="1744277"/>
-          </a:xfrm>
-          <a:prstGeom prst="rect">
-            <a:avLst/>
-          </a:prstGeom>
-          <a:noFill/>
-          <a:ln>
-            <a:noFill/>
-          </a:ln>
-          <a:effectLst/>
-          <a:extLst>
-            <a:ext uri="{909E8E84-426E-40DD-AFC4-6F175D3DCCD1}">
-              <a14:hiddenFill xmlns:a14="http://schemas.microsoft.com/office/drawing/2010/main">
-                <a:solidFill>
-                  <a:schemeClr val="accent1"/>
-                </a:solidFill>
-              </a14:hiddenFill>
-            </a:ext>
-            <a:ext uri="{91240B29-F687-4F45-9708-019B960494DF}">
-              <a14:hiddenLine xmlns:a14="http://schemas.microsoft.com/office/drawing/2010/main" w="9525">
-                <a:solidFill>
-                  <a:schemeClr val="tx1"/>
-                </a:solidFill>
-                <a:miter lim="800000"/>
-                <a:headEnd/>
-                <a:tailEnd/>
-              </a14:hiddenLine>
-            </a:ext>
-            <a:ext uri="{AF507438-7753-43E0-B8FC-AC1667EBCBE1}">
-              <a14:hiddenEffects xmlns:a14="http://schemas.microsoft.com/office/drawing/2010/main">
-                <a:effectLst>
-                  <a:outerShdw dist="35921" dir="2700000" algn="ctr" rotWithShape="0">
-                    <a:schemeClr val="bg2"/>
-                  </a:outerShdw>
-                </a:effectLst>
-              </a14:hiddenEffects>
-            </a:ext>
-          </a:extLst>
-        </p:spPr>
-      </p:pic>
-      <p:pic>
-        <p:nvPicPr>
-          <p:cNvPr id="2054" name="Picture 6"/>
-          <p:cNvPicPr>
-            <a:picLocks noChangeAspect="1" noChangeArrowheads="1"/>
-          </p:cNvPicPr>
-          <p:nvPr/>
-        </p:nvPicPr>
-        <p:blipFill>
-          <a:blip r:embed="rId4">
-            <a:extLst>
-              <a:ext uri="{28A0092B-C50C-407E-A947-70E740481C1C}">
-                <a14:useLocalDpi xmlns:a14="http://schemas.microsoft.com/office/drawing/2010/main" val="0"/>
-              </a:ext>
-            </a:extLst>
-          </a:blip>
-          <a:srcRect/>
-          <a:stretch>
-            <a:fillRect/>
-          </a:stretch>
-        </p:blipFill>
-        <p:spPr bwMode="auto">
-          <a:xfrm>
-            <a:off x="6099186" y="5866884"/>
-            <a:ext cx="5743575" cy="619125"/>
+            <a:off x="2311395" y="2950561"/>
+            <a:ext cx="7200900" cy="2143125"/>
           </a:xfrm>
           <a:prstGeom prst="rect">
             <a:avLst/>
@@ -7332,7 +8162,437 @@
     </p:spTree>
     <p:extLst>
       <p:ext uri="{BB962C8B-B14F-4D97-AF65-F5344CB8AC3E}">
-        <p14:creationId xmlns:p14="http://schemas.microsoft.com/office/powerpoint/2010/main" val="3735293242"/>
+        <p14:creationId xmlns:p14="http://schemas.microsoft.com/office/powerpoint/2010/main" val="1503227006"/>
+      </p:ext>
+    </p:extLst>
+  </p:cSld>
+  <p:clrMapOvr>
+    <a:masterClrMapping/>
+  </p:clrMapOvr>
+  <p:timing>
+    <p:tnLst>
+      <p:par>
+        <p:cTn id="1" dur="indefinite" restart="never" nodeType="tmRoot"/>
+      </p:par>
+    </p:tnLst>
+  </p:timing>
+</p:sld>
+</file>
+
+<file path=ppt/slides/slide8.xml><?xml version="1.0" encoding="utf-8"?>
+<p:sld xmlns:a="http://schemas.openxmlformats.org/drawingml/2006/main" xmlns:r="http://schemas.openxmlformats.org/officeDocument/2006/relationships" xmlns:p="http://schemas.openxmlformats.org/presentationml/2006/main">
+  <p:cSld>
+    <p:spTree>
+      <p:nvGrpSpPr>
+        <p:cNvPr id="1" name=""/>
+        <p:cNvGrpSpPr/>
+        <p:nvPr/>
+      </p:nvGrpSpPr>
+      <p:grpSpPr>
+        <a:xfrm>
+          <a:off x="0" y="0"/>
+          <a:ext cx="0" cy="0"/>
+          <a:chOff x="0" y="0"/>
+          <a:chExt cx="0" cy="0"/>
+        </a:xfrm>
+      </p:grpSpPr>
+      <p:sp>
+        <p:nvSpPr>
+          <p:cNvPr id="2" name="标题 1"/>
+          <p:cNvSpPr>
+            <a:spLocks noGrp="1"/>
+          </p:cNvSpPr>
+          <p:nvPr>
+            <p:ph type="title"/>
+          </p:nvPr>
+        </p:nvSpPr>
+        <p:spPr/>
+        <p:txBody>
+          <a:bodyPr>
+            <a:normAutofit/>
+          </a:bodyPr>
+          <a:lstStyle/>
+          <a:p>
+            <a:r>
+              <a:rPr lang="zh-CN" altLang="en-US" dirty="0">
+                <a:solidFill>
+                  <a:srgbClr val="1713DC"/>
+                </a:solidFill>
+                <a:latin typeface="+mj-ea"/>
+              </a:rPr>
+              <a:t>互</a:t>
+            </a:r>
+            <a:r>
+              <a:rPr lang="zh-CN" altLang="en-US" dirty="0" smtClean="0">
+                <a:solidFill>
+                  <a:srgbClr val="1713DC"/>
+                </a:solidFill>
+                <a:latin typeface="+mj-ea"/>
+              </a:rPr>
+              <a:t>捧</a:t>
+            </a:r>
+            <a:endParaRPr lang="zh-CN" altLang="en-US" dirty="0">
+              <a:solidFill>
+                <a:srgbClr val="1713DC"/>
+              </a:solidFill>
+              <a:latin typeface="+mj-ea"/>
+            </a:endParaRPr>
+          </a:p>
+        </p:txBody>
+      </p:sp>
+      <p:sp>
+        <p:nvSpPr>
+          <p:cNvPr id="21" name="Text Box 48"/>
+          <p:cNvSpPr txBox="1">
+            <a:spLocks noChangeArrowheads="1"/>
+          </p:cNvSpPr>
+          <p:nvPr/>
+        </p:nvSpPr>
+        <p:spPr bwMode="auto">
+          <a:xfrm>
+            <a:off x="6023056" y="1641474"/>
+            <a:ext cx="1978608" cy="369887"/>
+          </a:xfrm>
+          <a:prstGeom prst="rect">
+            <a:avLst/>
+          </a:prstGeom>
+          <a:noFill/>
+          <a:ln w="9525">
+            <a:noFill/>
+            <a:miter lim="800000"/>
+            <a:headEnd/>
+            <a:tailEnd/>
+          </a:ln>
+          <a:effectLst/>
+        </p:spPr>
+        <p:txBody>
+          <a:bodyPr wrap="square">
+            <a:spAutoFit/>
+          </a:bodyPr>
+          <a:lstStyle/>
+          <a:p>
+            <a:pPr algn="ctr" eaLnBrk="0" hangingPunct="0"/>
+            <a:endParaRPr lang="en-US" altLang="zh-CN" dirty="0">
+              <a:latin typeface="+mj-ea"/>
+              <a:ea typeface="+mj-ea"/>
+            </a:endParaRPr>
+          </a:p>
+        </p:txBody>
+      </p:sp>
+      <p:sp>
+        <p:nvSpPr>
+          <p:cNvPr id="6" name="内容占位符 2"/>
+          <p:cNvSpPr>
+            <a:spLocks noGrp="1"/>
+          </p:cNvSpPr>
+          <p:nvPr>
+            <p:ph idx="1"/>
+          </p:nvPr>
+        </p:nvSpPr>
+        <p:spPr>
+          <a:xfrm>
+            <a:off x="794657" y="1796597"/>
+            <a:ext cx="10515600" cy="4351338"/>
+          </a:xfrm>
+        </p:spPr>
+        <p:txBody>
+          <a:bodyPr wrap="none">
+            <a:normAutofit/>
+          </a:bodyPr>
+          <a:lstStyle/>
+          <a:p>
+            <a:pPr>
+              <a:lnSpc>
+                <a:spcPct val="150000"/>
+              </a:lnSpc>
+            </a:pPr>
+            <a:r>
+              <a:rPr lang="zh-CN" altLang="en-US" dirty="0" smtClean="0">
+                <a:latin typeface="+mj-ea"/>
+                <a:ea typeface="+mj-ea"/>
+              </a:rPr>
+              <a:t>自惭</a:t>
+            </a:r>
+            <a:endParaRPr lang="en-US" altLang="zh-CN" dirty="0" smtClean="0">
+              <a:latin typeface="+mj-ea"/>
+              <a:ea typeface="+mj-ea"/>
+            </a:endParaRPr>
+          </a:p>
+          <a:p>
+            <a:pPr>
+              <a:lnSpc>
+                <a:spcPct val="150000"/>
+              </a:lnSpc>
+            </a:pPr>
+            <a:r>
+              <a:rPr lang="zh-CN" altLang="en-US" b="1" dirty="0" smtClean="0">
+                <a:solidFill>
+                  <a:srgbClr val="1713DC"/>
+                </a:solidFill>
+                <a:latin typeface="+mj-ea"/>
+                <a:ea typeface="+mj-ea"/>
+              </a:rPr>
+              <a:t>互捧</a:t>
+            </a:r>
+            <a:endParaRPr lang="en-US" altLang="zh-CN" b="1" dirty="0" smtClean="0">
+              <a:solidFill>
+                <a:srgbClr val="1713DC"/>
+              </a:solidFill>
+              <a:latin typeface="+mj-ea"/>
+              <a:ea typeface="+mj-ea"/>
+            </a:endParaRPr>
+          </a:p>
+          <a:p>
+            <a:pPr>
+              <a:lnSpc>
+                <a:spcPct val="150000"/>
+              </a:lnSpc>
+            </a:pPr>
+            <a:r>
+              <a:rPr lang="zh-CN" altLang="en-US" dirty="0" smtClean="0">
+                <a:latin typeface="+mj-ea"/>
+                <a:ea typeface="+mj-ea"/>
+              </a:rPr>
+              <a:t>自夸</a:t>
+            </a:r>
+            <a:endParaRPr lang="en-US" altLang="zh-CN" dirty="0" smtClean="0">
+              <a:latin typeface="+mj-ea"/>
+              <a:ea typeface="+mj-ea"/>
+            </a:endParaRPr>
+          </a:p>
+          <a:p>
+            <a:pPr>
+              <a:lnSpc>
+                <a:spcPct val="150000"/>
+              </a:lnSpc>
+            </a:pPr>
+            <a:r>
+              <a:rPr lang="zh-CN" altLang="en-US" dirty="0" smtClean="0">
+                <a:latin typeface="+mj-ea"/>
+                <a:ea typeface="+mj-ea"/>
+              </a:rPr>
+              <a:t>互踩</a:t>
+            </a:r>
+            <a:endParaRPr lang="en-US" altLang="zh-CN" dirty="0" smtClean="0">
+              <a:latin typeface="+mj-ea"/>
+              <a:ea typeface="+mj-ea"/>
+            </a:endParaRPr>
+          </a:p>
+        </p:txBody>
+      </p:sp>
+    </p:spTree>
+    <p:extLst>
+      <p:ext uri="{BB962C8B-B14F-4D97-AF65-F5344CB8AC3E}">
+        <p14:creationId xmlns:p14="http://schemas.microsoft.com/office/powerpoint/2010/main" val="4117759952"/>
+      </p:ext>
+    </p:extLst>
+  </p:cSld>
+  <p:clrMapOvr>
+    <a:masterClrMapping/>
+  </p:clrMapOvr>
+  <p:timing>
+    <p:tnLst>
+      <p:par>
+        <p:cTn id="1" dur="indefinite" restart="never" nodeType="tmRoot"/>
+      </p:par>
+    </p:tnLst>
+  </p:timing>
+</p:sld>
+</file>
+
+<file path=ppt/slides/slide9.xml><?xml version="1.0" encoding="utf-8"?>
+<p:sld xmlns:a="http://schemas.openxmlformats.org/drawingml/2006/main" xmlns:r="http://schemas.openxmlformats.org/officeDocument/2006/relationships" xmlns:p="http://schemas.openxmlformats.org/presentationml/2006/main">
+  <p:cSld>
+    <p:spTree>
+      <p:nvGrpSpPr>
+        <p:cNvPr id="1" name=""/>
+        <p:cNvGrpSpPr/>
+        <p:nvPr/>
+      </p:nvGrpSpPr>
+      <p:grpSpPr>
+        <a:xfrm>
+          <a:off x="0" y="0"/>
+          <a:ext cx="0" cy="0"/>
+          <a:chOff x="0" y="0"/>
+          <a:chExt cx="0" cy="0"/>
+        </a:xfrm>
+      </p:grpSpPr>
+      <p:sp>
+        <p:nvSpPr>
+          <p:cNvPr id="2" name="标题 1"/>
+          <p:cNvSpPr>
+            <a:spLocks noGrp="1"/>
+          </p:cNvSpPr>
+          <p:nvPr>
+            <p:ph type="title"/>
+          </p:nvPr>
+        </p:nvSpPr>
+        <p:spPr/>
+        <p:txBody>
+          <a:bodyPr>
+            <a:normAutofit/>
+          </a:bodyPr>
+          <a:lstStyle/>
+          <a:p>
+            <a:r>
+              <a:rPr lang="zh-CN" altLang="en-US" dirty="0" smtClean="0">
+                <a:latin typeface="+mj-ea"/>
+              </a:rPr>
+              <a:t>自夸</a:t>
+            </a:r>
+            <a:endParaRPr lang="zh-CN" altLang="en-US" dirty="0">
+              <a:solidFill>
+                <a:srgbClr val="1713DC"/>
+              </a:solidFill>
+              <a:latin typeface="+mj-ea"/>
+            </a:endParaRPr>
+          </a:p>
+        </p:txBody>
+      </p:sp>
+      <p:sp>
+        <p:nvSpPr>
+          <p:cNvPr id="21" name="Text Box 48"/>
+          <p:cNvSpPr txBox="1">
+            <a:spLocks noChangeArrowheads="1"/>
+          </p:cNvSpPr>
+          <p:nvPr/>
+        </p:nvSpPr>
+        <p:spPr bwMode="auto">
+          <a:xfrm>
+            <a:off x="6023056" y="1641474"/>
+            <a:ext cx="1978608" cy="369887"/>
+          </a:xfrm>
+          <a:prstGeom prst="rect">
+            <a:avLst/>
+          </a:prstGeom>
+          <a:noFill/>
+          <a:ln w="9525">
+            <a:noFill/>
+            <a:miter lim="800000"/>
+            <a:headEnd/>
+            <a:tailEnd/>
+          </a:ln>
+          <a:effectLst/>
+        </p:spPr>
+        <p:txBody>
+          <a:bodyPr wrap="square">
+            <a:spAutoFit/>
+          </a:bodyPr>
+          <a:lstStyle/>
+          <a:p>
+            <a:pPr algn="ctr" eaLnBrk="0" hangingPunct="0"/>
+            <a:endParaRPr lang="en-US" altLang="zh-CN" dirty="0">
+              <a:latin typeface="+mj-ea"/>
+              <a:ea typeface="+mj-ea"/>
+            </a:endParaRPr>
+          </a:p>
+        </p:txBody>
+      </p:sp>
+      <p:sp>
+        <p:nvSpPr>
+          <p:cNvPr id="6" name="内容占位符 2"/>
+          <p:cNvSpPr>
+            <a:spLocks noGrp="1"/>
+          </p:cNvSpPr>
+          <p:nvPr>
+            <p:ph idx="1"/>
+          </p:nvPr>
+        </p:nvSpPr>
+        <p:spPr>
+          <a:xfrm>
+            <a:off x="794657" y="1796597"/>
+            <a:ext cx="10515600" cy="4351338"/>
+          </a:xfrm>
+        </p:spPr>
+        <p:txBody>
+          <a:bodyPr wrap="none">
+            <a:normAutofit/>
+          </a:bodyPr>
+          <a:lstStyle/>
+          <a:p>
+            <a:pPr>
+              <a:lnSpc>
+                <a:spcPct val="150000"/>
+              </a:lnSpc>
+            </a:pPr>
+            <a:r>
+              <a:rPr lang="zh-CN" altLang="en-US" dirty="0" smtClean="0">
+                <a:latin typeface="+mj-ea"/>
+                <a:ea typeface="+mj-ea"/>
+              </a:rPr>
+              <a:t>自惭</a:t>
+            </a:r>
+            <a:endParaRPr lang="en-US" altLang="zh-CN" dirty="0" smtClean="0">
+              <a:latin typeface="+mj-ea"/>
+              <a:ea typeface="+mj-ea"/>
+            </a:endParaRPr>
+          </a:p>
+          <a:p>
+            <a:pPr>
+              <a:lnSpc>
+                <a:spcPct val="150000"/>
+              </a:lnSpc>
+            </a:pPr>
+            <a:r>
+              <a:rPr lang="zh-CN" altLang="en-US" dirty="0" smtClean="0">
+                <a:latin typeface="+mj-ea"/>
+                <a:ea typeface="+mj-ea"/>
+              </a:rPr>
+              <a:t>互捧</a:t>
+            </a:r>
+            <a:endParaRPr lang="en-US" altLang="zh-CN" dirty="0" smtClean="0">
+              <a:latin typeface="+mj-ea"/>
+              <a:ea typeface="+mj-ea"/>
+            </a:endParaRPr>
+          </a:p>
+          <a:p>
+            <a:pPr>
+              <a:lnSpc>
+                <a:spcPct val="150000"/>
+              </a:lnSpc>
+            </a:pPr>
+            <a:r>
+              <a:rPr lang="zh-CN" altLang="en-US" b="1" dirty="0" smtClean="0">
+                <a:solidFill>
+                  <a:srgbClr val="1713DC"/>
+                </a:solidFill>
+                <a:latin typeface="+mj-ea"/>
+                <a:ea typeface="+mj-ea"/>
+              </a:rPr>
+              <a:t>自夸</a:t>
+            </a:r>
+            <a:endParaRPr lang="en-US" altLang="zh-CN" b="1" dirty="0" smtClean="0">
+              <a:solidFill>
+                <a:srgbClr val="1713DC"/>
+              </a:solidFill>
+              <a:latin typeface="+mj-ea"/>
+              <a:ea typeface="+mj-ea"/>
+            </a:endParaRPr>
+          </a:p>
+          <a:p>
+            <a:pPr>
+              <a:lnSpc>
+                <a:spcPct val="150000"/>
+              </a:lnSpc>
+            </a:pPr>
+            <a:r>
+              <a:rPr lang="zh-CN" altLang="en-US" dirty="0" smtClean="0">
+                <a:latin typeface="+mj-ea"/>
+                <a:ea typeface="+mj-ea"/>
+              </a:rPr>
+              <a:t>互踩</a:t>
+            </a:r>
+            <a:endParaRPr lang="en-US" altLang="zh-CN" dirty="0" smtClean="0">
+              <a:latin typeface="+mj-ea"/>
+              <a:ea typeface="+mj-ea"/>
+            </a:endParaRPr>
+          </a:p>
+        </p:txBody>
+      </p:sp>
+    </p:spTree>
+    <p:extLst>
+      <p:ext uri="{BB962C8B-B14F-4D97-AF65-F5344CB8AC3E}">
+        <p14:creationId xmlns:p14="http://schemas.microsoft.com/office/powerpoint/2010/main" val="29779917"/>
       </p:ext>
     </p:extLst>
   </p:cSld>
@@ -7604,7 +8864,7 @@
   <a:extraClrSchemeLst/>
   <a:extLst>
     <a:ext uri="{05A4C25C-085E-4340-85A3-A5531E510DB2}">
-      <thm15:themeFamily xmlns="" xmlns:thm15="http://schemas.microsoft.com/office/thememl/2012/main" name="Office Theme" id="{62F939B6-93AF-4DB8-9C6B-D6C7DFDC589F}" vid="{4A3C46E8-61CC-4603-A589-7422A47A8E4A}"/>
+      <thm15:themeFamily xmlns:thm15="http://schemas.microsoft.com/office/thememl/2012/main" xmlns="" name="Office Theme" id="{62F939B6-93AF-4DB8-9C6B-D6C7DFDC589F}" vid="{4A3C46E8-61CC-4603-A589-7422A47A8E4A}"/>
     </a:ext>
   </a:extLst>
 </a:theme>
@@ -7865,7 +9125,7 @@
   <a:extraClrSchemeLst/>
   <a:extLst>
     <a:ext uri="{05A4C25C-085E-4340-85A3-A5531E510DB2}">
-      <thm15:themeFamily xmlns="" xmlns:thm15="http://schemas.microsoft.com/office/thememl/2012/main" name="Office Theme" id="{62F939B6-93AF-4DB8-9C6B-D6C7DFDC589F}" vid="{4A3C46E8-61CC-4603-A589-7422A47A8E4A}"/>
+      <thm15:themeFamily xmlns:thm15="http://schemas.microsoft.com/office/thememl/2012/main" xmlns="" name="Office Theme" id="{62F939B6-93AF-4DB8-9C6B-D6C7DFDC589F}" vid="{4A3C46E8-61CC-4603-A589-7422A47A8E4A}"/>
     </a:ext>
   </a:extLst>
 </a:theme>
@@ -8126,7 +9386,7 @@
   <a:extraClrSchemeLst/>
   <a:extLst>
     <a:ext uri="{05A4C25C-085E-4340-85A3-A5531E510DB2}">
-      <thm15:themeFamily xmlns="" xmlns:thm15="http://schemas.microsoft.com/office/thememl/2012/main" name="Office Theme" id="{62F939B6-93AF-4DB8-9C6B-D6C7DFDC589F}" vid="{4A3C46E8-61CC-4603-A589-7422A47A8E4A}"/>
+      <thm15:themeFamily xmlns:thm15="http://schemas.microsoft.com/office/thememl/2012/main" xmlns="" name="Office Theme" id="{62F939B6-93AF-4DB8-9C6B-D6C7DFDC589F}" vid="{4A3C46E8-61CC-4603-A589-7422A47A8E4A}"/>
     </a:ext>
   </a:extLst>
 </a:theme>
